--- a/document/Presentation FlowerGrow.pptx
+++ b/document/Presentation FlowerGrow.pptx
@@ -9,6 +9,9 @@
     <p:sldId id="257" r:id="rId3"/>
     <p:sldId id="258" r:id="rId4"/>
     <p:sldId id="259" r:id="rId5"/>
+    <p:sldId id="260" r:id="rId6"/>
+    <p:sldId id="262" r:id="rId7"/>
+    <p:sldId id="261" r:id="rId8"/>
   </p:sldIdLst>
   <p:sldSz cx="9144000" cy="6858000" type="screen4x3"/>
   <p:notesSz cx="6858000" cy="9144000"/>
@@ -3281,6 +3284,13 @@
   <p:clrMapOvr>
     <a:masterClrMapping/>
   </p:clrMapOvr>
+  <p:timing>
+    <p:tnLst>
+      <p:par>
+        <p:cTn xmlns:p14="http://schemas.microsoft.com/office/powerpoint/2010/main" id="1" dur="indefinite" restart="never" nodeType="tmRoot"/>
+      </p:par>
+    </p:tnLst>
+  </p:timing>
 </p:sld>
 </file>
 
@@ -3447,6 +3457,627 @@
   <p:clrMapOvr>
     <a:masterClrMapping/>
   </p:clrMapOvr>
+  <p:timing>
+    <p:tnLst>
+      <p:par>
+        <p:cTn xmlns:p14="http://schemas.microsoft.com/office/powerpoint/2010/main" id="1" dur="indefinite" restart="never" nodeType="tmRoot">
+          <p:childTnLst>
+            <p:seq concurrent="1" nextAc="seek">
+              <p:cTn id="2" dur="indefinite" nodeType="mainSeq">
+                <p:childTnLst>
+                  <p:par>
+                    <p:cTn id="3" fill="hold">
+                      <p:stCondLst>
+                        <p:cond delay="indefinite"/>
+                      </p:stCondLst>
+                      <p:childTnLst>
+                        <p:par>
+                          <p:cTn id="4" fill="hold">
+                            <p:stCondLst>
+                              <p:cond delay="0"/>
+                            </p:stCondLst>
+                            <p:childTnLst>
+                              <p:par>
+                                <p:cTn id="5" presetID="1" presetClass="entr" presetSubtype="0" fill="hold" grpId="0" nodeType="clickEffect">
+                                  <p:stCondLst>
+                                    <p:cond delay="0"/>
+                                  </p:stCondLst>
+                                  <p:childTnLst>
+                                    <p:set>
+                                      <p:cBhvr>
+                                        <p:cTn id="6" dur="1" fill="hold">
+                                          <p:stCondLst>
+                                            <p:cond delay="0"/>
+                                          </p:stCondLst>
+                                        </p:cTn>
+                                        <p:tgtEl>
+                                          <p:spTgt spid="3">
+                                            <p:txEl>
+                                              <p:pRg st="0" end="0"/>
+                                            </p:txEl>
+                                          </p:spTgt>
+                                        </p:tgtEl>
+                                        <p:attrNameLst>
+                                          <p:attrName>style.visibility</p:attrName>
+                                        </p:attrNameLst>
+                                      </p:cBhvr>
+                                      <p:to>
+                                        <p:strVal val="visible"/>
+                                      </p:to>
+                                    </p:set>
+                                  </p:childTnLst>
+                                </p:cTn>
+                              </p:par>
+                            </p:childTnLst>
+                          </p:cTn>
+                        </p:par>
+                      </p:childTnLst>
+                    </p:cTn>
+                  </p:par>
+                  <p:par>
+                    <p:cTn id="7" fill="hold">
+                      <p:stCondLst>
+                        <p:cond delay="indefinite"/>
+                      </p:stCondLst>
+                      <p:childTnLst>
+                        <p:par>
+                          <p:cTn id="8" fill="hold">
+                            <p:stCondLst>
+                              <p:cond delay="0"/>
+                            </p:stCondLst>
+                            <p:childTnLst>
+                              <p:par>
+                                <p:cTn id="9" presetID="1" presetClass="entr" presetSubtype="0" fill="hold" grpId="0" nodeType="clickEffect">
+                                  <p:stCondLst>
+                                    <p:cond delay="0"/>
+                                  </p:stCondLst>
+                                  <p:childTnLst>
+                                    <p:set>
+                                      <p:cBhvr>
+                                        <p:cTn id="10" dur="1" fill="hold">
+                                          <p:stCondLst>
+                                            <p:cond delay="0"/>
+                                          </p:stCondLst>
+                                        </p:cTn>
+                                        <p:tgtEl>
+                                          <p:spTgt spid="3">
+                                            <p:txEl>
+                                              <p:pRg st="1" end="1"/>
+                                            </p:txEl>
+                                          </p:spTgt>
+                                        </p:tgtEl>
+                                        <p:attrNameLst>
+                                          <p:attrName>style.visibility</p:attrName>
+                                        </p:attrNameLst>
+                                      </p:cBhvr>
+                                      <p:to>
+                                        <p:strVal val="visible"/>
+                                      </p:to>
+                                    </p:set>
+                                  </p:childTnLst>
+                                </p:cTn>
+                              </p:par>
+                            </p:childTnLst>
+                          </p:cTn>
+                        </p:par>
+                      </p:childTnLst>
+                    </p:cTn>
+                  </p:par>
+                  <p:par>
+                    <p:cTn id="11" fill="hold">
+                      <p:stCondLst>
+                        <p:cond delay="indefinite"/>
+                      </p:stCondLst>
+                      <p:childTnLst>
+                        <p:par>
+                          <p:cTn id="12" fill="hold">
+                            <p:stCondLst>
+                              <p:cond delay="0"/>
+                            </p:stCondLst>
+                            <p:childTnLst>
+                              <p:par>
+                                <p:cTn id="13" presetID="1" presetClass="entr" presetSubtype="0" fill="hold" grpId="0" nodeType="clickEffect">
+                                  <p:stCondLst>
+                                    <p:cond delay="0"/>
+                                  </p:stCondLst>
+                                  <p:childTnLst>
+                                    <p:set>
+                                      <p:cBhvr>
+                                        <p:cTn id="14" dur="1" fill="hold">
+                                          <p:stCondLst>
+                                            <p:cond delay="0"/>
+                                          </p:stCondLst>
+                                        </p:cTn>
+                                        <p:tgtEl>
+                                          <p:spTgt spid="3">
+                                            <p:txEl>
+                                              <p:pRg st="2" end="2"/>
+                                            </p:txEl>
+                                          </p:spTgt>
+                                        </p:tgtEl>
+                                        <p:attrNameLst>
+                                          <p:attrName>style.visibility</p:attrName>
+                                        </p:attrNameLst>
+                                      </p:cBhvr>
+                                      <p:to>
+                                        <p:strVal val="visible"/>
+                                      </p:to>
+                                    </p:set>
+                                  </p:childTnLst>
+                                </p:cTn>
+                              </p:par>
+                            </p:childTnLst>
+                          </p:cTn>
+                        </p:par>
+                      </p:childTnLst>
+                    </p:cTn>
+                  </p:par>
+                  <p:par>
+                    <p:cTn id="15" fill="hold">
+                      <p:stCondLst>
+                        <p:cond delay="indefinite"/>
+                      </p:stCondLst>
+                      <p:childTnLst>
+                        <p:par>
+                          <p:cTn id="16" fill="hold">
+                            <p:stCondLst>
+                              <p:cond delay="0"/>
+                            </p:stCondLst>
+                            <p:childTnLst>
+                              <p:par>
+                                <p:cTn id="17" presetID="1" presetClass="entr" presetSubtype="0" fill="hold" grpId="0" nodeType="clickEffect">
+                                  <p:stCondLst>
+                                    <p:cond delay="0"/>
+                                  </p:stCondLst>
+                                  <p:childTnLst>
+                                    <p:set>
+                                      <p:cBhvr>
+                                        <p:cTn id="18" dur="1" fill="hold">
+                                          <p:stCondLst>
+                                            <p:cond delay="0"/>
+                                          </p:stCondLst>
+                                        </p:cTn>
+                                        <p:tgtEl>
+                                          <p:spTgt spid="3">
+                                            <p:txEl>
+                                              <p:pRg st="3" end="3"/>
+                                            </p:txEl>
+                                          </p:spTgt>
+                                        </p:tgtEl>
+                                        <p:attrNameLst>
+                                          <p:attrName>style.visibility</p:attrName>
+                                        </p:attrNameLst>
+                                      </p:cBhvr>
+                                      <p:to>
+                                        <p:strVal val="visible"/>
+                                      </p:to>
+                                    </p:set>
+                                  </p:childTnLst>
+                                </p:cTn>
+                              </p:par>
+                            </p:childTnLst>
+                          </p:cTn>
+                        </p:par>
+                      </p:childTnLst>
+                    </p:cTn>
+                  </p:par>
+                  <p:par>
+                    <p:cTn id="19" fill="hold">
+                      <p:stCondLst>
+                        <p:cond delay="indefinite"/>
+                      </p:stCondLst>
+                      <p:childTnLst>
+                        <p:par>
+                          <p:cTn id="20" fill="hold">
+                            <p:stCondLst>
+                              <p:cond delay="0"/>
+                            </p:stCondLst>
+                            <p:childTnLst>
+                              <p:par>
+                                <p:cTn id="21" presetID="1" presetClass="entr" presetSubtype="0" fill="hold" grpId="0" nodeType="clickEffect">
+                                  <p:stCondLst>
+                                    <p:cond delay="0"/>
+                                  </p:stCondLst>
+                                  <p:childTnLst>
+                                    <p:set>
+                                      <p:cBhvr>
+                                        <p:cTn id="22" dur="1" fill="hold">
+                                          <p:stCondLst>
+                                            <p:cond delay="0"/>
+                                          </p:stCondLst>
+                                        </p:cTn>
+                                        <p:tgtEl>
+                                          <p:spTgt spid="3">
+                                            <p:txEl>
+                                              <p:pRg st="4" end="4"/>
+                                            </p:txEl>
+                                          </p:spTgt>
+                                        </p:tgtEl>
+                                        <p:attrNameLst>
+                                          <p:attrName>style.visibility</p:attrName>
+                                        </p:attrNameLst>
+                                      </p:cBhvr>
+                                      <p:to>
+                                        <p:strVal val="visible"/>
+                                      </p:to>
+                                    </p:set>
+                                  </p:childTnLst>
+                                </p:cTn>
+                              </p:par>
+                            </p:childTnLst>
+                          </p:cTn>
+                        </p:par>
+                      </p:childTnLst>
+                    </p:cTn>
+                  </p:par>
+                  <p:par>
+                    <p:cTn id="23" fill="hold">
+                      <p:stCondLst>
+                        <p:cond delay="indefinite"/>
+                      </p:stCondLst>
+                      <p:childTnLst>
+                        <p:par>
+                          <p:cTn id="24" fill="hold">
+                            <p:stCondLst>
+                              <p:cond delay="0"/>
+                            </p:stCondLst>
+                            <p:childTnLst>
+                              <p:par>
+                                <p:cTn id="25" presetID="43" presetClass="entr" presetSubtype="0" fill="hold" nodeType="clickEffect">
+                                  <p:stCondLst>
+                                    <p:cond delay="0"/>
+                                  </p:stCondLst>
+                                  <p:childTnLst>
+                                    <p:set>
+                                      <p:cBhvr>
+                                        <p:cTn id="26" dur="1" fill="hold">
+                                          <p:stCondLst>
+                                            <p:cond delay="0"/>
+                                          </p:stCondLst>
+                                        </p:cTn>
+                                        <p:tgtEl>
+                                          <p:spTgt spid="7"/>
+                                        </p:tgtEl>
+                                        <p:attrNameLst>
+                                          <p:attrName>style.visibility</p:attrName>
+                                        </p:attrNameLst>
+                                      </p:cBhvr>
+                                      <p:to>
+                                        <p:strVal val="visible"/>
+                                      </p:to>
+                                    </p:set>
+                                    <p:animEffect transition="in" filter="fade">
+                                      <p:cBhvr>
+                                        <p:cTn id="27" dur="100"/>
+                                        <p:tgtEl>
+                                          <p:spTgt spid="7"/>
+                                        </p:tgtEl>
+                                      </p:cBhvr>
+                                    </p:animEffect>
+                                    <p:anim calcmode="lin" valueType="num">
+                                      <p:cBhvr>
+                                        <p:cTn id="28" dur="400" fill="hold"/>
+                                        <p:tgtEl>
+                                          <p:spTgt spid="7"/>
+                                        </p:tgtEl>
+                                        <p:attrNameLst>
+                                          <p:attrName>ppt_x</p:attrName>
+                                        </p:attrNameLst>
+                                      </p:cBhvr>
+                                      <p:tavLst>
+                                        <p:tav tm="0">
+                                          <p:val>
+                                            <p:strVal val="#ppt_x"/>
+                                          </p:val>
+                                        </p:tav>
+                                        <p:tav tm="100000">
+                                          <p:val>
+                                            <p:strVal val="#ppt_x"/>
+                                          </p:val>
+                                        </p:tav>
+                                      </p:tavLst>
+                                    </p:anim>
+                                    <p:anim calcmode="lin" valueType="num">
+                                      <p:cBhvr>
+                                        <p:cTn id="29" dur="400" fill="hold"/>
+                                        <p:tgtEl>
+                                          <p:spTgt spid="7"/>
+                                        </p:tgtEl>
+                                        <p:attrNameLst>
+                                          <p:attrName>ppt_y</p:attrName>
+                                        </p:attrNameLst>
+                                      </p:cBhvr>
+                                      <p:tavLst>
+                                        <p:tav tm="0">
+                                          <p:val>
+                                            <p:strVal val="#ppt_y+0.31"/>
+                                          </p:val>
+                                        </p:tav>
+                                        <p:tav tm="100000">
+                                          <p:val>
+                                            <p:strVal val="#ppt_y+0.31"/>
+                                          </p:val>
+                                        </p:tav>
+                                      </p:tavLst>
+                                    </p:anim>
+                                    <p:anim calcmode="lin" valueType="num">
+                                      <p:cBhvr>
+                                        <p:cTn id="30" dur="600" decel="50000" fill="hold">
+                                          <p:stCondLst>
+                                            <p:cond delay="400"/>
+                                          </p:stCondLst>
+                                        </p:cTn>
+                                        <p:tgtEl>
+                                          <p:spTgt spid="7"/>
+                                        </p:tgtEl>
+                                        <p:attrNameLst>
+                                          <p:attrName>ppt_x</p:attrName>
+                                        </p:attrNameLst>
+                                      </p:cBhvr>
+                                      <p:tavLst>
+                                        <p:tav tm="0">
+                                          <p:val>
+                                            <p:strVal val="#ppt_x"/>
+                                          </p:val>
+                                        </p:tav>
+                                        <p:tav tm="5000">
+                                          <p:val>
+                                            <p:strVal val="#ppt_x+0.0242"/>
+                                          </p:val>
+                                        </p:tav>
+                                        <p:tav tm="10000">
+                                          <p:val>
+                                            <p:strVal val="#ppt_x+0.0479"/>
+                                          </p:val>
+                                        </p:tav>
+                                        <p:tav tm="15000">
+                                          <p:val>
+                                            <p:strVal val="#ppt_x+0.0704"/>
+                                          </p:val>
+                                        </p:tav>
+                                        <p:tav tm="20000">
+                                          <p:val>
+                                            <p:strVal val="#ppt_x+0.0911"/>
+                                          </p:val>
+                                        </p:tav>
+                                        <p:tav tm="25000">
+                                          <p:val>
+                                            <p:strVal val="#ppt_x+0.1096"/>
+                                          </p:val>
+                                        </p:tav>
+                                        <p:tav tm="30000">
+                                          <p:val>
+                                            <p:strVal val="#ppt_x+0.1254"/>
+                                          </p:val>
+                                        </p:tav>
+                                        <p:tav tm="35000">
+                                          <p:val>
+                                            <p:strVal val="#ppt_x+0.1381"/>
+                                          </p:val>
+                                        </p:tav>
+                                        <p:tav tm="40000">
+                                          <p:val>
+                                            <p:strVal val="#ppt_x+0.1474"/>
+                                          </p:val>
+                                        </p:tav>
+                                        <p:tav tm="45000">
+                                          <p:val>
+                                            <p:strVal val="#ppt_x+0.1531"/>
+                                          </p:val>
+                                        </p:tav>
+                                        <p:tav tm="50000">
+                                          <p:val>
+                                            <p:strVal val="#ppt_x+0.1550"/>
+                                          </p:val>
+                                        </p:tav>
+                                        <p:tav tm="55000">
+                                          <p:val>
+                                            <p:strVal val="#ppt_x+0.1531"/>
+                                          </p:val>
+                                        </p:tav>
+                                        <p:tav tm="60000">
+                                          <p:val>
+                                            <p:strVal val="#ppt_x+0.1474"/>
+                                          </p:val>
+                                        </p:tav>
+                                        <p:tav tm="65000">
+                                          <p:val>
+                                            <p:strVal val="#ppt_x+0.1381"/>
+                                          </p:val>
+                                        </p:tav>
+                                        <p:tav tm="70000">
+                                          <p:val>
+                                            <p:strVal val="#ppt_x+0.1254"/>
+                                          </p:val>
+                                        </p:tav>
+                                        <p:tav tm="75000">
+                                          <p:val>
+                                            <p:strVal val="#ppt_x+0.1096"/>
+                                          </p:val>
+                                        </p:tav>
+                                        <p:tav tm="80000">
+                                          <p:val>
+                                            <p:strVal val="#ppt_x+0.0911"/>
+                                          </p:val>
+                                        </p:tav>
+                                        <p:tav tm="85000">
+                                          <p:val>
+                                            <p:strVal val="#ppt_x+0.0704"/>
+                                          </p:val>
+                                        </p:tav>
+                                        <p:tav tm="90000">
+                                          <p:val>
+                                            <p:strVal val="#ppt_x+0.0479"/>
+                                          </p:val>
+                                        </p:tav>
+                                        <p:tav tm="95000">
+                                          <p:val>
+                                            <p:strVal val="#ppt_x+0.0242"/>
+                                          </p:val>
+                                        </p:tav>
+                                        <p:tav tm="100000">
+                                          <p:val>
+                                            <p:strVal val="#ppt_x"/>
+                                          </p:val>
+                                        </p:tav>
+                                      </p:tavLst>
+                                    </p:anim>
+                                    <p:anim calcmode="lin" valueType="num">
+                                      <p:cBhvr>
+                                        <p:cTn id="31" dur="600" decel="50000" fill="hold">
+                                          <p:stCondLst>
+                                            <p:cond delay="400"/>
+                                          </p:stCondLst>
+                                        </p:cTn>
+                                        <p:tgtEl>
+                                          <p:spTgt spid="7"/>
+                                        </p:tgtEl>
+                                        <p:attrNameLst>
+                                          <p:attrName>ppt_y</p:attrName>
+                                        </p:attrNameLst>
+                                      </p:cBhvr>
+                                      <p:tavLst>
+                                        <p:tav tm="0">
+                                          <p:val>
+                                            <p:strVal val="#ppt_y+0.31"/>
+                                          </p:val>
+                                        </p:tav>
+                                        <p:tav tm="5000">
+                                          <p:val>
+                                            <p:strVal val="#ppt_y+0.308"/>
+                                          </p:val>
+                                        </p:tav>
+                                        <p:tav tm="10000">
+                                          <p:val>
+                                            <p:strVal val="#ppt_y+0.3024"/>
+                                          </p:val>
+                                        </p:tav>
+                                        <p:tav tm="15000">
+                                          <p:val>
+                                            <p:strVal val="#ppt_y+0.2931"/>
+                                          </p:val>
+                                        </p:tav>
+                                        <p:tav tm="20000">
+                                          <p:val>
+                                            <p:strVal val="#ppt_y+0.2804"/>
+                                          </p:val>
+                                        </p:tav>
+                                        <p:tav tm="25000">
+                                          <p:val>
+                                            <p:strVal val="#ppt_y+0.2646"/>
+                                          </p:val>
+                                        </p:tav>
+                                        <p:tav tm="30000">
+                                          <p:val>
+                                            <p:strVal val="#ppt_y+0.2461"/>
+                                          </p:val>
+                                        </p:tav>
+                                        <p:tav tm="35000">
+                                          <p:val>
+                                            <p:strVal val="#ppt_y+0.2253"/>
+                                          </p:val>
+                                        </p:tav>
+                                        <p:tav tm="40000">
+                                          <p:val>
+                                            <p:strVal val="#ppt_y+0.2029"/>
+                                          </p:val>
+                                        </p:tav>
+                                        <p:tav tm="45000">
+                                          <p:val>
+                                            <p:strVal val="#ppt_y+0.1792"/>
+                                          </p:val>
+                                        </p:tav>
+                                        <p:tav tm="50000">
+                                          <p:val>
+                                            <p:strVal val="#ppt_y+0.155"/>
+                                          </p:val>
+                                        </p:tav>
+                                        <p:tav tm="55000">
+                                          <p:val>
+                                            <p:strVal val="#ppt_y+0.1307"/>
+                                          </p:val>
+                                        </p:tav>
+                                        <p:tav tm="60000">
+                                          <p:val>
+                                            <p:strVal val="#ppt_y+0.1071"/>
+                                          </p:val>
+                                        </p:tav>
+                                        <p:tav tm="65000">
+                                          <p:val>
+                                            <p:strVal val="#ppt_y+0.0846"/>
+                                          </p:val>
+                                        </p:tav>
+                                        <p:tav tm="70000">
+                                          <p:val>
+                                            <p:strVal val="#ppt_y+0.0639"/>
+                                          </p:val>
+                                        </p:tav>
+                                        <p:tav tm="75000">
+                                          <p:val>
+                                            <p:strVal val="#ppt_y+0.0454"/>
+                                          </p:val>
+                                        </p:tav>
+                                        <p:tav tm="80000">
+                                          <p:val>
+                                            <p:strVal val="#ppt_y+0.0296"/>
+                                          </p:val>
+                                        </p:tav>
+                                        <p:tav tm="85000">
+                                          <p:val>
+                                            <p:strVal val="#ppt_y+0.0169"/>
+                                          </p:val>
+                                        </p:tav>
+                                        <p:tav tm="90000">
+                                          <p:val>
+                                            <p:strVal val="#ppt_y+0.0076"/>
+                                          </p:val>
+                                        </p:tav>
+                                        <p:tav tm="95000">
+                                          <p:val>
+                                            <p:strVal val="#ppt_y+0.0019"/>
+                                          </p:val>
+                                        </p:tav>
+                                        <p:tav tm="100000">
+                                          <p:val>
+                                            <p:strVal val="#ppt_y"/>
+                                          </p:val>
+                                        </p:tav>
+                                      </p:tavLst>
+                                    </p:anim>
+                                  </p:childTnLst>
+                                </p:cTn>
+                              </p:par>
+                            </p:childTnLst>
+                          </p:cTn>
+                        </p:par>
+                      </p:childTnLst>
+                    </p:cTn>
+                  </p:par>
+                </p:childTnLst>
+              </p:cTn>
+              <p:prevCondLst>
+                <p:cond evt="onPrev" delay="0">
+                  <p:tgtEl>
+                    <p:sldTgt/>
+                  </p:tgtEl>
+                </p:cond>
+              </p:prevCondLst>
+              <p:nextCondLst>
+                <p:cond evt="onNext" delay="0">
+                  <p:tgtEl>
+                    <p:sldTgt/>
+                  </p:tgtEl>
+                </p:cond>
+              </p:nextCondLst>
+            </p:seq>
+          </p:childTnLst>
+        </p:cTn>
+      </p:par>
+    </p:tnLst>
+    <p:bldLst>
+      <p:bldP spid="3" grpId="0" uiExpand="1" build="p"/>
+    </p:bldLst>
+  </p:timing>
 </p:sld>
 </file>
 
@@ -3483,8 +4114,8 @@
           <a:lstStyle/>
           <a:p>
             <a:r>
-              <a:rPr lang="sv-SE" dirty="0" err="1" smtClean="0"/>
-              <a:t>FlowChart</a:t>
+              <a:rPr lang="sv-SE" dirty="0" smtClean="0"/>
+              <a:t>Klassdiagram</a:t>
             </a:r>
             <a:endParaRPr lang="sv-SE" dirty="0"/>
           </a:p>
@@ -3549,6 +4180,13 @@
   <p:clrMapOvr>
     <a:masterClrMapping/>
   </p:clrMapOvr>
+  <p:timing>
+    <p:tnLst>
+      <p:par>
+        <p:cTn xmlns:p14="http://schemas.microsoft.com/office/powerpoint/2010/main" id="1" dur="indefinite" restart="never" nodeType="tmRoot"/>
+      </p:par>
+    </p:tnLst>
+  </p:timing>
 </p:sld>
 </file>
 
@@ -3579,34 +4217,22 @@
             <p:ph type="title"/>
           </p:nvPr>
         </p:nvSpPr>
-        <p:spPr/>
-        <p:txBody>
-          <a:bodyPr/>
+        <p:spPr>
+          <a:xfrm>
+            <a:off x="457200" y="304917"/>
+            <a:ext cx="8229600" cy="749676"/>
+          </a:xfrm>
+        </p:spPr>
+        <p:txBody>
+          <a:bodyPr>
+            <a:normAutofit fontScale="90000"/>
+          </a:bodyPr>
           <a:lstStyle/>
           <a:p>
             <a:r>
               <a:rPr lang="sv-SE" dirty="0" smtClean="0"/>
               <a:t>Kod</a:t>
             </a:r>
-            <a:endParaRPr lang="sv-SE" dirty="0"/>
-          </a:p>
-        </p:txBody>
-      </p:sp>
-      <p:sp>
-        <p:nvSpPr>
-          <p:cNvPr id="3" name="Platshållare för innehåll 2"/>
-          <p:cNvSpPr>
-            <a:spLocks noGrp="1"/>
-          </p:cNvSpPr>
-          <p:nvPr>
-            <p:ph idx="1"/>
-          </p:nvPr>
-        </p:nvSpPr>
-        <p:spPr/>
-        <p:txBody>
-          <a:bodyPr/>
-          <a:lstStyle/>
-          <a:p>
             <a:endParaRPr lang="sv-SE" dirty="0"/>
           </a:p>
         </p:txBody>
@@ -3633,8 +4259,76 @@
         </p:blipFill>
         <p:spPr>
           <a:xfrm>
-            <a:off x="5304519" y="454263"/>
+            <a:off x="5304519" y="304917"/>
             <a:ext cx="815707" cy="846454"/>
+          </a:xfrm>
+          <a:prstGeom prst="rect">
+            <a:avLst/>
+          </a:prstGeom>
+        </p:spPr>
+      </p:pic>
+      <p:sp>
+        <p:nvSpPr>
+          <p:cNvPr id="6" name="textruta 5"/>
+          <p:cNvSpPr txBox="1"/>
+          <p:nvPr/>
+        </p:nvSpPr>
+        <p:spPr>
+          <a:xfrm>
+            <a:off x="900918" y="1054593"/>
+            <a:ext cx="6963574" cy="369332"/>
+          </a:xfrm>
+          <a:prstGeom prst="rect">
+            <a:avLst/>
+          </a:prstGeom>
+          <a:noFill/>
+        </p:spPr>
+        <p:txBody>
+          <a:bodyPr wrap="square" rtlCol="0">
+            <a:spAutoFit/>
+          </a:bodyPr>
+          <a:lstStyle/>
+          <a:p>
+            <a:r>
+              <a:rPr lang="sv-SE" dirty="0" smtClean="0"/>
+              <a:t>Här laddas alla spelets bilder in i </a:t>
+            </a:r>
+            <a:r>
+              <a:rPr lang="sv-SE" dirty="0" err="1" smtClean="0"/>
+              <a:t>skrech.ts</a:t>
+            </a:r>
+            <a:r>
+              <a:rPr lang="sv-SE" dirty="0" smtClean="0"/>
+              <a:t> filen: </a:t>
+            </a:r>
+            <a:endParaRPr lang="sv-SE" dirty="0"/>
+          </a:p>
+        </p:txBody>
+      </p:sp>
+      <p:pic>
+        <p:nvPicPr>
+          <p:cNvPr id="9" name="Bildobjekt 8" descr="Screen Shot 2020-01-05 at 16.00.52.png"/>
+          <p:cNvPicPr>
+            <a:picLocks noChangeAspect="1"/>
+          </p:cNvPicPr>
+          <p:nvPr/>
+        </p:nvPicPr>
+        <p:blipFill>
+          <a:blip r:embed="rId3">
+            <a:extLst>
+              <a:ext uri="{28A0092B-C50C-407E-A947-70E740481C1C}">
+                <a14:useLocalDpi xmlns:a14="http://schemas.microsoft.com/office/drawing/2010/main" val="0"/>
+              </a:ext>
+            </a:extLst>
+          </a:blip>
+          <a:stretch>
+            <a:fillRect/>
+          </a:stretch>
+        </p:blipFill>
+        <p:spPr>
+          <a:xfrm>
+            <a:off x="900918" y="1515722"/>
+            <a:ext cx="6913118" cy="5108961"/>
           </a:xfrm>
           <a:prstGeom prst="rect">
             <a:avLst/>
@@ -3651,6 +4345,915 @@
   <p:clrMapOvr>
     <a:masterClrMapping/>
   </p:clrMapOvr>
+  <p:timing>
+    <p:tnLst>
+      <p:par>
+        <p:cTn xmlns:p14="http://schemas.microsoft.com/office/powerpoint/2010/main" id="1" dur="indefinite" restart="never" nodeType="tmRoot"/>
+      </p:par>
+    </p:tnLst>
+  </p:timing>
+</p:sld>
+</file>
+
+<file path=ppt/slides/slide5.xml><?xml version="1.0" encoding="utf-8"?>
+<p:sld xmlns:a="http://schemas.openxmlformats.org/drawingml/2006/main" xmlns:r="http://schemas.openxmlformats.org/officeDocument/2006/relationships" xmlns:p="http://schemas.openxmlformats.org/presentationml/2006/main">
+  <p:cSld>
+    <p:spTree>
+      <p:nvGrpSpPr>
+        <p:cNvPr id="1" name=""/>
+        <p:cNvGrpSpPr/>
+        <p:nvPr/>
+      </p:nvGrpSpPr>
+      <p:grpSpPr>
+        <a:xfrm>
+          <a:off x="0" y="0"/>
+          <a:ext cx="0" cy="0"/>
+          <a:chOff x="0" y="0"/>
+          <a:chExt cx="0" cy="0"/>
+        </a:xfrm>
+      </p:grpSpPr>
+      <p:pic>
+        <p:nvPicPr>
+          <p:cNvPr id="4" name="Bildobjekt 3" descr="Screen Shot 2020-01-05 at 16.04.33.png"/>
+          <p:cNvPicPr>
+            <a:picLocks noChangeAspect="1"/>
+          </p:cNvPicPr>
+          <p:nvPr/>
+        </p:nvPicPr>
+        <p:blipFill>
+          <a:blip r:embed="rId2">
+            <a:extLst>
+              <a:ext uri="{28A0092B-C50C-407E-A947-70E740481C1C}">
+                <a14:useLocalDpi xmlns:a14="http://schemas.microsoft.com/office/drawing/2010/main" val="0"/>
+              </a:ext>
+            </a:extLst>
+          </a:blip>
+          <a:stretch>
+            <a:fillRect/>
+          </a:stretch>
+        </p:blipFill>
+        <p:spPr>
+          <a:xfrm>
+            <a:off x="860691" y="933268"/>
+            <a:ext cx="7478118" cy="5563479"/>
+          </a:xfrm>
+          <a:prstGeom prst="rect">
+            <a:avLst/>
+          </a:prstGeom>
+        </p:spPr>
+      </p:pic>
+      <p:sp>
+        <p:nvSpPr>
+          <p:cNvPr id="6" name="textruta 5"/>
+          <p:cNvSpPr txBox="1"/>
+          <p:nvPr/>
+        </p:nvSpPr>
+        <p:spPr>
+          <a:xfrm>
+            <a:off x="860691" y="443685"/>
+            <a:ext cx="7478118" cy="369332"/>
+          </a:xfrm>
+          <a:prstGeom prst="rect">
+            <a:avLst/>
+          </a:prstGeom>
+          <a:noFill/>
+        </p:spPr>
+        <p:txBody>
+          <a:bodyPr wrap="square" rtlCol="0">
+            <a:spAutoFit/>
+          </a:bodyPr>
+          <a:lstStyle/>
+          <a:p>
+            <a:r>
+              <a:rPr lang="sv-SE" dirty="0" smtClean="0"/>
+              <a:t>Exempel på hur spelet i sin enkelhet fungerar:</a:t>
+            </a:r>
+          </a:p>
+        </p:txBody>
+      </p:sp>
+      <p:sp>
+        <p:nvSpPr>
+          <p:cNvPr id="17" name="Rektangel 16"/>
+          <p:cNvSpPr/>
+          <p:nvPr/>
+        </p:nvSpPr>
+        <p:spPr>
+          <a:xfrm>
+            <a:off x="1418167" y="1195917"/>
+            <a:ext cx="2772833" cy="1068916"/>
+          </a:xfrm>
+          <a:prstGeom prst="rect">
+            <a:avLst/>
+          </a:prstGeom>
+          <a:noFill/>
+        </p:spPr>
+        <p:style>
+          <a:lnRef idx="2">
+            <a:schemeClr val="accent2"/>
+          </a:lnRef>
+          <a:fillRef idx="1">
+            <a:schemeClr val="lt1"/>
+          </a:fillRef>
+          <a:effectRef idx="0">
+            <a:schemeClr val="accent2"/>
+          </a:effectRef>
+          <a:fontRef idx="minor">
+            <a:schemeClr val="dk1"/>
+          </a:fontRef>
+        </p:style>
+        <p:txBody>
+          <a:bodyPr rtlCol="0" anchor="ctr"/>
+          <a:lstStyle/>
+          <a:p>
+            <a:pPr algn="ctr"/>
+            <a:endParaRPr lang="sv-SE"/>
+          </a:p>
+        </p:txBody>
+      </p:sp>
+      <p:sp>
+        <p:nvSpPr>
+          <p:cNvPr id="19" name="Rektangel 18"/>
+          <p:cNvSpPr/>
+          <p:nvPr/>
+        </p:nvSpPr>
+        <p:spPr>
+          <a:xfrm>
+            <a:off x="1418167" y="5154083"/>
+            <a:ext cx="1682750" cy="698500"/>
+          </a:xfrm>
+          <a:prstGeom prst="rect">
+            <a:avLst/>
+          </a:prstGeom>
+          <a:noFill/>
+        </p:spPr>
+        <p:style>
+          <a:lnRef idx="2">
+            <a:schemeClr val="accent2"/>
+          </a:lnRef>
+          <a:fillRef idx="1">
+            <a:schemeClr val="lt1"/>
+          </a:fillRef>
+          <a:effectRef idx="0">
+            <a:schemeClr val="accent2"/>
+          </a:effectRef>
+          <a:fontRef idx="minor">
+            <a:schemeClr val="dk1"/>
+          </a:fontRef>
+        </p:style>
+        <p:txBody>
+          <a:bodyPr rtlCol="0" anchor="ctr"/>
+          <a:lstStyle/>
+          <a:p>
+            <a:pPr algn="ctr"/>
+            <a:endParaRPr lang="sv-SE"/>
+          </a:p>
+        </p:txBody>
+      </p:sp>
+      <p:sp>
+        <p:nvSpPr>
+          <p:cNvPr id="20" name="Rektangel 19"/>
+          <p:cNvSpPr/>
+          <p:nvPr/>
+        </p:nvSpPr>
+        <p:spPr>
+          <a:xfrm>
+            <a:off x="1418167" y="5926667"/>
+            <a:ext cx="2116666" cy="485413"/>
+          </a:xfrm>
+          <a:prstGeom prst="rect">
+            <a:avLst/>
+          </a:prstGeom>
+          <a:noFill/>
+        </p:spPr>
+        <p:style>
+          <a:lnRef idx="2">
+            <a:schemeClr val="accent2"/>
+          </a:lnRef>
+          <a:fillRef idx="1">
+            <a:schemeClr val="lt1"/>
+          </a:fillRef>
+          <a:effectRef idx="0">
+            <a:schemeClr val="accent2"/>
+          </a:effectRef>
+          <a:fontRef idx="minor">
+            <a:schemeClr val="dk1"/>
+          </a:fontRef>
+        </p:style>
+        <p:txBody>
+          <a:bodyPr rtlCol="0" anchor="ctr"/>
+          <a:lstStyle/>
+          <a:p>
+            <a:pPr algn="ctr"/>
+            <a:endParaRPr lang="sv-SE"/>
+          </a:p>
+        </p:txBody>
+      </p:sp>
+    </p:spTree>
+    <p:extLst>
+      <p:ext uri="{BB962C8B-B14F-4D97-AF65-F5344CB8AC3E}">
+        <p14:creationId xmlns:p14="http://schemas.microsoft.com/office/powerpoint/2010/main" val="1036233130"/>
+      </p:ext>
+    </p:extLst>
+  </p:cSld>
+  <p:clrMapOvr>
+    <a:masterClrMapping/>
+  </p:clrMapOvr>
+  <p:timing>
+    <p:tnLst>
+      <p:par>
+        <p:cTn xmlns:p14="http://schemas.microsoft.com/office/powerpoint/2010/main" id="1" dur="indefinite" restart="never" nodeType="tmRoot">
+          <p:childTnLst>
+            <p:seq concurrent="1" nextAc="seek">
+              <p:cTn id="2" dur="indefinite" nodeType="mainSeq">
+                <p:childTnLst>
+                  <p:par>
+                    <p:cTn id="3" fill="hold">
+                      <p:stCondLst>
+                        <p:cond delay="indefinite"/>
+                      </p:stCondLst>
+                      <p:childTnLst>
+                        <p:par>
+                          <p:cTn id="4" fill="hold">
+                            <p:stCondLst>
+                              <p:cond delay="0"/>
+                            </p:stCondLst>
+                            <p:childTnLst>
+                              <p:par>
+                                <p:cTn id="5" presetID="1" presetClass="entr" presetSubtype="0" fill="hold" grpId="0" nodeType="clickEffect">
+                                  <p:stCondLst>
+                                    <p:cond delay="0"/>
+                                  </p:stCondLst>
+                                  <p:childTnLst>
+                                    <p:set>
+                                      <p:cBhvr>
+                                        <p:cTn id="6" dur="1" fill="hold">
+                                          <p:stCondLst>
+                                            <p:cond delay="0"/>
+                                          </p:stCondLst>
+                                        </p:cTn>
+                                        <p:tgtEl>
+                                          <p:spTgt spid="17"/>
+                                        </p:tgtEl>
+                                        <p:attrNameLst>
+                                          <p:attrName>style.visibility</p:attrName>
+                                        </p:attrNameLst>
+                                      </p:cBhvr>
+                                      <p:to>
+                                        <p:strVal val="visible"/>
+                                      </p:to>
+                                    </p:set>
+                                  </p:childTnLst>
+                                </p:cTn>
+                              </p:par>
+                            </p:childTnLst>
+                          </p:cTn>
+                        </p:par>
+                      </p:childTnLst>
+                    </p:cTn>
+                  </p:par>
+                  <p:par>
+                    <p:cTn id="7" fill="hold">
+                      <p:stCondLst>
+                        <p:cond delay="indefinite"/>
+                      </p:stCondLst>
+                      <p:childTnLst>
+                        <p:par>
+                          <p:cTn id="8" fill="hold">
+                            <p:stCondLst>
+                              <p:cond delay="0"/>
+                            </p:stCondLst>
+                            <p:childTnLst>
+                              <p:par>
+                                <p:cTn id="9" presetID="1" presetClass="entr" presetSubtype="0" fill="hold" grpId="0" nodeType="clickEffect">
+                                  <p:stCondLst>
+                                    <p:cond delay="0"/>
+                                  </p:stCondLst>
+                                  <p:childTnLst>
+                                    <p:set>
+                                      <p:cBhvr>
+                                        <p:cTn id="10" dur="1" fill="hold">
+                                          <p:stCondLst>
+                                            <p:cond delay="0"/>
+                                          </p:stCondLst>
+                                        </p:cTn>
+                                        <p:tgtEl>
+                                          <p:spTgt spid="19"/>
+                                        </p:tgtEl>
+                                        <p:attrNameLst>
+                                          <p:attrName>style.visibility</p:attrName>
+                                        </p:attrNameLst>
+                                      </p:cBhvr>
+                                      <p:to>
+                                        <p:strVal val="visible"/>
+                                      </p:to>
+                                    </p:set>
+                                  </p:childTnLst>
+                                </p:cTn>
+                              </p:par>
+                            </p:childTnLst>
+                          </p:cTn>
+                        </p:par>
+                      </p:childTnLst>
+                    </p:cTn>
+                  </p:par>
+                  <p:par>
+                    <p:cTn id="11" fill="hold">
+                      <p:stCondLst>
+                        <p:cond delay="indefinite"/>
+                      </p:stCondLst>
+                      <p:childTnLst>
+                        <p:par>
+                          <p:cTn id="12" fill="hold">
+                            <p:stCondLst>
+                              <p:cond delay="0"/>
+                            </p:stCondLst>
+                            <p:childTnLst>
+                              <p:par>
+                                <p:cTn id="13" presetID="1" presetClass="entr" presetSubtype="0" fill="hold" grpId="0" nodeType="clickEffect">
+                                  <p:stCondLst>
+                                    <p:cond delay="0"/>
+                                  </p:stCondLst>
+                                  <p:childTnLst>
+                                    <p:set>
+                                      <p:cBhvr>
+                                        <p:cTn id="14" dur="1" fill="hold">
+                                          <p:stCondLst>
+                                            <p:cond delay="0"/>
+                                          </p:stCondLst>
+                                        </p:cTn>
+                                        <p:tgtEl>
+                                          <p:spTgt spid="20"/>
+                                        </p:tgtEl>
+                                        <p:attrNameLst>
+                                          <p:attrName>style.visibility</p:attrName>
+                                        </p:attrNameLst>
+                                      </p:cBhvr>
+                                      <p:to>
+                                        <p:strVal val="visible"/>
+                                      </p:to>
+                                    </p:set>
+                                  </p:childTnLst>
+                                </p:cTn>
+                              </p:par>
+                            </p:childTnLst>
+                          </p:cTn>
+                        </p:par>
+                      </p:childTnLst>
+                    </p:cTn>
+                  </p:par>
+                </p:childTnLst>
+              </p:cTn>
+              <p:prevCondLst>
+                <p:cond evt="onPrev" delay="0">
+                  <p:tgtEl>
+                    <p:sldTgt/>
+                  </p:tgtEl>
+                </p:cond>
+              </p:prevCondLst>
+              <p:nextCondLst>
+                <p:cond evt="onNext" delay="0">
+                  <p:tgtEl>
+                    <p:sldTgt/>
+                  </p:tgtEl>
+                </p:cond>
+              </p:nextCondLst>
+            </p:seq>
+          </p:childTnLst>
+        </p:cTn>
+      </p:par>
+    </p:tnLst>
+    <p:bldLst>
+      <p:bldP spid="17" grpId="0" animBg="1"/>
+      <p:bldP spid="19" grpId="0" animBg="1"/>
+      <p:bldP spid="20" grpId="0" animBg="1"/>
+    </p:bldLst>
+  </p:timing>
+</p:sld>
+</file>
+
+<file path=ppt/slides/slide6.xml><?xml version="1.0" encoding="utf-8"?>
+<p:sld xmlns:a="http://schemas.openxmlformats.org/drawingml/2006/main" xmlns:r="http://schemas.openxmlformats.org/officeDocument/2006/relationships" xmlns:p="http://schemas.openxmlformats.org/presentationml/2006/main">
+  <p:cSld>
+    <p:spTree>
+      <p:nvGrpSpPr>
+        <p:cNvPr id="1" name=""/>
+        <p:cNvGrpSpPr/>
+        <p:nvPr/>
+      </p:nvGrpSpPr>
+      <p:grpSpPr>
+        <a:xfrm>
+          <a:off x="0" y="0"/>
+          <a:ext cx="0" cy="0"/>
+          <a:chOff x="0" y="0"/>
+          <a:chExt cx="0" cy="0"/>
+        </a:xfrm>
+      </p:grpSpPr>
+      <p:sp>
+        <p:nvSpPr>
+          <p:cNvPr id="2" name="Rubrik 1"/>
+          <p:cNvSpPr>
+            <a:spLocks noGrp="1"/>
+          </p:cNvSpPr>
+          <p:nvPr>
+            <p:ph type="title"/>
+          </p:nvPr>
+        </p:nvSpPr>
+        <p:spPr>
+          <a:xfrm>
+            <a:off x="457200" y="2538964"/>
+            <a:ext cx="8229600" cy="1143000"/>
+          </a:xfrm>
+        </p:spPr>
+        <p:txBody>
+          <a:bodyPr/>
+          <a:lstStyle/>
+          <a:p>
+            <a:r>
+              <a:rPr lang="sv-SE" dirty="0" smtClean="0"/>
+              <a:t>Grafik </a:t>
+            </a:r>
+            <a:endParaRPr lang="sv-SE" dirty="0"/>
+          </a:p>
+        </p:txBody>
+      </p:sp>
+    </p:spTree>
+    <p:extLst>
+      <p:ext uri="{BB962C8B-B14F-4D97-AF65-F5344CB8AC3E}">
+        <p14:creationId xmlns:p14="http://schemas.microsoft.com/office/powerpoint/2010/main" val="1510990409"/>
+      </p:ext>
+    </p:extLst>
+  </p:cSld>
+  <p:clrMapOvr>
+    <a:masterClrMapping/>
+  </p:clrMapOvr>
+</p:sld>
+</file>
+
+<file path=ppt/slides/slide7.xml><?xml version="1.0" encoding="utf-8"?>
+<p:sld xmlns:a="http://schemas.openxmlformats.org/drawingml/2006/main" xmlns:r="http://schemas.openxmlformats.org/officeDocument/2006/relationships" xmlns:p="http://schemas.openxmlformats.org/presentationml/2006/main">
+  <p:cSld>
+    <p:bg>
+      <p:bgPr>
+        <a:blipFill rotWithShape="1">
+          <a:blip r:embed="rId2"/>
+          <a:stretch>
+            <a:fillRect/>
+          </a:stretch>
+        </a:blipFill>
+        <a:effectLst/>
+      </p:bgPr>
+    </p:bg>
+    <p:spTree>
+      <p:nvGrpSpPr>
+        <p:cNvPr id="1" name=""/>
+        <p:cNvGrpSpPr/>
+        <p:nvPr/>
+      </p:nvGrpSpPr>
+      <p:grpSpPr>
+        <a:xfrm>
+          <a:off x="0" y="0"/>
+          <a:ext cx="0" cy="0"/>
+          <a:chOff x="0" y="0"/>
+          <a:chExt cx="0" cy="0"/>
+        </a:xfrm>
+      </p:grpSpPr>
+      <p:pic>
+        <p:nvPicPr>
+          <p:cNvPr id="5" name="Bildobjekt 4" descr="bad_cloud1.png"/>
+          <p:cNvPicPr>
+            <a:picLocks noChangeAspect="1"/>
+          </p:cNvPicPr>
+          <p:nvPr/>
+        </p:nvPicPr>
+        <p:blipFill>
+          <a:blip r:embed="rId3">
+            <a:extLst>
+              <a:ext uri="{28A0092B-C50C-407E-A947-70E740481C1C}">
+                <a14:useLocalDpi xmlns:a14="http://schemas.microsoft.com/office/drawing/2010/main" val="0"/>
+              </a:ext>
+            </a:extLst>
+          </a:blip>
+          <a:stretch>
+            <a:fillRect/>
+          </a:stretch>
+        </p:blipFill>
+        <p:spPr>
+          <a:xfrm>
+            <a:off x="6397938" y="2516975"/>
+            <a:ext cx="1739661" cy="902670"/>
+          </a:xfrm>
+          <a:prstGeom prst="rect">
+            <a:avLst/>
+          </a:prstGeom>
+        </p:spPr>
+      </p:pic>
+      <p:pic>
+        <p:nvPicPr>
+          <p:cNvPr id="6" name="Bildobjekt 5" descr="bad_cloud2.png"/>
+          <p:cNvPicPr>
+            <a:picLocks noChangeAspect="1"/>
+          </p:cNvPicPr>
+          <p:nvPr/>
+        </p:nvPicPr>
+        <p:blipFill>
+          <a:blip r:embed="rId4">
+            <a:extLst>
+              <a:ext uri="{28A0092B-C50C-407E-A947-70E740481C1C}">
+                <a14:useLocalDpi xmlns:a14="http://schemas.microsoft.com/office/drawing/2010/main" val="0"/>
+              </a:ext>
+            </a:extLst>
+          </a:blip>
+          <a:stretch>
+            <a:fillRect/>
+          </a:stretch>
+        </p:blipFill>
+        <p:spPr>
+          <a:xfrm>
+            <a:off x="6219679" y="336876"/>
+            <a:ext cx="1698363" cy="774374"/>
+          </a:xfrm>
+          <a:prstGeom prst="rect">
+            <a:avLst/>
+          </a:prstGeom>
+        </p:spPr>
+      </p:pic>
+      <p:pic>
+        <p:nvPicPr>
+          <p:cNvPr id="7" name="Bildobjekt 6" descr="bad_cloud3.png"/>
+          <p:cNvPicPr>
+            <a:picLocks noChangeAspect="1"/>
+          </p:cNvPicPr>
+          <p:nvPr/>
+        </p:nvPicPr>
+        <p:blipFill>
+          <a:blip r:embed="rId5">
+            <a:extLst>
+              <a:ext uri="{28A0092B-C50C-407E-A947-70E740481C1C}">
+                <a14:useLocalDpi xmlns:a14="http://schemas.microsoft.com/office/drawing/2010/main" val="0"/>
+              </a:ext>
+            </a:extLst>
+          </a:blip>
+          <a:stretch>
+            <a:fillRect/>
+          </a:stretch>
+        </p:blipFill>
+        <p:spPr>
+          <a:xfrm>
+            <a:off x="7068861" y="1295954"/>
+            <a:ext cx="1805467" cy="894869"/>
+          </a:xfrm>
+          <a:prstGeom prst="rect">
+            <a:avLst/>
+          </a:prstGeom>
+        </p:spPr>
+      </p:pic>
+      <p:pic>
+        <p:nvPicPr>
+          <p:cNvPr id="8" name="Bildobjekt 7" descr="beeDead.png"/>
+          <p:cNvPicPr>
+            <a:picLocks noChangeAspect="1"/>
+          </p:cNvPicPr>
+          <p:nvPr/>
+        </p:nvPicPr>
+        <p:blipFill>
+          <a:blip r:embed="rId6">
+            <a:extLst>
+              <a:ext uri="{28A0092B-C50C-407E-A947-70E740481C1C}">
+                <a14:useLocalDpi xmlns:a14="http://schemas.microsoft.com/office/drawing/2010/main" val="0"/>
+              </a:ext>
+            </a:extLst>
+          </a:blip>
+          <a:stretch>
+            <a:fillRect/>
+          </a:stretch>
+        </p:blipFill>
+        <p:spPr>
+          <a:xfrm>
+            <a:off x="2494278" y="2516975"/>
+            <a:ext cx="1091196" cy="1187427"/>
+          </a:xfrm>
+          <a:prstGeom prst="rect">
+            <a:avLst/>
+          </a:prstGeom>
+        </p:spPr>
+      </p:pic>
+      <p:pic>
+        <p:nvPicPr>
+          <p:cNvPr id="9" name="Bildobjekt 8" descr="beeLeft.png"/>
+          <p:cNvPicPr>
+            <a:picLocks noChangeAspect="1"/>
+          </p:cNvPicPr>
+          <p:nvPr/>
+        </p:nvPicPr>
+        <p:blipFill>
+          <a:blip r:embed="rId7">
+            <a:extLst>
+              <a:ext uri="{28A0092B-C50C-407E-A947-70E740481C1C}">
+                <a14:useLocalDpi xmlns:a14="http://schemas.microsoft.com/office/drawing/2010/main" val="0"/>
+              </a:ext>
+            </a:extLst>
+          </a:blip>
+          <a:stretch>
+            <a:fillRect/>
+          </a:stretch>
+        </p:blipFill>
+        <p:spPr>
+          <a:xfrm>
+            <a:off x="984160" y="2516975"/>
+            <a:ext cx="1021192" cy="1111250"/>
+          </a:xfrm>
+          <a:prstGeom prst="rect">
+            <a:avLst/>
+          </a:prstGeom>
+        </p:spPr>
+      </p:pic>
+      <p:pic>
+        <p:nvPicPr>
+          <p:cNvPr id="10" name="Bildobjekt 9" descr="bud_new.png"/>
+          <p:cNvPicPr>
+            <a:picLocks noChangeAspect="1"/>
+          </p:cNvPicPr>
+          <p:nvPr/>
+        </p:nvPicPr>
+        <p:blipFill>
+          <a:blip r:embed="rId8">
+            <a:extLst>
+              <a:ext uri="{28A0092B-C50C-407E-A947-70E740481C1C}">
+                <a14:useLocalDpi xmlns:a14="http://schemas.microsoft.com/office/drawing/2010/main" val="0"/>
+              </a:ext>
+            </a:extLst>
+          </a:blip>
+          <a:stretch>
+            <a:fillRect/>
+          </a:stretch>
+        </p:blipFill>
+        <p:spPr>
+          <a:xfrm>
+            <a:off x="1152276" y="4018029"/>
+            <a:ext cx="1111250" cy="1111250"/>
+          </a:xfrm>
+          <a:prstGeom prst="rect">
+            <a:avLst/>
+          </a:prstGeom>
+        </p:spPr>
+      </p:pic>
+      <p:pic>
+        <p:nvPicPr>
+          <p:cNvPr id="11" name="Bildobjekt 10" descr="flower_100.png"/>
+          <p:cNvPicPr>
+            <a:picLocks noChangeAspect="1"/>
+          </p:cNvPicPr>
+          <p:nvPr/>
+        </p:nvPicPr>
+        <p:blipFill>
+          <a:blip r:embed="rId9">
+            <a:extLst>
+              <a:ext uri="{28A0092B-C50C-407E-A947-70E740481C1C}">
+                <a14:useLocalDpi xmlns:a14="http://schemas.microsoft.com/office/drawing/2010/main" val="0"/>
+              </a:ext>
+            </a:extLst>
+          </a:blip>
+          <a:stretch>
+            <a:fillRect/>
+          </a:stretch>
+        </p:blipFill>
+        <p:spPr>
+          <a:xfrm>
+            <a:off x="2263526" y="4018029"/>
+            <a:ext cx="1043205" cy="1082528"/>
+          </a:xfrm>
+          <a:prstGeom prst="rect">
+            <a:avLst/>
+          </a:prstGeom>
+        </p:spPr>
+      </p:pic>
+      <p:pic>
+        <p:nvPicPr>
+          <p:cNvPr id="12" name="Bildobjekt 11" descr="flower_75.png"/>
+          <p:cNvPicPr>
+            <a:picLocks noChangeAspect="1"/>
+          </p:cNvPicPr>
+          <p:nvPr/>
+        </p:nvPicPr>
+        <p:blipFill>
+          <a:blip r:embed="rId10">
+            <a:extLst>
+              <a:ext uri="{28A0092B-C50C-407E-A947-70E740481C1C}">
+                <a14:useLocalDpi xmlns:a14="http://schemas.microsoft.com/office/drawing/2010/main" val="0"/>
+              </a:ext>
+            </a:extLst>
+          </a:blip>
+          <a:stretch>
+            <a:fillRect/>
+          </a:stretch>
+        </p:blipFill>
+        <p:spPr>
+          <a:xfrm>
+            <a:off x="3407326" y="4018029"/>
+            <a:ext cx="1070884" cy="1111250"/>
+          </a:xfrm>
+          <a:prstGeom prst="rect">
+            <a:avLst/>
+          </a:prstGeom>
+        </p:spPr>
+      </p:pic>
+      <p:pic>
+        <p:nvPicPr>
+          <p:cNvPr id="13" name="Bildobjekt 12" descr="flower_25.png"/>
+          <p:cNvPicPr>
+            <a:picLocks noChangeAspect="1"/>
+          </p:cNvPicPr>
+          <p:nvPr/>
+        </p:nvPicPr>
+        <p:blipFill>
+          <a:blip r:embed="rId11">
+            <a:extLst>
+              <a:ext uri="{28A0092B-C50C-407E-A947-70E740481C1C}">
+                <a14:useLocalDpi xmlns:a14="http://schemas.microsoft.com/office/drawing/2010/main" val="0"/>
+              </a:ext>
+            </a:extLst>
+          </a:blip>
+          <a:stretch>
+            <a:fillRect/>
+          </a:stretch>
+        </p:blipFill>
+        <p:spPr>
+          <a:xfrm>
+            <a:off x="4654308" y="4018029"/>
+            <a:ext cx="1037502" cy="1075375"/>
+          </a:xfrm>
+          <a:prstGeom prst="rect">
+            <a:avLst/>
+          </a:prstGeom>
+        </p:spPr>
+      </p:pic>
+      <p:pic>
+        <p:nvPicPr>
+          <p:cNvPr id="14" name="Bildobjekt 13" descr="flower_0.png"/>
+          <p:cNvPicPr>
+            <a:picLocks noChangeAspect="1"/>
+          </p:cNvPicPr>
+          <p:nvPr/>
+        </p:nvPicPr>
+        <p:blipFill>
+          <a:blip r:embed="rId12">
+            <a:extLst>
+              <a:ext uri="{28A0092B-C50C-407E-A947-70E740481C1C}">
+                <a14:useLocalDpi xmlns:a14="http://schemas.microsoft.com/office/drawing/2010/main" val="0"/>
+              </a:ext>
+            </a:extLst>
+          </a:blip>
+          <a:stretch>
+            <a:fillRect/>
+          </a:stretch>
+        </p:blipFill>
+        <p:spPr>
+          <a:xfrm>
+            <a:off x="5809437" y="4028786"/>
+            <a:ext cx="1060518" cy="1100493"/>
+          </a:xfrm>
+          <a:prstGeom prst="rect">
+            <a:avLst/>
+          </a:prstGeom>
+        </p:spPr>
+      </p:pic>
+      <p:pic>
+        <p:nvPicPr>
+          <p:cNvPr id="15" name="Bildobjekt 14" descr="good_cloud.png"/>
+          <p:cNvPicPr>
+            <a:picLocks noChangeAspect="1"/>
+          </p:cNvPicPr>
+          <p:nvPr/>
+        </p:nvPicPr>
+        <p:blipFill>
+          <a:blip r:embed="rId13">
+            <a:extLst>
+              <a:ext uri="{28A0092B-C50C-407E-A947-70E740481C1C}">
+                <a14:useLocalDpi xmlns:a14="http://schemas.microsoft.com/office/drawing/2010/main" val="0"/>
+              </a:ext>
+            </a:extLst>
+          </a:blip>
+          <a:stretch>
+            <a:fillRect/>
+          </a:stretch>
+        </p:blipFill>
+        <p:spPr>
+          <a:xfrm>
+            <a:off x="683428" y="336876"/>
+            <a:ext cx="1834745" cy="1747715"/>
+          </a:xfrm>
+          <a:prstGeom prst="rect">
+            <a:avLst/>
+          </a:prstGeom>
+        </p:spPr>
+      </p:pic>
+      <p:pic>
+        <p:nvPicPr>
+          <p:cNvPr id="16" name="Bildobjekt 15" descr="grass.png"/>
+          <p:cNvPicPr>
+            <a:picLocks noChangeAspect="1"/>
+          </p:cNvPicPr>
+          <p:nvPr/>
+        </p:nvPicPr>
+        <p:blipFill>
+          <a:blip r:embed="rId14">
+            <a:extLst>
+              <a:ext uri="{28A0092B-C50C-407E-A947-70E740481C1C}">
+                <a14:useLocalDpi xmlns:a14="http://schemas.microsoft.com/office/drawing/2010/main" val="0"/>
+              </a:ext>
+            </a:extLst>
+          </a:blip>
+          <a:stretch>
+            <a:fillRect/>
+          </a:stretch>
+        </p:blipFill>
+        <p:spPr>
+          <a:xfrm>
+            <a:off x="0" y="5596128"/>
+            <a:ext cx="9144000" cy="1261872"/>
+          </a:xfrm>
+          <a:prstGeom prst="rect">
+            <a:avLst/>
+          </a:prstGeom>
+        </p:spPr>
+      </p:pic>
+      <p:pic>
+        <p:nvPicPr>
+          <p:cNvPr id="17" name="Bildobjekt 16" descr="pot.png"/>
+          <p:cNvPicPr>
+            <a:picLocks noChangeAspect="1"/>
+          </p:cNvPicPr>
+          <p:nvPr/>
+        </p:nvPicPr>
+        <p:blipFill>
+          <a:blip r:embed="rId15">
+            <a:extLst>
+              <a:ext uri="{28A0092B-C50C-407E-A947-70E740481C1C}">
+                <a14:useLocalDpi xmlns:a14="http://schemas.microsoft.com/office/drawing/2010/main" val="0"/>
+              </a:ext>
+            </a:extLst>
+          </a:blip>
+          <a:stretch>
+            <a:fillRect/>
+          </a:stretch>
+        </p:blipFill>
+        <p:spPr>
+          <a:xfrm>
+            <a:off x="1152276" y="5391896"/>
+            <a:ext cx="1116837" cy="905023"/>
+          </a:xfrm>
+          <a:prstGeom prst="rect">
+            <a:avLst/>
+          </a:prstGeom>
+        </p:spPr>
+      </p:pic>
+      <p:pic>
+        <p:nvPicPr>
+          <p:cNvPr id="18" name="Bildobjekt 17" descr="logo.png"/>
+          <p:cNvPicPr>
+            <a:picLocks noChangeAspect="1"/>
+          </p:cNvPicPr>
+          <p:nvPr/>
+        </p:nvPicPr>
+        <p:blipFill>
+          <a:blip r:embed="rId16">
+            <a:extLst>
+              <a:ext uri="{28A0092B-C50C-407E-A947-70E740481C1C}">
+                <a14:useLocalDpi xmlns:a14="http://schemas.microsoft.com/office/drawing/2010/main" val="0"/>
+              </a:ext>
+            </a:extLst>
+          </a:blip>
+          <a:stretch>
+            <a:fillRect/>
+          </a:stretch>
+        </p:blipFill>
+        <p:spPr>
+          <a:xfrm>
+            <a:off x="3306731" y="551488"/>
+            <a:ext cx="2243438" cy="1119524"/>
+          </a:xfrm>
+          <a:prstGeom prst="rect">
+            <a:avLst/>
+          </a:prstGeom>
+        </p:spPr>
+      </p:pic>
+    </p:spTree>
+    <p:extLst>
+      <p:ext uri="{BB962C8B-B14F-4D97-AF65-F5344CB8AC3E}">
+        <p14:creationId xmlns:p14="http://schemas.microsoft.com/office/powerpoint/2010/main" val="1153365406"/>
+      </p:ext>
+    </p:extLst>
+  </p:cSld>
+  <p:clrMapOvr>
+    <a:masterClrMapping/>
+  </p:clrMapOvr>
+  <p:timing>
+    <p:tnLst>
+      <p:par>
+        <p:cTn xmlns:p14="http://schemas.microsoft.com/office/powerpoint/2010/main" id="1" dur="indefinite" restart="never" nodeType="tmRoot"/>
+      </p:par>
+    </p:tnLst>
+  </p:timing>
 </p:sld>
 </file>
 

--- a/document/Presentation FlowerGrow.pptx
+++ b/document/Presentation FlowerGrow.pptx
@@ -7,11 +7,20 @@
   <p:sldIdLst>
     <p:sldId id="256" r:id="rId2"/>
     <p:sldId id="257" r:id="rId3"/>
-    <p:sldId id="258" r:id="rId4"/>
-    <p:sldId id="259" r:id="rId5"/>
-    <p:sldId id="260" r:id="rId6"/>
-    <p:sldId id="262" r:id="rId7"/>
-    <p:sldId id="261" r:id="rId8"/>
+    <p:sldId id="266" r:id="rId4"/>
+    <p:sldId id="267" r:id="rId5"/>
+    <p:sldId id="268" r:id="rId6"/>
+    <p:sldId id="258" r:id="rId7"/>
+    <p:sldId id="269" r:id="rId8"/>
+    <p:sldId id="259" r:id="rId9"/>
+    <p:sldId id="260" r:id="rId10"/>
+    <p:sldId id="270" r:id="rId11"/>
+    <p:sldId id="264" r:id="rId12"/>
+    <p:sldId id="265" r:id="rId13"/>
+    <p:sldId id="262" r:id="rId14"/>
+    <p:sldId id="261" r:id="rId15"/>
+    <p:sldId id="271" r:id="rId16"/>
+    <p:sldId id="263" r:id="rId17"/>
   </p:sldIdLst>
   <p:sldSz cx="9144000" cy="6858000" type="screen4x3"/>
   <p:notesSz cx="6858000" cy="9144000"/>
@@ -3278,6 +3287,2260 @@
     <p:extLst>
       <p:ext uri="{BB962C8B-B14F-4D97-AF65-F5344CB8AC3E}">
         <p14:creationId xmlns:p14="http://schemas.microsoft.com/office/powerpoint/2010/main" val="40493605"/>
+      </p:ext>
+    </p:extLst>
+  </p:cSld>
+  <p:clrMapOvr>
+    <a:masterClrMapping/>
+  </p:clrMapOvr>
+  <p:timing>
+    <p:tnLst>
+      <p:par>
+        <p:cTn xmlns:p14="http://schemas.microsoft.com/office/powerpoint/2010/main" id="1" dur="indefinite" restart="never" nodeType="tmRoot"/>
+      </p:par>
+    </p:tnLst>
+  </p:timing>
+</p:sld>
+</file>
+
+<file path=ppt/slides/slide10.xml><?xml version="1.0" encoding="utf-8"?>
+<p:sld xmlns:a="http://schemas.openxmlformats.org/drawingml/2006/main" xmlns:r="http://schemas.openxmlformats.org/officeDocument/2006/relationships" xmlns:p="http://schemas.openxmlformats.org/presentationml/2006/main">
+  <p:cSld>
+    <p:spTree>
+      <p:nvGrpSpPr>
+        <p:cNvPr id="1" name=""/>
+        <p:cNvGrpSpPr/>
+        <p:nvPr/>
+      </p:nvGrpSpPr>
+      <p:grpSpPr>
+        <a:xfrm>
+          <a:off x="0" y="0"/>
+          <a:ext cx="0" cy="0"/>
+          <a:chOff x="0" y="0"/>
+          <a:chExt cx="0" cy="0"/>
+        </a:xfrm>
+      </p:grpSpPr>
+      <p:pic>
+        <p:nvPicPr>
+          <p:cNvPr id="4" name="Bildobjekt 3" descr="Screen Shot 2020-01-08 at 14.32.29.png"/>
+          <p:cNvPicPr>
+            <a:picLocks noChangeAspect="1"/>
+          </p:cNvPicPr>
+          <p:nvPr/>
+        </p:nvPicPr>
+        <p:blipFill>
+          <a:blip r:embed="rId2">
+            <a:extLst>
+              <a:ext uri="{28A0092B-C50C-407E-A947-70E740481C1C}">
+                <a14:useLocalDpi xmlns:a14="http://schemas.microsoft.com/office/drawing/2010/main" val="0"/>
+              </a:ext>
+            </a:extLst>
+          </a:blip>
+          <a:stretch>
+            <a:fillRect/>
+          </a:stretch>
+        </p:blipFill>
+        <p:spPr>
+          <a:xfrm>
+            <a:off x="2017254" y="3303650"/>
+            <a:ext cx="5410200" cy="2171700"/>
+          </a:xfrm>
+          <a:prstGeom prst="rect">
+            <a:avLst/>
+          </a:prstGeom>
+        </p:spPr>
+      </p:pic>
+      <p:pic>
+        <p:nvPicPr>
+          <p:cNvPr id="5" name="Bildobjekt 4" descr="Screen Shot 2020-01-08 at 14.33.04.png"/>
+          <p:cNvPicPr>
+            <a:picLocks noChangeAspect="1"/>
+          </p:cNvPicPr>
+          <p:nvPr/>
+        </p:nvPicPr>
+        <p:blipFill>
+          <a:blip r:embed="rId3">
+            <a:extLst>
+              <a:ext uri="{28A0092B-C50C-407E-A947-70E740481C1C}">
+                <a14:useLocalDpi xmlns:a14="http://schemas.microsoft.com/office/drawing/2010/main" val="0"/>
+              </a:ext>
+            </a:extLst>
+          </a:blip>
+          <a:stretch>
+            <a:fillRect/>
+          </a:stretch>
+        </p:blipFill>
+        <p:spPr>
+          <a:xfrm>
+            <a:off x="2402188" y="1449013"/>
+            <a:ext cx="4521200" cy="1714500"/>
+          </a:xfrm>
+          <a:prstGeom prst="rect">
+            <a:avLst/>
+          </a:prstGeom>
+        </p:spPr>
+      </p:pic>
+      <p:sp>
+        <p:nvSpPr>
+          <p:cNvPr id="6" name="textruta 5"/>
+          <p:cNvSpPr txBox="1"/>
+          <p:nvPr/>
+        </p:nvSpPr>
+        <p:spPr>
+          <a:xfrm>
+            <a:off x="2983610" y="428386"/>
+            <a:ext cx="3427327" cy="707886"/>
+          </a:xfrm>
+          <a:prstGeom prst="rect">
+            <a:avLst/>
+          </a:prstGeom>
+          <a:noFill/>
+        </p:spPr>
+        <p:txBody>
+          <a:bodyPr wrap="square" rtlCol="0">
+            <a:spAutoFit/>
+          </a:bodyPr>
+          <a:lstStyle/>
+          <a:p>
+            <a:pPr algn="ctr"/>
+            <a:r>
+              <a:rPr lang="sv-SE" sz="4000" dirty="0" smtClean="0"/>
+              <a:t>Stjälken</a:t>
+            </a:r>
+            <a:endParaRPr lang="sv-SE" sz="4000" dirty="0"/>
+          </a:p>
+        </p:txBody>
+      </p:sp>
+      <p:sp>
+        <p:nvSpPr>
+          <p:cNvPr id="8" name="Rektangel 7"/>
+          <p:cNvSpPr/>
+          <p:nvPr/>
+        </p:nvSpPr>
+        <p:spPr>
+          <a:xfrm>
+            <a:off x="3270250" y="2222500"/>
+            <a:ext cx="3503083" cy="232833"/>
+          </a:xfrm>
+          <a:prstGeom prst="rect">
+            <a:avLst/>
+          </a:prstGeom>
+          <a:noFill/>
+        </p:spPr>
+        <p:style>
+          <a:lnRef idx="2">
+            <a:schemeClr val="accent2"/>
+          </a:lnRef>
+          <a:fillRef idx="1">
+            <a:schemeClr val="lt1"/>
+          </a:fillRef>
+          <a:effectRef idx="0">
+            <a:schemeClr val="accent2"/>
+          </a:effectRef>
+          <a:fontRef idx="minor">
+            <a:schemeClr val="dk1"/>
+          </a:fontRef>
+        </p:style>
+        <p:txBody>
+          <a:bodyPr rtlCol="0" anchor="ctr"/>
+          <a:lstStyle/>
+          <a:p>
+            <a:pPr algn="ctr"/>
+            <a:endParaRPr lang="sv-SE"/>
+          </a:p>
+        </p:txBody>
+      </p:sp>
+      <p:sp>
+        <p:nvSpPr>
+          <p:cNvPr id="9" name="Rektangel 8"/>
+          <p:cNvSpPr/>
+          <p:nvPr/>
+        </p:nvSpPr>
+        <p:spPr>
+          <a:xfrm>
+            <a:off x="2402188" y="3619500"/>
+            <a:ext cx="4932062" cy="232833"/>
+          </a:xfrm>
+          <a:prstGeom prst="rect">
+            <a:avLst/>
+          </a:prstGeom>
+          <a:noFill/>
+        </p:spPr>
+        <p:style>
+          <a:lnRef idx="2">
+            <a:schemeClr val="accent2"/>
+          </a:lnRef>
+          <a:fillRef idx="1">
+            <a:schemeClr val="lt1"/>
+          </a:fillRef>
+          <a:effectRef idx="0">
+            <a:schemeClr val="accent2"/>
+          </a:effectRef>
+          <a:fontRef idx="minor">
+            <a:schemeClr val="dk1"/>
+          </a:fontRef>
+        </p:style>
+        <p:txBody>
+          <a:bodyPr rtlCol="0" anchor="ctr"/>
+          <a:lstStyle/>
+          <a:p>
+            <a:pPr algn="ctr"/>
+            <a:endParaRPr lang="sv-SE"/>
+          </a:p>
+        </p:txBody>
+      </p:sp>
+    </p:spTree>
+    <p:extLst>
+      <p:ext uri="{BB962C8B-B14F-4D97-AF65-F5344CB8AC3E}">
+        <p14:creationId xmlns:p14="http://schemas.microsoft.com/office/powerpoint/2010/main" val="1825312830"/>
+      </p:ext>
+    </p:extLst>
+  </p:cSld>
+  <p:clrMapOvr>
+    <a:masterClrMapping/>
+  </p:clrMapOvr>
+  <p:timing>
+    <p:tnLst>
+      <p:par>
+        <p:cTn xmlns:p14="http://schemas.microsoft.com/office/powerpoint/2010/main" id="1" dur="indefinite" restart="never" nodeType="tmRoot">
+          <p:childTnLst>
+            <p:seq concurrent="1" nextAc="seek">
+              <p:cTn id="2" dur="indefinite" nodeType="mainSeq">
+                <p:childTnLst>
+                  <p:par>
+                    <p:cTn id="3" fill="hold">
+                      <p:stCondLst>
+                        <p:cond delay="indefinite"/>
+                      </p:stCondLst>
+                      <p:childTnLst>
+                        <p:par>
+                          <p:cTn id="4" fill="hold">
+                            <p:stCondLst>
+                              <p:cond delay="0"/>
+                            </p:stCondLst>
+                            <p:childTnLst>
+                              <p:par>
+                                <p:cTn id="5" presetID="1" presetClass="entr" presetSubtype="0" fill="hold" grpId="0" nodeType="clickEffect">
+                                  <p:stCondLst>
+                                    <p:cond delay="0"/>
+                                  </p:stCondLst>
+                                  <p:childTnLst>
+                                    <p:set>
+                                      <p:cBhvr>
+                                        <p:cTn id="6" dur="1" fill="hold">
+                                          <p:stCondLst>
+                                            <p:cond delay="0"/>
+                                          </p:stCondLst>
+                                        </p:cTn>
+                                        <p:tgtEl>
+                                          <p:spTgt spid="8"/>
+                                        </p:tgtEl>
+                                        <p:attrNameLst>
+                                          <p:attrName>style.visibility</p:attrName>
+                                        </p:attrNameLst>
+                                      </p:cBhvr>
+                                      <p:to>
+                                        <p:strVal val="visible"/>
+                                      </p:to>
+                                    </p:set>
+                                  </p:childTnLst>
+                                </p:cTn>
+                              </p:par>
+                            </p:childTnLst>
+                          </p:cTn>
+                        </p:par>
+                      </p:childTnLst>
+                    </p:cTn>
+                  </p:par>
+                  <p:par>
+                    <p:cTn id="7" fill="hold">
+                      <p:stCondLst>
+                        <p:cond delay="indefinite"/>
+                      </p:stCondLst>
+                      <p:childTnLst>
+                        <p:par>
+                          <p:cTn id="8" fill="hold">
+                            <p:stCondLst>
+                              <p:cond delay="0"/>
+                            </p:stCondLst>
+                            <p:childTnLst>
+                              <p:par>
+                                <p:cTn id="9" presetID="1" presetClass="entr" presetSubtype="0" fill="hold" grpId="0" nodeType="clickEffect">
+                                  <p:stCondLst>
+                                    <p:cond delay="0"/>
+                                  </p:stCondLst>
+                                  <p:childTnLst>
+                                    <p:set>
+                                      <p:cBhvr>
+                                        <p:cTn id="10" dur="1" fill="hold">
+                                          <p:stCondLst>
+                                            <p:cond delay="0"/>
+                                          </p:stCondLst>
+                                        </p:cTn>
+                                        <p:tgtEl>
+                                          <p:spTgt spid="9"/>
+                                        </p:tgtEl>
+                                        <p:attrNameLst>
+                                          <p:attrName>style.visibility</p:attrName>
+                                        </p:attrNameLst>
+                                      </p:cBhvr>
+                                      <p:to>
+                                        <p:strVal val="visible"/>
+                                      </p:to>
+                                    </p:set>
+                                  </p:childTnLst>
+                                </p:cTn>
+                              </p:par>
+                            </p:childTnLst>
+                          </p:cTn>
+                        </p:par>
+                      </p:childTnLst>
+                    </p:cTn>
+                  </p:par>
+                </p:childTnLst>
+              </p:cTn>
+              <p:prevCondLst>
+                <p:cond evt="onPrev" delay="0">
+                  <p:tgtEl>
+                    <p:sldTgt/>
+                  </p:tgtEl>
+                </p:cond>
+              </p:prevCondLst>
+              <p:nextCondLst>
+                <p:cond evt="onNext" delay="0">
+                  <p:tgtEl>
+                    <p:sldTgt/>
+                  </p:tgtEl>
+                </p:cond>
+              </p:nextCondLst>
+            </p:seq>
+          </p:childTnLst>
+        </p:cTn>
+      </p:par>
+    </p:tnLst>
+    <p:bldLst>
+      <p:bldP spid="8" grpId="0" animBg="1"/>
+      <p:bldP spid="9" grpId="0" animBg="1"/>
+    </p:bldLst>
+  </p:timing>
+</p:sld>
+</file>
+
+<file path=ppt/slides/slide11.xml><?xml version="1.0" encoding="utf-8"?>
+<p:sld xmlns:a="http://schemas.openxmlformats.org/drawingml/2006/main" xmlns:r="http://schemas.openxmlformats.org/officeDocument/2006/relationships" xmlns:p="http://schemas.openxmlformats.org/presentationml/2006/main">
+  <p:cSld>
+    <p:spTree>
+      <p:nvGrpSpPr>
+        <p:cNvPr id="1" name=""/>
+        <p:cNvGrpSpPr/>
+        <p:nvPr/>
+      </p:nvGrpSpPr>
+      <p:grpSpPr>
+        <a:xfrm>
+          <a:off x="0" y="0"/>
+          <a:ext cx="0" cy="0"/>
+          <a:chOff x="0" y="0"/>
+          <a:chExt cx="0" cy="0"/>
+        </a:xfrm>
+      </p:grpSpPr>
+      <p:sp>
+        <p:nvSpPr>
+          <p:cNvPr id="2" name="Rubrik 1"/>
+          <p:cNvSpPr>
+            <a:spLocks noGrp="1"/>
+          </p:cNvSpPr>
+          <p:nvPr>
+            <p:ph type="title"/>
+          </p:nvPr>
+        </p:nvSpPr>
+        <p:spPr/>
+        <p:txBody>
+          <a:bodyPr/>
+          <a:lstStyle/>
+          <a:p>
+            <a:r>
+              <a:rPr lang="sv-SE" dirty="0" smtClean="0"/>
+              <a:t>Vad gick bra?</a:t>
+            </a:r>
+            <a:endParaRPr lang="sv-SE" dirty="0"/>
+          </a:p>
+        </p:txBody>
+      </p:sp>
+      <p:sp>
+        <p:nvSpPr>
+          <p:cNvPr id="3" name="Platshållare för innehåll 2"/>
+          <p:cNvSpPr>
+            <a:spLocks noGrp="1"/>
+          </p:cNvSpPr>
+          <p:nvPr>
+            <p:ph idx="1"/>
+          </p:nvPr>
+        </p:nvSpPr>
+        <p:spPr/>
+        <p:txBody>
+          <a:bodyPr/>
+          <a:lstStyle/>
+          <a:p>
+            <a:r>
+              <a:rPr lang="sv-SE" dirty="0" smtClean="0"/>
+              <a:t>Bra kommunikation</a:t>
+            </a:r>
+          </a:p>
+          <a:p>
+            <a:r>
+              <a:rPr lang="sv-SE" dirty="0" err="1" smtClean="0"/>
+              <a:t>GitHub</a:t>
+            </a:r>
+            <a:r>
+              <a:rPr lang="sv-SE" dirty="0" err="1"/>
+              <a:t>-</a:t>
+            </a:r>
+            <a:r>
+              <a:rPr lang="sv-SE" dirty="0" err="1" smtClean="0"/>
+              <a:t>flow</a:t>
+            </a:r>
+            <a:r>
+              <a:rPr lang="sv-SE" dirty="0" smtClean="0"/>
+              <a:t> i samband med projektfunktionen</a:t>
+            </a:r>
+          </a:p>
+          <a:p>
+            <a:r>
+              <a:rPr lang="sv-SE" dirty="0" smtClean="0"/>
+              <a:t>Hålla deadlines</a:t>
+            </a:r>
+          </a:p>
+          <a:p>
+            <a:r>
+              <a:rPr lang="sv-SE" dirty="0" smtClean="0"/>
+              <a:t>Engagemang </a:t>
+            </a:r>
+          </a:p>
+          <a:p>
+            <a:r>
+              <a:rPr lang="sv-SE" dirty="0" smtClean="0"/>
+              <a:t>Enighet i gruppen</a:t>
+            </a:r>
+          </a:p>
+          <a:p>
+            <a:endParaRPr lang="sv-SE" dirty="0"/>
+          </a:p>
+        </p:txBody>
+      </p:sp>
+    </p:spTree>
+    <p:extLst>
+      <p:ext uri="{BB962C8B-B14F-4D97-AF65-F5344CB8AC3E}">
+        <p14:creationId xmlns:p14="http://schemas.microsoft.com/office/powerpoint/2010/main" val="4105506175"/>
+      </p:ext>
+    </p:extLst>
+  </p:cSld>
+  <p:clrMapOvr>
+    <a:masterClrMapping/>
+  </p:clrMapOvr>
+  <p:timing>
+    <p:tnLst>
+      <p:par>
+        <p:cTn xmlns:p14="http://schemas.microsoft.com/office/powerpoint/2010/main" id="1" dur="indefinite" restart="never" nodeType="tmRoot">
+          <p:childTnLst>
+            <p:seq concurrent="1" nextAc="seek">
+              <p:cTn id="2" dur="indefinite" nodeType="mainSeq">
+                <p:childTnLst>
+                  <p:par>
+                    <p:cTn id="3" fill="hold">
+                      <p:stCondLst>
+                        <p:cond delay="indefinite"/>
+                      </p:stCondLst>
+                      <p:childTnLst>
+                        <p:par>
+                          <p:cTn id="4" fill="hold">
+                            <p:stCondLst>
+                              <p:cond delay="0"/>
+                            </p:stCondLst>
+                            <p:childTnLst>
+                              <p:par>
+                                <p:cTn id="5" presetID="1" presetClass="entr" presetSubtype="0" fill="hold" grpId="0" nodeType="clickEffect">
+                                  <p:stCondLst>
+                                    <p:cond delay="0"/>
+                                  </p:stCondLst>
+                                  <p:childTnLst>
+                                    <p:set>
+                                      <p:cBhvr>
+                                        <p:cTn id="6" dur="1" fill="hold">
+                                          <p:stCondLst>
+                                            <p:cond delay="0"/>
+                                          </p:stCondLst>
+                                        </p:cTn>
+                                        <p:tgtEl>
+                                          <p:spTgt spid="3">
+                                            <p:txEl>
+                                              <p:pRg st="0" end="0"/>
+                                            </p:txEl>
+                                          </p:spTgt>
+                                        </p:tgtEl>
+                                        <p:attrNameLst>
+                                          <p:attrName>style.visibility</p:attrName>
+                                        </p:attrNameLst>
+                                      </p:cBhvr>
+                                      <p:to>
+                                        <p:strVal val="visible"/>
+                                      </p:to>
+                                    </p:set>
+                                  </p:childTnLst>
+                                </p:cTn>
+                              </p:par>
+                            </p:childTnLst>
+                          </p:cTn>
+                        </p:par>
+                      </p:childTnLst>
+                    </p:cTn>
+                  </p:par>
+                  <p:par>
+                    <p:cTn id="7" fill="hold">
+                      <p:stCondLst>
+                        <p:cond delay="indefinite"/>
+                      </p:stCondLst>
+                      <p:childTnLst>
+                        <p:par>
+                          <p:cTn id="8" fill="hold">
+                            <p:stCondLst>
+                              <p:cond delay="0"/>
+                            </p:stCondLst>
+                            <p:childTnLst>
+                              <p:par>
+                                <p:cTn id="9" presetID="1" presetClass="entr" presetSubtype="0" fill="hold" grpId="0" nodeType="clickEffect">
+                                  <p:stCondLst>
+                                    <p:cond delay="0"/>
+                                  </p:stCondLst>
+                                  <p:childTnLst>
+                                    <p:set>
+                                      <p:cBhvr>
+                                        <p:cTn id="10" dur="1" fill="hold">
+                                          <p:stCondLst>
+                                            <p:cond delay="0"/>
+                                          </p:stCondLst>
+                                        </p:cTn>
+                                        <p:tgtEl>
+                                          <p:spTgt spid="3">
+                                            <p:txEl>
+                                              <p:pRg st="1" end="1"/>
+                                            </p:txEl>
+                                          </p:spTgt>
+                                        </p:tgtEl>
+                                        <p:attrNameLst>
+                                          <p:attrName>style.visibility</p:attrName>
+                                        </p:attrNameLst>
+                                      </p:cBhvr>
+                                      <p:to>
+                                        <p:strVal val="visible"/>
+                                      </p:to>
+                                    </p:set>
+                                  </p:childTnLst>
+                                </p:cTn>
+                              </p:par>
+                            </p:childTnLst>
+                          </p:cTn>
+                        </p:par>
+                      </p:childTnLst>
+                    </p:cTn>
+                  </p:par>
+                  <p:par>
+                    <p:cTn id="11" fill="hold">
+                      <p:stCondLst>
+                        <p:cond delay="indefinite"/>
+                      </p:stCondLst>
+                      <p:childTnLst>
+                        <p:par>
+                          <p:cTn id="12" fill="hold">
+                            <p:stCondLst>
+                              <p:cond delay="0"/>
+                            </p:stCondLst>
+                            <p:childTnLst>
+                              <p:par>
+                                <p:cTn id="13" presetID="1" presetClass="entr" presetSubtype="0" fill="hold" grpId="0" nodeType="clickEffect">
+                                  <p:stCondLst>
+                                    <p:cond delay="0"/>
+                                  </p:stCondLst>
+                                  <p:childTnLst>
+                                    <p:set>
+                                      <p:cBhvr>
+                                        <p:cTn id="14" dur="1" fill="hold">
+                                          <p:stCondLst>
+                                            <p:cond delay="0"/>
+                                          </p:stCondLst>
+                                        </p:cTn>
+                                        <p:tgtEl>
+                                          <p:spTgt spid="3">
+                                            <p:txEl>
+                                              <p:pRg st="2" end="2"/>
+                                            </p:txEl>
+                                          </p:spTgt>
+                                        </p:tgtEl>
+                                        <p:attrNameLst>
+                                          <p:attrName>style.visibility</p:attrName>
+                                        </p:attrNameLst>
+                                      </p:cBhvr>
+                                      <p:to>
+                                        <p:strVal val="visible"/>
+                                      </p:to>
+                                    </p:set>
+                                  </p:childTnLst>
+                                </p:cTn>
+                              </p:par>
+                            </p:childTnLst>
+                          </p:cTn>
+                        </p:par>
+                      </p:childTnLst>
+                    </p:cTn>
+                  </p:par>
+                  <p:par>
+                    <p:cTn id="15" fill="hold">
+                      <p:stCondLst>
+                        <p:cond delay="indefinite"/>
+                      </p:stCondLst>
+                      <p:childTnLst>
+                        <p:par>
+                          <p:cTn id="16" fill="hold">
+                            <p:stCondLst>
+                              <p:cond delay="0"/>
+                            </p:stCondLst>
+                            <p:childTnLst>
+                              <p:par>
+                                <p:cTn id="17" presetID="1" presetClass="entr" presetSubtype="0" fill="hold" grpId="0" nodeType="clickEffect">
+                                  <p:stCondLst>
+                                    <p:cond delay="0"/>
+                                  </p:stCondLst>
+                                  <p:childTnLst>
+                                    <p:set>
+                                      <p:cBhvr>
+                                        <p:cTn id="18" dur="1" fill="hold">
+                                          <p:stCondLst>
+                                            <p:cond delay="0"/>
+                                          </p:stCondLst>
+                                        </p:cTn>
+                                        <p:tgtEl>
+                                          <p:spTgt spid="3">
+                                            <p:txEl>
+                                              <p:pRg st="3" end="3"/>
+                                            </p:txEl>
+                                          </p:spTgt>
+                                        </p:tgtEl>
+                                        <p:attrNameLst>
+                                          <p:attrName>style.visibility</p:attrName>
+                                        </p:attrNameLst>
+                                      </p:cBhvr>
+                                      <p:to>
+                                        <p:strVal val="visible"/>
+                                      </p:to>
+                                    </p:set>
+                                  </p:childTnLst>
+                                </p:cTn>
+                              </p:par>
+                            </p:childTnLst>
+                          </p:cTn>
+                        </p:par>
+                      </p:childTnLst>
+                    </p:cTn>
+                  </p:par>
+                  <p:par>
+                    <p:cTn id="19" fill="hold">
+                      <p:stCondLst>
+                        <p:cond delay="indefinite"/>
+                      </p:stCondLst>
+                      <p:childTnLst>
+                        <p:par>
+                          <p:cTn id="20" fill="hold">
+                            <p:stCondLst>
+                              <p:cond delay="0"/>
+                            </p:stCondLst>
+                            <p:childTnLst>
+                              <p:par>
+                                <p:cTn id="21" presetID="1" presetClass="entr" presetSubtype="0" fill="hold" grpId="0" nodeType="clickEffect">
+                                  <p:stCondLst>
+                                    <p:cond delay="0"/>
+                                  </p:stCondLst>
+                                  <p:childTnLst>
+                                    <p:set>
+                                      <p:cBhvr>
+                                        <p:cTn id="22" dur="1" fill="hold">
+                                          <p:stCondLst>
+                                            <p:cond delay="0"/>
+                                          </p:stCondLst>
+                                        </p:cTn>
+                                        <p:tgtEl>
+                                          <p:spTgt spid="3">
+                                            <p:txEl>
+                                              <p:pRg st="4" end="4"/>
+                                            </p:txEl>
+                                          </p:spTgt>
+                                        </p:tgtEl>
+                                        <p:attrNameLst>
+                                          <p:attrName>style.visibility</p:attrName>
+                                        </p:attrNameLst>
+                                      </p:cBhvr>
+                                      <p:to>
+                                        <p:strVal val="visible"/>
+                                      </p:to>
+                                    </p:set>
+                                  </p:childTnLst>
+                                </p:cTn>
+                              </p:par>
+                            </p:childTnLst>
+                          </p:cTn>
+                        </p:par>
+                      </p:childTnLst>
+                    </p:cTn>
+                  </p:par>
+                </p:childTnLst>
+              </p:cTn>
+              <p:prevCondLst>
+                <p:cond evt="onPrev" delay="0">
+                  <p:tgtEl>
+                    <p:sldTgt/>
+                  </p:tgtEl>
+                </p:cond>
+              </p:prevCondLst>
+              <p:nextCondLst>
+                <p:cond evt="onNext" delay="0">
+                  <p:tgtEl>
+                    <p:sldTgt/>
+                  </p:tgtEl>
+                </p:cond>
+              </p:nextCondLst>
+            </p:seq>
+          </p:childTnLst>
+        </p:cTn>
+      </p:par>
+    </p:tnLst>
+    <p:bldLst>
+      <p:bldP spid="3" grpId="0" build="p"/>
+    </p:bldLst>
+  </p:timing>
+</p:sld>
+</file>
+
+<file path=ppt/slides/slide12.xml><?xml version="1.0" encoding="utf-8"?>
+<p:sld xmlns:a="http://schemas.openxmlformats.org/drawingml/2006/main" xmlns:r="http://schemas.openxmlformats.org/officeDocument/2006/relationships" xmlns:p="http://schemas.openxmlformats.org/presentationml/2006/main">
+  <p:cSld>
+    <p:spTree>
+      <p:nvGrpSpPr>
+        <p:cNvPr id="1" name=""/>
+        <p:cNvGrpSpPr/>
+        <p:nvPr/>
+      </p:nvGrpSpPr>
+      <p:grpSpPr>
+        <a:xfrm>
+          <a:off x="0" y="0"/>
+          <a:ext cx="0" cy="0"/>
+          <a:chOff x="0" y="0"/>
+          <a:chExt cx="0" cy="0"/>
+        </a:xfrm>
+      </p:grpSpPr>
+      <p:sp>
+        <p:nvSpPr>
+          <p:cNvPr id="2" name="Rubrik 1"/>
+          <p:cNvSpPr>
+            <a:spLocks noGrp="1"/>
+          </p:cNvSpPr>
+          <p:nvPr>
+            <p:ph type="title"/>
+          </p:nvPr>
+        </p:nvSpPr>
+        <p:spPr/>
+        <p:txBody>
+          <a:bodyPr/>
+          <a:lstStyle/>
+          <a:p>
+            <a:r>
+              <a:rPr lang="sv-SE" dirty="0" smtClean="0"/>
+              <a:t>Vad gick mindre bra?</a:t>
+            </a:r>
+            <a:endParaRPr lang="sv-SE" dirty="0"/>
+          </a:p>
+        </p:txBody>
+      </p:sp>
+      <p:sp>
+        <p:nvSpPr>
+          <p:cNvPr id="3" name="Platshållare för innehåll 2"/>
+          <p:cNvSpPr>
+            <a:spLocks noGrp="1"/>
+          </p:cNvSpPr>
+          <p:nvPr>
+            <p:ph idx="1"/>
+          </p:nvPr>
+        </p:nvSpPr>
+        <p:spPr/>
+        <p:txBody>
+          <a:bodyPr/>
+          <a:lstStyle/>
+          <a:p>
+            <a:r>
+              <a:rPr lang="sv-SE" dirty="0" smtClean="0"/>
+              <a:t>Brokig start på projektet</a:t>
+            </a:r>
+          </a:p>
+          <a:p>
+            <a:r>
+              <a:rPr lang="sv-SE" dirty="0" smtClean="0"/>
+              <a:t>Hitta lösningar p5/</a:t>
+            </a:r>
+            <a:r>
+              <a:rPr lang="sv-SE" dirty="0" err="1" smtClean="0"/>
+              <a:t>Typescrift</a:t>
+            </a:r>
+            <a:endParaRPr lang="sv-SE" dirty="0" smtClean="0"/>
+          </a:p>
+          <a:p>
+            <a:r>
+              <a:rPr lang="sv-SE" dirty="0" smtClean="0"/>
+              <a:t>Jul - svårt med ett grupparbete över så många röda dagar</a:t>
+            </a:r>
+          </a:p>
+          <a:p>
+            <a:r>
+              <a:rPr lang="sv-SE" dirty="0" smtClean="0"/>
+              <a:t>Skriva ett UML schema utan tillräcklig kunskap</a:t>
+            </a:r>
+          </a:p>
+          <a:p>
+            <a:r>
+              <a:rPr lang="sv-SE" dirty="0" smtClean="0"/>
+              <a:t>1 </a:t>
+            </a:r>
+            <a:r>
+              <a:rPr lang="sv-SE" dirty="0" err="1" smtClean="0"/>
+              <a:t>issue</a:t>
+            </a:r>
+            <a:r>
+              <a:rPr lang="sv-SE" dirty="0" smtClean="0"/>
+              <a:t> 1 </a:t>
+            </a:r>
+            <a:r>
+              <a:rPr lang="sv-SE" dirty="0" err="1" smtClean="0"/>
+              <a:t>branch</a:t>
+            </a:r>
+            <a:endParaRPr lang="sv-SE" dirty="0" smtClean="0"/>
+          </a:p>
+          <a:p>
+            <a:endParaRPr lang="sv-SE" dirty="0" smtClean="0"/>
+          </a:p>
+          <a:p>
+            <a:endParaRPr lang="sv-SE" dirty="0" smtClean="0"/>
+          </a:p>
+          <a:p>
+            <a:endParaRPr lang="sv-SE" dirty="0"/>
+          </a:p>
+        </p:txBody>
+      </p:sp>
+    </p:spTree>
+    <p:extLst>
+      <p:ext uri="{BB962C8B-B14F-4D97-AF65-F5344CB8AC3E}">
+        <p14:creationId xmlns:p14="http://schemas.microsoft.com/office/powerpoint/2010/main" val="3984978690"/>
+      </p:ext>
+    </p:extLst>
+  </p:cSld>
+  <p:clrMapOvr>
+    <a:masterClrMapping/>
+  </p:clrMapOvr>
+  <p:timing>
+    <p:tnLst>
+      <p:par>
+        <p:cTn xmlns:p14="http://schemas.microsoft.com/office/powerpoint/2010/main" id="1" dur="indefinite" restart="never" nodeType="tmRoot">
+          <p:childTnLst>
+            <p:seq concurrent="1" nextAc="seek">
+              <p:cTn id="2" dur="indefinite" nodeType="mainSeq">
+                <p:childTnLst>
+                  <p:par>
+                    <p:cTn id="3" fill="hold">
+                      <p:stCondLst>
+                        <p:cond delay="indefinite"/>
+                      </p:stCondLst>
+                      <p:childTnLst>
+                        <p:par>
+                          <p:cTn id="4" fill="hold">
+                            <p:stCondLst>
+                              <p:cond delay="0"/>
+                            </p:stCondLst>
+                            <p:childTnLst>
+                              <p:par>
+                                <p:cTn id="5" presetID="1" presetClass="entr" presetSubtype="0" fill="hold" grpId="0" nodeType="clickEffect">
+                                  <p:stCondLst>
+                                    <p:cond delay="0"/>
+                                  </p:stCondLst>
+                                  <p:childTnLst>
+                                    <p:set>
+                                      <p:cBhvr>
+                                        <p:cTn id="6" dur="1" fill="hold">
+                                          <p:stCondLst>
+                                            <p:cond delay="0"/>
+                                          </p:stCondLst>
+                                        </p:cTn>
+                                        <p:tgtEl>
+                                          <p:spTgt spid="3">
+                                            <p:txEl>
+                                              <p:pRg st="0" end="0"/>
+                                            </p:txEl>
+                                          </p:spTgt>
+                                        </p:tgtEl>
+                                        <p:attrNameLst>
+                                          <p:attrName>style.visibility</p:attrName>
+                                        </p:attrNameLst>
+                                      </p:cBhvr>
+                                      <p:to>
+                                        <p:strVal val="visible"/>
+                                      </p:to>
+                                    </p:set>
+                                  </p:childTnLst>
+                                </p:cTn>
+                              </p:par>
+                            </p:childTnLst>
+                          </p:cTn>
+                        </p:par>
+                      </p:childTnLst>
+                    </p:cTn>
+                  </p:par>
+                  <p:par>
+                    <p:cTn id="7" fill="hold">
+                      <p:stCondLst>
+                        <p:cond delay="indefinite"/>
+                      </p:stCondLst>
+                      <p:childTnLst>
+                        <p:par>
+                          <p:cTn id="8" fill="hold">
+                            <p:stCondLst>
+                              <p:cond delay="0"/>
+                            </p:stCondLst>
+                            <p:childTnLst>
+                              <p:par>
+                                <p:cTn id="9" presetID="1" presetClass="entr" presetSubtype="0" fill="hold" grpId="0" nodeType="clickEffect">
+                                  <p:stCondLst>
+                                    <p:cond delay="0"/>
+                                  </p:stCondLst>
+                                  <p:childTnLst>
+                                    <p:set>
+                                      <p:cBhvr>
+                                        <p:cTn id="10" dur="1" fill="hold">
+                                          <p:stCondLst>
+                                            <p:cond delay="0"/>
+                                          </p:stCondLst>
+                                        </p:cTn>
+                                        <p:tgtEl>
+                                          <p:spTgt spid="3">
+                                            <p:txEl>
+                                              <p:pRg st="1" end="1"/>
+                                            </p:txEl>
+                                          </p:spTgt>
+                                        </p:tgtEl>
+                                        <p:attrNameLst>
+                                          <p:attrName>style.visibility</p:attrName>
+                                        </p:attrNameLst>
+                                      </p:cBhvr>
+                                      <p:to>
+                                        <p:strVal val="visible"/>
+                                      </p:to>
+                                    </p:set>
+                                  </p:childTnLst>
+                                </p:cTn>
+                              </p:par>
+                            </p:childTnLst>
+                          </p:cTn>
+                        </p:par>
+                      </p:childTnLst>
+                    </p:cTn>
+                  </p:par>
+                  <p:par>
+                    <p:cTn id="11" fill="hold">
+                      <p:stCondLst>
+                        <p:cond delay="indefinite"/>
+                      </p:stCondLst>
+                      <p:childTnLst>
+                        <p:par>
+                          <p:cTn id="12" fill="hold">
+                            <p:stCondLst>
+                              <p:cond delay="0"/>
+                            </p:stCondLst>
+                            <p:childTnLst>
+                              <p:par>
+                                <p:cTn id="13" presetID="1" presetClass="entr" presetSubtype="0" fill="hold" grpId="0" nodeType="clickEffect">
+                                  <p:stCondLst>
+                                    <p:cond delay="0"/>
+                                  </p:stCondLst>
+                                  <p:childTnLst>
+                                    <p:set>
+                                      <p:cBhvr>
+                                        <p:cTn id="14" dur="1" fill="hold">
+                                          <p:stCondLst>
+                                            <p:cond delay="0"/>
+                                          </p:stCondLst>
+                                        </p:cTn>
+                                        <p:tgtEl>
+                                          <p:spTgt spid="3">
+                                            <p:txEl>
+                                              <p:pRg st="2" end="2"/>
+                                            </p:txEl>
+                                          </p:spTgt>
+                                        </p:tgtEl>
+                                        <p:attrNameLst>
+                                          <p:attrName>style.visibility</p:attrName>
+                                        </p:attrNameLst>
+                                      </p:cBhvr>
+                                      <p:to>
+                                        <p:strVal val="visible"/>
+                                      </p:to>
+                                    </p:set>
+                                  </p:childTnLst>
+                                </p:cTn>
+                              </p:par>
+                            </p:childTnLst>
+                          </p:cTn>
+                        </p:par>
+                      </p:childTnLst>
+                    </p:cTn>
+                  </p:par>
+                  <p:par>
+                    <p:cTn id="15" fill="hold">
+                      <p:stCondLst>
+                        <p:cond delay="indefinite"/>
+                      </p:stCondLst>
+                      <p:childTnLst>
+                        <p:par>
+                          <p:cTn id="16" fill="hold">
+                            <p:stCondLst>
+                              <p:cond delay="0"/>
+                            </p:stCondLst>
+                            <p:childTnLst>
+                              <p:par>
+                                <p:cTn id="17" presetID="1" presetClass="entr" presetSubtype="0" fill="hold" grpId="0" nodeType="clickEffect">
+                                  <p:stCondLst>
+                                    <p:cond delay="0"/>
+                                  </p:stCondLst>
+                                  <p:childTnLst>
+                                    <p:set>
+                                      <p:cBhvr>
+                                        <p:cTn id="18" dur="1" fill="hold">
+                                          <p:stCondLst>
+                                            <p:cond delay="0"/>
+                                          </p:stCondLst>
+                                        </p:cTn>
+                                        <p:tgtEl>
+                                          <p:spTgt spid="3">
+                                            <p:txEl>
+                                              <p:pRg st="3" end="3"/>
+                                            </p:txEl>
+                                          </p:spTgt>
+                                        </p:tgtEl>
+                                        <p:attrNameLst>
+                                          <p:attrName>style.visibility</p:attrName>
+                                        </p:attrNameLst>
+                                      </p:cBhvr>
+                                      <p:to>
+                                        <p:strVal val="visible"/>
+                                      </p:to>
+                                    </p:set>
+                                  </p:childTnLst>
+                                </p:cTn>
+                              </p:par>
+                            </p:childTnLst>
+                          </p:cTn>
+                        </p:par>
+                      </p:childTnLst>
+                    </p:cTn>
+                  </p:par>
+                  <p:par>
+                    <p:cTn id="19" fill="hold">
+                      <p:stCondLst>
+                        <p:cond delay="indefinite"/>
+                      </p:stCondLst>
+                      <p:childTnLst>
+                        <p:par>
+                          <p:cTn id="20" fill="hold">
+                            <p:stCondLst>
+                              <p:cond delay="0"/>
+                            </p:stCondLst>
+                            <p:childTnLst>
+                              <p:par>
+                                <p:cTn id="21" presetID="1" presetClass="entr" presetSubtype="0" fill="hold" grpId="0" nodeType="clickEffect">
+                                  <p:stCondLst>
+                                    <p:cond delay="0"/>
+                                  </p:stCondLst>
+                                  <p:childTnLst>
+                                    <p:set>
+                                      <p:cBhvr>
+                                        <p:cTn id="22" dur="1" fill="hold">
+                                          <p:stCondLst>
+                                            <p:cond delay="0"/>
+                                          </p:stCondLst>
+                                        </p:cTn>
+                                        <p:tgtEl>
+                                          <p:spTgt spid="3">
+                                            <p:txEl>
+                                              <p:pRg st="4" end="4"/>
+                                            </p:txEl>
+                                          </p:spTgt>
+                                        </p:tgtEl>
+                                        <p:attrNameLst>
+                                          <p:attrName>style.visibility</p:attrName>
+                                        </p:attrNameLst>
+                                      </p:cBhvr>
+                                      <p:to>
+                                        <p:strVal val="visible"/>
+                                      </p:to>
+                                    </p:set>
+                                  </p:childTnLst>
+                                </p:cTn>
+                              </p:par>
+                            </p:childTnLst>
+                          </p:cTn>
+                        </p:par>
+                      </p:childTnLst>
+                    </p:cTn>
+                  </p:par>
+                </p:childTnLst>
+              </p:cTn>
+              <p:prevCondLst>
+                <p:cond evt="onPrev" delay="0">
+                  <p:tgtEl>
+                    <p:sldTgt/>
+                  </p:tgtEl>
+                </p:cond>
+              </p:prevCondLst>
+              <p:nextCondLst>
+                <p:cond evt="onNext" delay="0">
+                  <p:tgtEl>
+                    <p:sldTgt/>
+                  </p:tgtEl>
+                </p:cond>
+              </p:nextCondLst>
+            </p:seq>
+          </p:childTnLst>
+        </p:cTn>
+      </p:par>
+    </p:tnLst>
+    <p:bldLst>
+      <p:bldP spid="3" grpId="0" build="p"/>
+    </p:bldLst>
+  </p:timing>
+</p:sld>
+</file>
+
+<file path=ppt/slides/slide13.xml><?xml version="1.0" encoding="utf-8"?>
+<p:sld xmlns:a="http://schemas.openxmlformats.org/drawingml/2006/main" xmlns:r="http://schemas.openxmlformats.org/officeDocument/2006/relationships" xmlns:p="http://schemas.openxmlformats.org/presentationml/2006/main">
+  <p:cSld>
+    <p:spTree>
+      <p:nvGrpSpPr>
+        <p:cNvPr id="1" name=""/>
+        <p:cNvGrpSpPr/>
+        <p:nvPr/>
+      </p:nvGrpSpPr>
+      <p:grpSpPr>
+        <a:xfrm>
+          <a:off x="0" y="0"/>
+          <a:ext cx="0" cy="0"/>
+          <a:chOff x="0" y="0"/>
+          <a:chExt cx="0" cy="0"/>
+        </a:xfrm>
+      </p:grpSpPr>
+      <p:sp>
+        <p:nvSpPr>
+          <p:cNvPr id="2" name="Rubrik 1"/>
+          <p:cNvSpPr>
+            <a:spLocks noGrp="1"/>
+          </p:cNvSpPr>
+          <p:nvPr>
+            <p:ph type="title"/>
+          </p:nvPr>
+        </p:nvSpPr>
+        <p:spPr>
+          <a:xfrm>
+            <a:off x="457200" y="2401269"/>
+            <a:ext cx="8229600" cy="1143000"/>
+          </a:xfrm>
+        </p:spPr>
+        <p:txBody>
+          <a:bodyPr/>
+          <a:lstStyle/>
+          <a:p>
+            <a:r>
+              <a:rPr lang="sv-SE" dirty="0" smtClean="0"/>
+              <a:t>Grafik </a:t>
+            </a:r>
+            <a:endParaRPr lang="sv-SE" dirty="0"/>
+          </a:p>
+        </p:txBody>
+      </p:sp>
+      <p:pic>
+        <p:nvPicPr>
+          <p:cNvPr id="6" name="Bildobjekt 5" descr="good_cloud.png"/>
+          <p:cNvPicPr>
+            <a:picLocks noChangeAspect="1"/>
+          </p:cNvPicPr>
+          <p:nvPr/>
+        </p:nvPicPr>
+        <p:blipFill>
+          <a:blip r:embed="rId2">
+            <a:extLst>
+              <a:ext uri="{28A0092B-C50C-407E-A947-70E740481C1C}">
+                <a14:useLocalDpi xmlns:a14="http://schemas.microsoft.com/office/drawing/2010/main" val="0"/>
+              </a:ext>
+            </a:extLst>
+          </a:blip>
+          <a:stretch>
+            <a:fillRect/>
+          </a:stretch>
+        </p:blipFill>
+        <p:spPr>
+          <a:xfrm>
+            <a:off x="3656835" y="900904"/>
+            <a:ext cx="1891532" cy="1801808"/>
+          </a:xfrm>
+          <a:prstGeom prst="rect">
+            <a:avLst/>
+          </a:prstGeom>
+        </p:spPr>
+      </p:pic>
+    </p:spTree>
+    <p:extLst>
+      <p:ext uri="{BB962C8B-B14F-4D97-AF65-F5344CB8AC3E}">
+        <p14:creationId xmlns:p14="http://schemas.microsoft.com/office/powerpoint/2010/main" val="1510990409"/>
+      </p:ext>
+    </p:extLst>
+  </p:cSld>
+  <p:clrMapOvr>
+    <a:masterClrMapping/>
+  </p:clrMapOvr>
+  <p:timing>
+    <p:tnLst>
+      <p:par>
+        <p:cTn xmlns:p14="http://schemas.microsoft.com/office/powerpoint/2010/main" id="1" dur="indefinite" restart="never" nodeType="tmRoot"/>
+      </p:par>
+    </p:tnLst>
+  </p:timing>
+</p:sld>
+</file>
+
+<file path=ppt/slides/slide14.xml><?xml version="1.0" encoding="utf-8"?>
+<p:sld xmlns:a="http://schemas.openxmlformats.org/drawingml/2006/main" xmlns:r="http://schemas.openxmlformats.org/officeDocument/2006/relationships" xmlns:p="http://schemas.openxmlformats.org/presentationml/2006/main">
+  <p:cSld>
+    <p:bg>
+      <p:bgPr>
+        <a:blipFill rotWithShape="1">
+          <a:blip r:embed="rId2"/>
+          <a:stretch>
+            <a:fillRect/>
+          </a:stretch>
+        </a:blipFill>
+        <a:effectLst/>
+      </p:bgPr>
+    </p:bg>
+    <p:spTree>
+      <p:nvGrpSpPr>
+        <p:cNvPr id="1" name=""/>
+        <p:cNvGrpSpPr/>
+        <p:nvPr/>
+      </p:nvGrpSpPr>
+      <p:grpSpPr>
+        <a:xfrm>
+          <a:off x="0" y="0"/>
+          <a:ext cx="0" cy="0"/>
+          <a:chOff x="0" y="0"/>
+          <a:chExt cx="0" cy="0"/>
+        </a:xfrm>
+      </p:grpSpPr>
+      <p:pic>
+        <p:nvPicPr>
+          <p:cNvPr id="5" name="Bildobjekt 4" descr="bad_cloud1.png"/>
+          <p:cNvPicPr>
+            <a:picLocks noChangeAspect="1"/>
+          </p:cNvPicPr>
+          <p:nvPr/>
+        </p:nvPicPr>
+        <p:blipFill>
+          <a:blip r:embed="rId3">
+            <a:extLst>
+              <a:ext uri="{28A0092B-C50C-407E-A947-70E740481C1C}">
+                <a14:useLocalDpi xmlns:a14="http://schemas.microsoft.com/office/drawing/2010/main" val="0"/>
+              </a:ext>
+            </a:extLst>
+          </a:blip>
+          <a:stretch>
+            <a:fillRect/>
+          </a:stretch>
+        </p:blipFill>
+        <p:spPr>
+          <a:xfrm>
+            <a:off x="6397938" y="2516975"/>
+            <a:ext cx="1739661" cy="902670"/>
+          </a:xfrm>
+          <a:prstGeom prst="rect">
+            <a:avLst/>
+          </a:prstGeom>
+        </p:spPr>
+      </p:pic>
+      <p:pic>
+        <p:nvPicPr>
+          <p:cNvPr id="6" name="Bildobjekt 5" descr="bad_cloud2.png"/>
+          <p:cNvPicPr>
+            <a:picLocks noChangeAspect="1"/>
+          </p:cNvPicPr>
+          <p:nvPr/>
+        </p:nvPicPr>
+        <p:blipFill>
+          <a:blip r:embed="rId4">
+            <a:extLst>
+              <a:ext uri="{28A0092B-C50C-407E-A947-70E740481C1C}">
+                <a14:useLocalDpi xmlns:a14="http://schemas.microsoft.com/office/drawing/2010/main" val="0"/>
+              </a:ext>
+            </a:extLst>
+          </a:blip>
+          <a:stretch>
+            <a:fillRect/>
+          </a:stretch>
+        </p:blipFill>
+        <p:spPr>
+          <a:xfrm>
+            <a:off x="6219679" y="336876"/>
+            <a:ext cx="1698363" cy="774374"/>
+          </a:xfrm>
+          <a:prstGeom prst="rect">
+            <a:avLst/>
+          </a:prstGeom>
+        </p:spPr>
+      </p:pic>
+      <p:pic>
+        <p:nvPicPr>
+          <p:cNvPr id="7" name="Bildobjekt 6" descr="bad_cloud3.png"/>
+          <p:cNvPicPr>
+            <a:picLocks noChangeAspect="1"/>
+          </p:cNvPicPr>
+          <p:nvPr/>
+        </p:nvPicPr>
+        <p:blipFill>
+          <a:blip r:embed="rId5">
+            <a:extLst>
+              <a:ext uri="{28A0092B-C50C-407E-A947-70E740481C1C}">
+                <a14:useLocalDpi xmlns:a14="http://schemas.microsoft.com/office/drawing/2010/main" val="0"/>
+              </a:ext>
+            </a:extLst>
+          </a:blip>
+          <a:stretch>
+            <a:fillRect/>
+          </a:stretch>
+        </p:blipFill>
+        <p:spPr>
+          <a:xfrm>
+            <a:off x="7068861" y="1295954"/>
+            <a:ext cx="1805467" cy="894869"/>
+          </a:xfrm>
+          <a:prstGeom prst="rect">
+            <a:avLst/>
+          </a:prstGeom>
+        </p:spPr>
+      </p:pic>
+      <p:pic>
+        <p:nvPicPr>
+          <p:cNvPr id="8" name="Bildobjekt 7" descr="beeDead.png"/>
+          <p:cNvPicPr>
+            <a:picLocks noChangeAspect="1"/>
+          </p:cNvPicPr>
+          <p:nvPr/>
+        </p:nvPicPr>
+        <p:blipFill>
+          <a:blip r:embed="rId6">
+            <a:extLst>
+              <a:ext uri="{28A0092B-C50C-407E-A947-70E740481C1C}">
+                <a14:useLocalDpi xmlns:a14="http://schemas.microsoft.com/office/drawing/2010/main" val="0"/>
+              </a:ext>
+            </a:extLst>
+          </a:blip>
+          <a:stretch>
+            <a:fillRect/>
+          </a:stretch>
+        </p:blipFill>
+        <p:spPr>
+          <a:xfrm>
+            <a:off x="2494278" y="2516975"/>
+            <a:ext cx="1091196" cy="1187427"/>
+          </a:xfrm>
+          <a:prstGeom prst="rect">
+            <a:avLst/>
+          </a:prstGeom>
+        </p:spPr>
+      </p:pic>
+      <p:pic>
+        <p:nvPicPr>
+          <p:cNvPr id="9" name="Bildobjekt 8" descr="beeLeft.png"/>
+          <p:cNvPicPr>
+            <a:picLocks noChangeAspect="1"/>
+          </p:cNvPicPr>
+          <p:nvPr/>
+        </p:nvPicPr>
+        <p:blipFill>
+          <a:blip r:embed="rId7">
+            <a:extLst>
+              <a:ext uri="{28A0092B-C50C-407E-A947-70E740481C1C}">
+                <a14:useLocalDpi xmlns:a14="http://schemas.microsoft.com/office/drawing/2010/main" val="0"/>
+              </a:ext>
+            </a:extLst>
+          </a:blip>
+          <a:stretch>
+            <a:fillRect/>
+          </a:stretch>
+        </p:blipFill>
+        <p:spPr>
+          <a:xfrm>
+            <a:off x="984160" y="2516975"/>
+            <a:ext cx="1021192" cy="1111250"/>
+          </a:xfrm>
+          <a:prstGeom prst="rect">
+            <a:avLst/>
+          </a:prstGeom>
+        </p:spPr>
+      </p:pic>
+      <p:pic>
+        <p:nvPicPr>
+          <p:cNvPr id="10" name="Bildobjekt 9" descr="bud_new.png"/>
+          <p:cNvPicPr>
+            <a:picLocks noChangeAspect="1"/>
+          </p:cNvPicPr>
+          <p:nvPr/>
+        </p:nvPicPr>
+        <p:blipFill>
+          <a:blip r:embed="rId8">
+            <a:extLst>
+              <a:ext uri="{28A0092B-C50C-407E-A947-70E740481C1C}">
+                <a14:useLocalDpi xmlns:a14="http://schemas.microsoft.com/office/drawing/2010/main" val="0"/>
+              </a:ext>
+            </a:extLst>
+          </a:blip>
+          <a:stretch>
+            <a:fillRect/>
+          </a:stretch>
+        </p:blipFill>
+        <p:spPr>
+          <a:xfrm>
+            <a:off x="431328" y="4018029"/>
+            <a:ext cx="1111250" cy="1111250"/>
+          </a:xfrm>
+          <a:prstGeom prst="rect">
+            <a:avLst/>
+          </a:prstGeom>
+        </p:spPr>
+      </p:pic>
+      <p:pic>
+        <p:nvPicPr>
+          <p:cNvPr id="11" name="Bildobjekt 10" descr="flower_100.png"/>
+          <p:cNvPicPr>
+            <a:picLocks noChangeAspect="1"/>
+          </p:cNvPicPr>
+          <p:nvPr/>
+        </p:nvPicPr>
+        <p:blipFill>
+          <a:blip r:embed="rId9">
+            <a:extLst>
+              <a:ext uri="{28A0092B-C50C-407E-A947-70E740481C1C}">
+                <a14:useLocalDpi xmlns:a14="http://schemas.microsoft.com/office/drawing/2010/main" val="0"/>
+              </a:ext>
+            </a:extLst>
+          </a:blip>
+          <a:stretch>
+            <a:fillRect/>
+          </a:stretch>
+        </p:blipFill>
+        <p:spPr>
+          <a:xfrm>
+            <a:off x="1451073" y="4018029"/>
+            <a:ext cx="1043205" cy="1082528"/>
+          </a:xfrm>
+          <a:prstGeom prst="rect">
+            <a:avLst/>
+          </a:prstGeom>
+        </p:spPr>
+      </p:pic>
+      <p:pic>
+        <p:nvPicPr>
+          <p:cNvPr id="12" name="Bildobjekt 11" descr="flower_75.png"/>
+          <p:cNvPicPr>
+            <a:picLocks noChangeAspect="1"/>
+          </p:cNvPicPr>
+          <p:nvPr/>
+        </p:nvPicPr>
+        <p:blipFill>
+          <a:blip r:embed="rId10">
+            <a:extLst>
+              <a:ext uri="{28A0092B-C50C-407E-A947-70E740481C1C}">
+                <a14:useLocalDpi xmlns:a14="http://schemas.microsoft.com/office/drawing/2010/main" val="0"/>
+              </a:ext>
+            </a:extLst>
+          </a:blip>
+          <a:stretch>
+            <a:fillRect/>
+          </a:stretch>
+        </p:blipFill>
+        <p:spPr>
+          <a:xfrm>
+            <a:off x="2518173" y="4028786"/>
+            <a:ext cx="1070884" cy="1111250"/>
+          </a:xfrm>
+          <a:prstGeom prst="rect">
+            <a:avLst/>
+          </a:prstGeom>
+        </p:spPr>
+      </p:pic>
+      <p:pic>
+        <p:nvPicPr>
+          <p:cNvPr id="13" name="Bildobjekt 12" descr="flower_25.png"/>
+          <p:cNvPicPr>
+            <a:picLocks noChangeAspect="1"/>
+          </p:cNvPicPr>
+          <p:nvPr/>
+        </p:nvPicPr>
+        <p:blipFill>
+          <a:blip r:embed="rId11">
+            <a:extLst>
+              <a:ext uri="{28A0092B-C50C-407E-A947-70E740481C1C}">
+                <a14:useLocalDpi xmlns:a14="http://schemas.microsoft.com/office/drawing/2010/main" val="0"/>
+              </a:ext>
+            </a:extLst>
+          </a:blip>
+          <a:stretch>
+            <a:fillRect/>
+          </a:stretch>
+        </p:blipFill>
+        <p:spPr>
+          <a:xfrm>
+            <a:off x="3616806" y="4028786"/>
+            <a:ext cx="1037502" cy="1075375"/>
+          </a:xfrm>
+          <a:prstGeom prst="rect">
+            <a:avLst/>
+          </a:prstGeom>
+        </p:spPr>
+      </p:pic>
+      <p:pic>
+        <p:nvPicPr>
+          <p:cNvPr id="14" name="Bildobjekt 13" descr="flower_0.png"/>
+          <p:cNvPicPr>
+            <a:picLocks noChangeAspect="1"/>
+          </p:cNvPicPr>
+          <p:nvPr/>
+        </p:nvPicPr>
+        <p:blipFill>
+          <a:blip r:embed="rId12">
+            <a:extLst>
+              <a:ext uri="{28A0092B-C50C-407E-A947-70E740481C1C}">
+                <a14:useLocalDpi xmlns:a14="http://schemas.microsoft.com/office/drawing/2010/main" val="0"/>
+              </a:ext>
+            </a:extLst>
+          </a:blip>
+          <a:stretch>
+            <a:fillRect/>
+          </a:stretch>
+        </p:blipFill>
+        <p:spPr>
+          <a:xfrm>
+            <a:off x="4748919" y="4018029"/>
+            <a:ext cx="1060518" cy="1100493"/>
+          </a:xfrm>
+          <a:prstGeom prst="rect">
+            <a:avLst/>
+          </a:prstGeom>
+        </p:spPr>
+      </p:pic>
+      <p:pic>
+        <p:nvPicPr>
+          <p:cNvPr id="15" name="Bildobjekt 14" descr="good_cloud.png"/>
+          <p:cNvPicPr>
+            <a:picLocks noChangeAspect="1"/>
+          </p:cNvPicPr>
+          <p:nvPr/>
+        </p:nvPicPr>
+        <p:blipFill>
+          <a:blip r:embed="rId13">
+            <a:extLst>
+              <a:ext uri="{28A0092B-C50C-407E-A947-70E740481C1C}">
+                <a14:useLocalDpi xmlns:a14="http://schemas.microsoft.com/office/drawing/2010/main" val="0"/>
+              </a:ext>
+            </a:extLst>
+          </a:blip>
+          <a:stretch>
+            <a:fillRect/>
+          </a:stretch>
+        </p:blipFill>
+        <p:spPr>
+          <a:xfrm>
+            <a:off x="683428" y="336876"/>
+            <a:ext cx="1834745" cy="1747715"/>
+          </a:xfrm>
+          <a:prstGeom prst="rect">
+            <a:avLst/>
+          </a:prstGeom>
+        </p:spPr>
+      </p:pic>
+      <p:pic>
+        <p:nvPicPr>
+          <p:cNvPr id="16" name="Bildobjekt 15" descr="grass.png"/>
+          <p:cNvPicPr>
+            <a:picLocks noChangeAspect="1"/>
+          </p:cNvPicPr>
+          <p:nvPr/>
+        </p:nvPicPr>
+        <p:blipFill>
+          <a:blip r:embed="rId14">
+            <a:extLst>
+              <a:ext uri="{28A0092B-C50C-407E-A947-70E740481C1C}">
+                <a14:useLocalDpi xmlns:a14="http://schemas.microsoft.com/office/drawing/2010/main" val="0"/>
+              </a:ext>
+            </a:extLst>
+          </a:blip>
+          <a:stretch>
+            <a:fillRect/>
+          </a:stretch>
+        </p:blipFill>
+        <p:spPr>
+          <a:xfrm>
+            <a:off x="0" y="5596128"/>
+            <a:ext cx="9144000" cy="1261872"/>
+          </a:xfrm>
+          <a:prstGeom prst="rect">
+            <a:avLst/>
+          </a:prstGeom>
+        </p:spPr>
+      </p:pic>
+      <p:pic>
+        <p:nvPicPr>
+          <p:cNvPr id="17" name="Bildobjekt 16" descr="pot.png"/>
+          <p:cNvPicPr>
+            <a:picLocks noChangeAspect="1"/>
+          </p:cNvPicPr>
+          <p:nvPr/>
+        </p:nvPicPr>
+        <p:blipFill>
+          <a:blip r:embed="rId15">
+            <a:extLst>
+              <a:ext uri="{28A0092B-C50C-407E-A947-70E740481C1C}">
+                <a14:useLocalDpi xmlns:a14="http://schemas.microsoft.com/office/drawing/2010/main" val="0"/>
+              </a:ext>
+            </a:extLst>
+          </a:blip>
+          <a:stretch>
+            <a:fillRect/>
+          </a:stretch>
+        </p:blipFill>
+        <p:spPr>
+          <a:xfrm>
+            <a:off x="425741" y="5391896"/>
+            <a:ext cx="1116837" cy="905023"/>
+          </a:xfrm>
+          <a:prstGeom prst="rect">
+            <a:avLst/>
+          </a:prstGeom>
+        </p:spPr>
+      </p:pic>
+      <p:pic>
+        <p:nvPicPr>
+          <p:cNvPr id="18" name="Bildobjekt 17" descr="logo.png"/>
+          <p:cNvPicPr>
+            <a:picLocks noChangeAspect="1"/>
+          </p:cNvPicPr>
+          <p:nvPr/>
+        </p:nvPicPr>
+        <p:blipFill>
+          <a:blip r:embed="rId16">
+            <a:extLst>
+              <a:ext uri="{28A0092B-C50C-407E-A947-70E740481C1C}">
+                <a14:useLocalDpi xmlns:a14="http://schemas.microsoft.com/office/drawing/2010/main" val="0"/>
+              </a:ext>
+            </a:extLst>
+          </a:blip>
+          <a:stretch>
+            <a:fillRect/>
+          </a:stretch>
+        </p:blipFill>
+        <p:spPr>
+          <a:xfrm>
+            <a:off x="3306731" y="551488"/>
+            <a:ext cx="2243438" cy="1119524"/>
+          </a:xfrm>
+          <a:prstGeom prst="rect">
+            <a:avLst/>
+          </a:prstGeom>
+        </p:spPr>
+      </p:pic>
+      <p:pic>
+        <p:nvPicPr>
+          <p:cNvPr id="20" name="Bildobjekt 19" descr="flower_25_brown.png"/>
+          <p:cNvPicPr>
+            <a:picLocks noChangeAspect="1"/>
+          </p:cNvPicPr>
+          <p:nvPr/>
+        </p:nvPicPr>
+        <p:blipFill>
+          <a:blip r:embed="rId17">
+            <a:extLst>
+              <a:ext uri="{28A0092B-C50C-407E-A947-70E740481C1C}">
+                <a14:useLocalDpi xmlns:a14="http://schemas.microsoft.com/office/drawing/2010/main" val="0"/>
+              </a:ext>
+            </a:extLst>
+          </a:blip>
+          <a:stretch>
+            <a:fillRect/>
+          </a:stretch>
+        </p:blipFill>
+        <p:spPr>
+          <a:xfrm>
+            <a:off x="5863569" y="4028786"/>
+            <a:ext cx="1068738" cy="1107751"/>
+          </a:xfrm>
+          <a:prstGeom prst="rect">
+            <a:avLst/>
+          </a:prstGeom>
+        </p:spPr>
+      </p:pic>
+      <p:pic>
+        <p:nvPicPr>
+          <p:cNvPr id="21" name="Bildobjekt 20" descr="flower_100_brown.png"/>
+          <p:cNvPicPr>
+            <a:picLocks noChangeAspect="1"/>
+          </p:cNvPicPr>
+          <p:nvPr/>
+        </p:nvPicPr>
+        <p:blipFill>
+          <a:blip r:embed="rId18">
+            <a:extLst>
+              <a:ext uri="{28A0092B-C50C-407E-A947-70E740481C1C}">
+                <a14:useLocalDpi xmlns:a14="http://schemas.microsoft.com/office/drawing/2010/main" val="0"/>
+              </a:ext>
+            </a:extLst>
+          </a:blip>
+          <a:stretch>
+            <a:fillRect/>
+          </a:stretch>
+        </p:blipFill>
+        <p:spPr>
+          <a:xfrm>
+            <a:off x="7066715" y="4028786"/>
+            <a:ext cx="1070884" cy="1111250"/>
+          </a:xfrm>
+          <a:prstGeom prst="rect">
+            <a:avLst/>
+          </a:prstGeom>
+        </p:spPr>
+      </p:pic>
+      <p:pic>
+        <p:nvPicPr>
+          <p:cNvPr id="22" name="Bildobjekt 21" descr="leafLeft.png"/>
+          <p:cNvPicPr>
+            <a:picLocks noChangeAspect="1"/>
+          </p:cNvPicPr>
+          <p:nvPr/>
+        </p:nvPicPr>
+        <p:blipFill>
+          <a:blip r:embed="rId19">
+            <a:extLst>
+              <a:ext uri="{28A0092B-C50C-407E-A947-70E740481C1C}">
+                <a14:useLocalDpi xmlns:a14="http://schemas.microsoft.com/office/drawing/2010/main" val="0"/>
+              </a:ext>
+            </a:extLst>
+          </a:blip>
+          <a:stretch>
+            <a:fillRect/>
+          </a:stretch>
+        </p:blipFill>
+        <p:spPr>
+          <a:xfrm>
+            <a:off x="6932307" y="5271014"/>
+            <a:ext cx="597699" cy="325114"/>
+          </a:xfrm>
+          <a:prstGeom prst="rect">
+            <a:avLst/>
+          </a:prstGeom>
+        </p:spPr>
+      </p:pic>
+      <p:pic>
+        <p:nvPicPr>
+          <p:cNvPr id="23" name="Bildobjekt 22" descr="leafRight.png"/>
+          <p:cNvPicPr>
+            <a:picLocks noChangeAspect="1"/>
+          </p:cNvPicPr>
+          <p:nvPr/>
+        </p:nvPicPr>
+        <p:blipFill>
+          <a:blip r:embed="rId20">
+            <a:extLst>
+              <a:ext uri="{28A0092B-C50C-407E-A947-70E740481C1C}">
+                <a14:useLocalDpi xmlns:a14="http://schemas.microsoft.com/office/drawing/2010/main" val="0"/>
+              </a:ext>
+            </a:extLst>
+          </a:blip>
+          <a:stretch>
+            <a:fillRect/>
+          </a:stretch>
+        </p:blipFill>
+        <p:spPr>
+          <a:xfrm>
+            <a:off x="7651505" y="5249242"/>
+            <a:ext cx="637724" cy="346886"/>
+          </a:xfrm>
+          <a:prstGeom prst="rect">
+            <a:avLst/>
+          </a:prstGeom>
+        </p:spPr>
+      </p:pic>
+    </p:spTree>
+    <p:extLst>
+      <p:ext uri="{BB962C8B-B14F-4D97-AF65-F5344CB8AC3E}">
+        <p14:creationId xmlns:p14="http://schemas.microsoft.com/office/powerpoint/2010/main" val="1153365406"/>
+      </p:ext>
+    </p:extLst>
+  </p:cSld>
+  <p:clrMapOvr>
+    <a:masterClrMapping/>
+  </p:clrMapOvr>
+  <p:timing>
+    <p:tnLst>
+      <p:par>
+        <p:cTn xmlns:p14="http://schemas.microsoft.com/office/powerpoint/2010/main" id="1" dur="indefinite" restart="never" nodeType="tmRoot"/>
+      </p:par>
+    </p:tnLst>
+  </p:timing>
+</p:sld>
+</file>
+
+<file path=ppt/slides/slide15.xml><?xml version="1.0" encoding="utf-8"?>
+<p:sld xmlns:a="http://schemas.openxmlformats.org/drawingml/2006/main" xmlns:r="http://schemas.openxmlformats.org/officeDocument/2006/relationships" xmlns:p="http://schemas.openxmlformats.org/presentationml/2006/main">
+  <p:cSld>
+    <p:spTree>
+      <p:nvGrpSpPr>
+        <p:cNvPr id="1" name=""/>
+        <p:cNvGrpSpPr/>
+        <p:nvPr/>
+      </p:nvGrpSpPr>
+      <p:grpSpPr>
+        <a:xfrm>
+          <a:off x="0" y="0"/>
+          <a:ext cx="0" cy="0"/>
+          <a:chOff x="0" y="0"/>
+          <a:chExt cx="0" cy="0"/>
+        </a:xfrm>
+      </p:grpSpPr>
+      <p:sp>
+        <p:nvSpPr>
+          <p:cNvPr id="2" name="Rubrik 1"/>
+          <p:cNvSpPr>
+            <a:spLocks noGrp="1"/>
+          </p:cNvSpPr>
+          <p:nvPr>
+            <p:ph type="title"/>
+          </p:nvPr>
+        </p:nvSpPr>
+        <p:spPr/>
+        <p:txBody>
+          <a:bodyPr/>
+          <a:lstStyle/>
+          <a:p>
+            <a:r>
+              <a:rPr lang="sv-SE" dirty="0" smtClean="0"/>
+              <a:t>Framtida förbättringar</a:t>
+            </a:r>
+            <a:endParaRPr lang="sv-SE" dirty="0"/>
+          </a:p>
+        </p:txBody>
+      </p:sp>
+      <p:sp>
+        <p:nvSpPr>
+          <p:cNvPr id="3" name="Platshållare för innehåll 2"/>
+          <p:cNvSpPr>
+            <a:spLocks noGrp="1"/>
+          </p:cNvSpPr>
+          <p:nvPr>
+            <p:ph idx="1"/>
+          </p:nvPr>
+        </p:nvSpPr>
+        <p:spPr/>
+        <p:txBody>
+          <a:bodyPr/>
+          <a:lstStyle/>
+          <a:p>
+            <a:r>
+              <a:rPr lang="sv-SE" dirty="0" smtClean="0"/>
+              <a:t>Bi-ljudet</a:t>
+            </a:r>
+          </a:p>
+          <a:p>
+            <a:r>
+              <a:rPr lang="sv-SE" dirty="0" smtClean="0"/>
+              <a:t>Spara </a:t>
+            </a:r>
+            <a:r>
+              <a:rPr lang="sv-SE" dirty="0" err="1" smtClean="0"/>
+              <a:t>grow</a:t>
+            </a:r>
+            <a:r>
+              <a:rPr lang="sv-SE" dirty="0" smtClean="0"/>
+              <a:t> score i </a:t>
+            </a:r>
+            <a:r>
+              <a:rPr lang="sv-SE" dirty="0" err="1" smtClean="0"/>
+              <a:t>local</a:t>
+            </a:r>
+            <a:r>
+              <a:rPr lang="sv-SE" dirty="0" smtClean="0"/>
+              <a:t> </a:t>
+            </a:r>
+            <a:r>
+              <a:rPr lang="sv-SE" dirty="0" err="1" smtClean="0"/>
+              <a:t>storage</a:t>
+            </a:r>
+            <a:endParaRPr lang="sv-SE" dirty="0" smtClean="0"/>
+          </a:p>
+          <a:p>
+            <a:r>
+              <a:rPr lang="sv-SE" dirty="0" smtClean="0"/>
+              <a:t>Stjälken</a:t>
+            </a:r>
+          </a:p>
+          <a:p>
+            <a:r>
+              <a:rPr lang="sv-SE" dirty="0" smtClean="0"/>
+              <a:t>Ready, set, </a:t>
+            </a:r>
+            <a:r>
+              <a:rPr lang="sv-SE" dirty="0" err="1"/>
+              <a:t>g</a:t>
+            </a:r>
+            <a:r>
+              <a:rPr lang="sv-SE" dirty="0" err="1" smtClean="0"/>
+              <a:t>row</a:t>
+            </a:r>
+            <a:endParaRPr lang="sv-SE" dirty="0" smtClean="0"/>
+          </a:p>
+          <a:p>
+            <a:endParaRPr lang="sv-SE" dirty="0"/>
+          </a:p>
+        </p:txBody>
+      </p:sp>
+    </p:spTree>
+    <p:extLst>
+      <p:ext uri="{BB962C8B-B14F-4D97-AF65-F5344CB8AC3E}">
+        <p14:creationId xmlns:p14="http://schemas.microsoft.com/office/powerpoint/2010/main" val="3413510079"/>
+      </p:ext>
+    </p:extLst>
+  </p:cSld>
+  <p:clrMapOvr>
+    <a:masterClrMapping/>
+  </p:clrMapOvr>
+  <p:timing>
+    <p:tnLst>
+      <p:par>
+        <p:cTn xmlns:p14="http://schemas.microsoft.com/office/powerpoint/2010/main" id="1" dur="indefinite" restart="never" nodeType="tmRoot">
+          <p:childTnLst>
+            <p:seq concurrent="1" nextAc="seek">
+              <p:cTn id="2" dur="indefinite" nodeType="mainSeq">
+                <p:childTnLst>
+                  <p:par>
+                    <p:cTn id="3" fill="hold">
+                      <p:stCondLst>
+                        <p:cond delay="indefinite"/>
+                      </p:stCondLst>
+                      <p:childTnLst>
+                        <p:par>
+                          <p:cTn id="4" fill="hold">
+                            <p:stCondLst>
+                              <p:cond delay="0"/>
+                            </p:stCondLst>
+                            <p:childTnLst>
+                              <p:par>
+                                <p:cTn id="5" presetID="1" presetClass="entr" presetSubtype="0" fill="hold" grpId="0" nodeType="clickEffect">
+                                  <p:stCondLst>
+                                    <p:cond delay="0"/>
+                                  </p:stCondLst>
+                                  <p:childTnLst>
+                                    <p:set>
+                                      <p:cBhvr>
+                                        <p:cTn id="6" dur="1" fill="hold">
+                                          <p:stCondLst>
+                                            <p:cond delay="0"/>
+                                          </p:stCondLst>
+                                        </p:cTn>
+                                        <p:tgtEl>
+                                          <p:spTgt spid="3">
+                                            <p:txEl>
+                                              <p:pRg st="0" end="0"/>
+                                            </p:txEl>
+                                          </p:spTgt>
+                                        </p:tgtEl>
+                                        <p:attrNameLst>
+                                          <p:attrName>style.visibility</p:attrName>
+                                        </p:attrNameLst>
+                                      </p:cBhvr>
+                                      <p:to>
+                                        <p:strVal val="visible"/>
+                                      </p:to>
+                                    </p:set>
+                                  </p:childTnLst>
+                                </p:cTn>
+                              </p:par>
+                            </p:childTnLst>
+                          </p:cTn>
+                        </p:par>
+                      </p:childTnLst>
+                    </p:cTn>
+                  </p:par>
+                  <p:par>
+                    <p:cTn id="7" fill="hold">
+                      <p:stCondLst>
+                        <p:cond delay="indefinite"/>
+                      </p:stCondLst>
+                      <p:childTnLst>
+                        <p:par>
+                          <p:cTn id="8" fill="hold">
+                            <p:stCondLst>
+                              <p:cond delay="0"/>
+                            </p:stCondLst>
+                            <p:childTnLst>
+                              <p:par>
+                                <p:cTn id="9" presetID="1" presetClass="entr" presetSubtype="0" fill="hold" grpId="0" nodeType="clickEffect">
+                                  <p:stCondLst>
+                                    <p:cond delay="0"/>
+                                  </p:stCondLst>
+                                  <p:childTnLst>
+                                    <p:set>
+                                      <p:cBhvr>
+                                        <p:cTn id="10" dur="1" fill="hold">
+                                          <p:stCondLst>
+                                            <p:cond delay="0"/>
+                                          </p:stCondLst>
+                                        </p:cTn>
+                                        <p:tgtEl>
+                                          <p:spTgt spid="3">
+                                            <p:txEl>
+                                              <p:pRg st="1" end="1"/>
+                                            </p:txEl>
+                                          </p:spTgt>
+                                        </p:tgtEl>
+                                        <p:attrNameLst>
+                                          <p:attrName>style.visibility</p:attrName>
+                                        </p:attrNameLst>
+                                      </p:cBhvr>
+                                      <p:to>
+                                        <p:strVal val="visible"/>
+                                      </p:to>
+                                    </p:set>
+                                  </p:childTnLst>
+                                </p:cTn>
+                              </p:par>
+                            </p:childTnLst>
+                          </p:cTn>
+                        </p:par>
+                      </p:childTnLst>
+                    </p:cTn>
+                  </p:par>
+                  <p:par>
+                    <p:cTn id="11" fill="hold">
+                      <p:stCondLst>
+                        <p:cond delay="indefinite"/>
+                      </p:stCondLst>
+                      <p:childTnLst>
+                        <p:par>
+                          <p:cTn id="12" fill="hold">
+                            <p:stCondLst>
+                              <p:cond delay="0"/>
+                            </p:stCondLst>
+                            <p:childTnLst>
+                              <p:par>
+                                <p:cTn id="13" presetID="1" presetClass="entr" presetSubtype="0" fill="hold" grpId="0" nodeType="clickEffect">
+                                  <p:stCondLst>
+                                    <p:cond delay="0"/>
+                                  </p:stCondLst>
+                                  <p:childTnLst>
+                                    <p:set>
+                                      <p:cBhvr>
+                                        <p:cTn id="14" dur="1" fill="hold">
+                                          <p:stCondLst>
+                                            <p:cond delay="0"/>
+                                          </p:stCondLst>
+                                        </p:cTn>
+                                        <p:tgtEl>
+                                          <p:spTgt spid="3">
+                                            <p:txEl>
+                                              <p:pRg st="2" end="2"/>
+                                            </p:txEl>
+                                          </p:spTgt>
+                                        </p:tgtEl>
+                                        <p:attrNameLst>
+                                          <p:attrName>style.visibility</p:attrName>
+                                        </p:attrNameLst>
+                                      </p:cBhvr>
+                                      <p:to>
+                                        <p:strVal val="visible"/>
+                                      </p:to>
+                                    </p:set>
+                                  </p:childTnLst>
+                                </p:cTn>
+                              </p:par>
+                            </p:childTnLst>
+                          </p:cTn>
+                        </p:par>
+                      </p:childTnLst>
+                    </p:cTn>
+                  </p:par>
+                  <p:par>
+                    <p:cTn id="15" fill="hold">
+                      <p:stCondLst>
+                        <p:cond delay="indefinite"/>
+                      </p:stCondLst>
+                      <p:childTnLst>
+                        <p:par>
+                          <p:cTn id="16" fill="hold">
+                            <p:stCondLst>
+                              <p:cond delay="0"/>
+                            </p:stCondLst>
+                            <p:childTnLst>
+                              <p:par>
+                                <p:cTn id="17" presetID="1" presetClass="entr" presetSubtype="0" fill="hold" grpId="0" nodeType="clickEffect">
+                                  <p:stCondLst>
+                                    <p:cond delay="0"/>
+                                  </p:stCondLst>
+                                  <p:childTnLst>
+                                    <p:set>
+                                      <p:cBhvr>
+                                        <p:cTn id="18" dur="1" fill="hold">
+                                          <p:stCondLst>
+                                            <p:cond delay="0"/>
+                                          </p:stCondLst>
+                                        </p:cTn>
+                                        <p:tgtEl>
+                                          <p:spTgt spid="3">
+                                            <p:txEl>
+                                              <p:pRg st="3" end="3"/>
+                                            </p:txEl>
+                                          </p:spTgt>
+                                        </p:tgtEl>
+                                        <p:attrNameLst>
+                                          <p:attrName>style.visibility</p:attrName>
+                                        </p:attrNameLst>
+                                      </p:cBhvr>
+                                      <p:to>
+                                        <p:strVal val="visible"/>
+                                      </p:to>
+                                    </p:set>
+                                  </p:childTnLst>
+                                </p:cTn>
+                              </p:par>
+                            </p:childTnLst>
+                          </p:cTn>
+                        </p:par>
+                      </p:childTnLst>
+                    </p:cTn>
+                  </p:par>
+                </p:childTnLst>
+              </p:cTn>
+              <p:prevCondLst>
+                <p:cond evt="onPrev" delay="0">
+                  <p:tgtEl>
+                    <p:sldTgt/>
+                  </p:tgtEl>
+                </p:cond>
+              </p:prevCondLst>
+              <p:nextCondLst>
+                <p:cond evt="onNext" delay="0">
+                  <p:tgtEl>
+                    <p:sldTgt/>
+                  </p:tgtEl>
+                </p:cond>
+              </p:nextCondLst>
+            </p:seq>
+          </p:childTnLst>
+        </p:cTn>
+      </p:par>
+    </p:tnLst>
+    <p:bldLst>
+      <p:bldP spid="3" grpId="0" build="p"/>
+    </p:bldLst>
+  </p:timing>
+</p:sld>
+</file>
+
+<file path=ppt/slides/slide16.xml><?xml version="1.0" encoding="utf-8"?>
+<p:sld xmlns:a="http://schemas.openxmlformats.org/drawingml/2006/main" xmlns:r="http://schemas.openxmlformats.org/officeDocument/2006/relationships" xmlns:p="http://schemas.openxmlformats.org/presentationml/2006/main">
+  <p:cSld>
+    <p:spTree>
+      <p:nvGrpSpPr>
+        <p:cNvPr id="1" name=""/>
+        <p:cNvGrpSpPr/>
+        <p:nvPr/>
+      </p:nvGrpSpPr>
+      <p:grpSpPr>
+        <a:xfrm>
+          <a:off x="0" y="0"/>
+          <a:ext cx="0" cy="0"/>
+          <a:chOff x="0" y="0"/>
+          <a:chExt cx="0" cy="0"/>
+        </a:xfrm>
+      </p:grpSpPr>
+      <p:sp>
+        <p:nvSpPr>
+          <p:cNvPr id="4" name="textruta 3"/>
+          <p:cNvSpPr txBox="1"/>
+          <p:nvPr/>
+        </p:nvSpPr>
+        <p:spPr>
+          <a:xfrm>
+            <a:off x="349250" y="5740916"/>
+            <a:ext cx="8688917" cy="461665"/>
+          </a:xfrm>
+          <a:prstGeom prst="rect">
+            <a:avLst/>
+          </a:prstGeom>
+          <a:noFill/>
+        </p:spPr>
+        <p:txBody>
+          <a:bodyPr wrap="square" rtlCol="0">
+            <a:spAutoFit/>
+          </a:bodyPr>
+          <a:lstStyle/>
+          <a:p>
+            <a:r>
+              <a:rPr lang="sv-SE" sz="2400" dirty="0" smtClean="0"/>
+              <a:t>Camilla Eriksson, Anne-Lie Bäck, Markus Karlsson, Lisa Bengtsson</a:t>
+            </a:r>
+            <a:endParaRPr lang="sv-SE" sz="2400" dirty="0"/>
+          </a:p>
+        </p:txBody>
+      </p:sp>
+      <p:sp>
+        <p:nvSpPr>
+          <p:cNvPr id="5" name="textruta 4"/>
+          <p:cNvSpPr txBox="1"/>
+          <p:nvPr/>
+        </p:nvSpPr>
+        <p:spPr>
+          <a:xfrm>
+            <a:off x="349250" y="5371584"/>
+            <a:ext cx="2169583" cy="369332"/>
+          </a:xfrm>
+          <a:prstGeom prst="rect">
+            <a:avLst/>
+          </a:prstGeom>
+          <a:noFill/>
+        </p:spPr>
+        <p:txBody>
+          <a:bodyPr wrap="square" rtlCol="0">
+            <a:spAutoFit/>
+          </a:bodyPr>
+          <a:lstStyle/>
+          <a:p>
+            <a:r>
+              <a:rPr lang="sv-SE" dirty="0" smtClean="0"/>
+              <a:t>Av:</a:t>
+            </a:r>
+            <a:endParaRPr lang="sv-SE" dirty="0"/>
+          </a:p>
+        </p:txBody>
+      </p:sp>
+    </p:spTree>
+    <p:extLst>
+      <p:ext uri="{BB962C8B-B14F-4D97-AF65-F5344CB8AC3E}">
+        <p14:creationId xmlns:p14="http://schemas.microsoft.com/office/powerpoint/2010/main" val="3207220690"/>
       </p:ext>
     </p:extLst>
   </p:cSld>
@@ -4098,51 +6361,9 @@
           <a:chExt cx="0" cy="0"/>
         </a:xfrm>
       </p:grpSpPr>
-      <p:sp>
-        <p:nvSpPr>
-          <p:cNvPr id="2" name="Rubrik 1"/>
-          <p:cNvSpPr>
-            <a:spLocks noGrp="1"/>
-          </p:cNvSpPr>
-          <p:nvPr>
-            <p:ph type="title"/>
-          </p:nvPr>
-        </p:nvSpPr>
-        <p:spPr/>
-        <p:txBody>
-          <a:bodyPr/>
-          <a:lstStyle/>
-          <a:p>
-            <a:r>
-              <a:rPr lang="sv-SE" dirty="0" smtClean="0"/>
-              <a:t>Klassdiagram</a:t>
-            </a:r>
-            <a:endParaRPr lang="sv-SE" dirty="0"/>
-          </a:p>
-        </p:txBody>
-      </p:sp>
-      <p:sp>
-        <p:nvSpPr>
-          <p:cNvPr id="3" name="Platshållare för innehåll 2"/>
-          <p:cNvSpPr>
-            <a:spLocks noGrp="1"/>
-          </p:cNvSpPr>
-          <p:nvPr>
-            <p:ph idx="1"/>
-          </p:nvPr>
-        </p:nvSpPr>
-        <p:spPr/>
-        <p:txBody>
-          <a:bodyPr/>
-          <a:lstStyle/>
-          <a:p>
-            <a:endParaRPr lang="sv-SE" dirty="0"/>
-          </a:p>
-        </p:txBody>
-      </p:sp>
       <p:pic>
         <p:nvPicPr>
-          <p:cNvPr id="5" name="Bildobjekt 4" descr="pot.png"/>
+          <p:cNvPr id="4" name="Bildobjekt 3" descr="FlowerGrow first ideas_1.jpg"/>
           <p:cNvPicPr>
             <a:picLocks noChangeAspect="1"/>
           </p:cNvPicPr>
@@ -4162,8 +6383,68 @@
         </p:blipFill>
         <p:spPr>
           <a:xfrm>
-            <a:off x="6228291" y="598562"/>
-            <a:ext cx="809969" cy="656354"/>
+            <a:off x="6409202" y="172119"/>
+            <a:ext cx="1220881" cy="6529061"/>
+          </a:xfrm>
+          <a:prstGeom prst="rect">
+            <a:avLst/>
+          </a:prstGeom>
+        </p:spPr>
+      </p:pic>
+      <p:sp>
+        <p:nvSpPr>
+          <p:cNvPr id="6" name="textruta 5"/>
+          <p:cNvSpPr txBox="1"/>
+          <p:nvPr/>
+        </p:nvSpPr>
+        <p:spPr>
+          <a:xfrm>
+            <a:off x="1025138" y="641507"/>
+            <a:ext cx="4330060" cy="646331"/>
+          </a:xfrm>
+          <a:prstGeom prst="rect">
+            <a:avLst/>
+          </a:prstGeom>
+          <a:noFill/>
+        </p:spPr>
+        <p:txBody>
+          <a:bodyPr wrap="square" rtlCol="0">
+            <a:spAutoFit/>
+          </a:bodyPr>
+          <a:lstStyle/>
+          <a:p>
+            <a:r>
+              <a:rPr lang="sv-SE" sz="3600" dirty="0" smtClean="0"/>
+              <a:t>Våra första skisser</a:t>
+            </a:r>
+            <a:endParaRPr lang="sv-SE" sz="3600" dirty="0"/>
+          </a:p>
+        </p:txBody>
+      </p:sp>
+      <p:pic>
+        <p:nvPicPr>
+          <p:cNvPr id="7" name="Bildobjekt 6" descr="FlowerGrow first ideas_5.jpg"/>
+          <p:cNvPicPr>
+            <a:picLocks noChangeAspect="1"/>
+          </p:cNvPicPr>
+          <p:nvPr/>
+        </p:nvPicPr>
+        <p:blipFill>
+          <a:blip r:embed="rId3">
+            <a:extLst>
+              <a:ext uri="{28A0092B-C50C-407E-A947-70E740481C1C}">
+                <a14:useLocalDpi xmlns:a14="http://schemas.microsoft.com/office/drawing/2010/main" val="0"/>
+              </a:ext>
+            </a:extLst>
+          </a:blip>
+          <a:stretch>
+            <a:fillRect/>
+          </a:stretch>
+        </p:blipFill>
+        <p:spPr>
+          <a:xfrm>
+            <a:off x="703827" y="1853425"/>
+            <a:ext cx="5110388" cy="3229981"/>
           </a:xfrm>
           <a:prstGeom prst="rect">
             <a:avLst/>
@@ -4173,7 +6454,7 @@
     </p:spTree>
     <p:extLst>
       <p:ext uri="{BB962C8B-B14F-4D97-AF65-F5344CB8AC3E}">
-        <p14:creationId xmlns:p14="http://schemas.microsoft.com/office/powerpoint/2010/main" val="1935858236"/>
+        <p14:creationId xmlns:p14="http://schemas.microsoft.com/office/powerpoint/2010/main" val="618407430"/>
       </p:ext>
     </p:extLst>
   </p:cSld>
@@ -4207,39 +6488,9 @@
           <a:chExt cx="0" cy="0"/>
         </a:xfrm>
       </p:grpSpPr>
-      <p:sp>
-        <p:nvSpPr>
-          <p:cNvPr id="2" name="Rubrik 1"/>
-          <p:cNvSpPr>
-            <a:spLocks noGrp="1"/>
-          </p:cNvSpPr>
-          <p:nvPr>
-            <p:ph type="title"/>
-          </p:nvPr>
-        </p:nvSpPr>
-        <p:spPr>
-          <a:xfrm>
-            <a:off x="457200" y="304917"/>
-            <a:ext cx="8229600" cy="749676"/>
-          </a:xfrm>
-        </p:spPr>
-        <p:txBody>
-          <a:bodyPr>
-            <a:normAutofit fontScale="90000"/>
-          </a:bodyPr>
-          <a:lstStyle/>
-          <a:p>
-            <a:r>
-              <a:rPr lang="sv-SE" dirty="0" smtClean="0"/>
-              <a:t>Kod</a:t>
-            </a:r>
-            <a:endParaRPr lang="sv-SE" dirty="0"/>
-          </a:p>
-        </p:txBody>
-      </p:sp>
       <p:pic>
         <p:nvPicPr>
-          <p:cNvPr id="4" name="Bildobjekt 3" descr="flower_75.png"/>
+          <p:cNvPr id="4" name="Bildobjekt 3" descr="FlowerGrow first ideas_4.jpg"/>
           <p:cNvPicPr>
             <a:picLocks noChangeAspect="1"/>
           </p:cNvPicPr>
@@ -4259,76 +6510,8 @@
         </p:blipFill>
         <p:spPr>
           <a:xfrm>
-            <a:off x="5304519" y="304917"/>
-            <a:ext cx="815707" cy="846454"/>
-          </a:xfrm>
-          <a:prstGeom prst="rect">
-            <a:avLst/>
-          </a:prstGeom>
-        </p:spPr>
-      </p:pic>
-      <p:sp>
-        <p:nvSpPr>
-          <p:cNvPr id="6" name="textruta 5"/>
-          <p:cNvSpPr txBox="1"/>
-          <p:nvPr/>
-        </p:nvSpPr>
-        <p:spPr>
-          <a:xfrm>
-            <a:off x="900918" y="1054593"/>
-            <a:ext cx="6963574" cy="369332"/>
-          </a:xfrm>
-          <a:prstGeom prst="rect">
-            <a:avLst/>
-          </a:prstGeom>
-          <a:noFill/>
-        </p:spPr>
-        <p:txBody>
-          <a:bodyPr wrap="square" rtlCol="0">
-            <a:spAutoFit/>
-          </a:bodyPr>
-          <a:lstStyle/>
-          <a:p>
-            <a:r>
-              <a:rPr lang="sv-SE" dirty="0" smtClean="0"/>
-              <a:t>Här laddas alla spelets bilder in i </a:t>
-            </a:r>
-            <a:r>
-              <a:rPr lang="sv-SE" dirty="0" err="1" smtClean="0"/>
-              <a:t>skrech.ts</a:t>
-            </a:r>
-            <a:r>
-              <a:rPr lang="sv-SE" dirty="0" smtClean="0"/>
-              <a:t> filen: </a:t>
-            </a:r>
-            <a:endParaRPr lang="sv-SE" dirty="0"/>
-          </a:p>
-        </p:txBody>
-      </p:sp>
-      <p:pic>
-        <p:nvPicPr>
-          <p:cNvPr id="9" name="Bildobjekt 8" descr="Screen Shot 2020-01-05 at 16.00.52.png"/>
-          <p:cNvPicPr>
-            <a:picLocks noChangeAspect="1"/>
-          </p:cNvPicPr>
-          <p:nvPr/>
-        </p:nvPicPr>
-        <p:blipFill>
-          <a:blip r:embed="rId3">
-            <a:extLst>
-              <a:ext uri="{28A0092B-C50C-407E-A947-70E740481C1C}">
-                <a14:useLocalDpi xmlns:a14="http://schemas.microsoft.com/office/drawing/2010/main" val="0"/>
-              </a:ext>
-            </a:extLst>
-          </a:blip>
-          <a:stretch>
-            <a:fillRect/>
-          </a:stretch>
-        </p:blipFill>
-        <p:spPr>
-          <a:xfrm>
-            <a:off x="900918" y="1515722"/>
-            <a:ext cx="6913118" cy="5108961"/>
+            <a:off x="1823484" y="0"/>
+            <a:ext cx="5869983" cy="6858000"/>
           </a:xfrm>
           <a:prstGeom prst="rect">
             <a:avLst/>
@@ -4338,7 +6521,7 @@
     </p:spTree>
     <p:extLst>
       <p:ext uri="{BB962C8B-B14F-4D97-AF65-F5344CB8AC3E}">
-        <p14:creationId xmlns:p14="http://schemas.microsoft.com/office/powerpoint/2010/main" val="1276176761"/>
+        <p14:creationId xmlns:p14="http://schemas.microsoft.com/office/powerpoint/2010/main" val="1877922863"/>
       </p:ext>
     </p:extLst>
   </p:cSld>
@@ -4374,7 +6557,7 @@
       </p:grpSpPr>
       <p:pic>
         <p:nvPicPr>
-          <p:cNvPr id="4" name="Bildobjekt 3" descr="Screen Shot 2020-01-05 at 16.04.33.png"/>
+          <p:cNvPr id="4" name="Bildobjekt 3" descr="FlowerGrow first ideas_2.jpg"/>
           <p:cNvPicPr>
             <a:picLocks noChangeAspect="1"/>
           </p:cNvPicPr>
@@ -4394,14 +6577,399 @@
         </p:blipFill>
         <p:spPr>
           <a:xfrm>
-            <a:off x="860691" y="933268"/>
-            <a:ext cx="7478118" cy="5563479"/>
+            <a:off x="4757101" y="367188"/>
+            <a:ext cx="4050287" cy="5890307"/>
           </a:xfrm>
           <a:prstGeom prst="rect">
             <a:avLst/>
           </a:prstGeom>
         </p:spPr>
       </p:pic>
+      <p:pic>
+        <p:nvPicPr>
+          <p:cNvPr id="5" name="Bildobjekt 4" descr="FlowerGrow first ideas_3.jpg"/>
+          <p:cNvPicPr>
+            <a:picLocks noChangeAspect="1"/>
+          </p:cNvPicPr>
+          <p:nvPr/>
+        </p:nvPicPr>
+        <p:blipFill>
+          <a:blip r:embed="rId3">
+            <a:extLst>
+              <a:ext uri="{28A0092B-C50C-407E-A947-70E740481C1C}">
+                <a14:useLocalDpi xmlns:a14="http://schemas.microsoft.com/office/drawing/2010/main" val="0"/>
+              </a:ext>
+            </a:extLst>
+          </a:blip>
+          <a:stretch>
+            <a:fillRect/>
+          </a:stretch>
+        </p:blipFill>
+        <p:spPr>
+          <a:xfrm>
+            <a:off x="436628" y="367188"/>
+            <a:ext cx="4037992" cy="5523119"/>
+          </a:xfrm>
+          <a:prstGeom prst="rect">
+            <a:avLst/>
+          </a:prstGeom>
+        </p:spPr>
+      </p:pic>
+    </p:spTree>
+    <p:extLst>
+      <p:ext uri="{BB962C8B-B14F-4D97-AF65-F5344CB8AC3E}">
+        <p14:creationId xmlns:p14="http://schemas.microsoft.com/office/powerpoint/2010/main" val="951374549"/>
+      </p:ext>
+    </p:extLst>
+  </p:cSld>
+  <p:clrMapOvr>
+    <a:masterClrMapping/>
+  </p:clrMapOvr>
+  <p:timing>
+    <p:tnLst>
+      <p:par>
+        <p:cTn xmlns:p14="http://schemas.microsoft.com/office/powerpoint/2010/main" id="1" dur="indefinite" restart="never" nodeType="tmRoot"/>
+      </p:par>
+    </p:tnLst>
+  </p:timing>
+</p:sld>
+</file>
+
+<file path=ppt/slides/slide6.xml><?xml version="1.0" encoding="utf-8"?>
+<p:sld xmlns:a="http://schemas.openxmlformats.org/drawingml/2006/main" xmlns:r="http://schemas.openxmlformats.org/officeDocument/2006/relationships" xmlns:p="http://schemas.openxmlformats.org/presentationml/2006/main">
+  <p:cSld>
+    <p:spTree>
+      <p:nvGrpSpPr>
+        <p:cNvPr id="1" name=""/>
+        <p:cNvGrpSpPr/>
+        <p:nvPr/>
+      </p:nvGrpSpPr>
+      <p:grpSpPr>
+        <a:xfrm>
+          <a:off x="0" y="0"/>
+          <a:ext cx="0" cy="0"/>
+          <a:chOff x="0" y="0"/>
+          <a:chExt cx="0" cy="0"/>
+        </a:xfrm>
+      </p:grpSpPr>
+      <p:sp>
+        <p:nvSpPr>
+          <p:cNvPr id="2" name="Rubrik 1"/>
+          <p:cNvSpPr>
+            <a:spLocks noGrp="1"/>
+          </p:cNvSpPr>
+          <p:nvPr>
+            <p:ph type="title"/>
+          </p:nvPr>
+        </p:nvSpPr>
+        <p:spPr>
+          <a:xfrm>
+            <a:off x="350096" y="1890966"/>
+            <a:ext cx="8229600" cy="1143000"/>
+          </a:xfrm>
+        </p:spPr>
+        <p:txBody>
+          <a:bodyPr/>
+          <a:lstStyle/>
+          <a:p>
+            <a:r>
+              <a:rPr lang="sv-SE" dirty="0" smtClean="0"/>
+              <a:t>Klassdiagram</a:t>
+            </a:r>
+            <a:endParaRPr lang="sv-SE" dirty="0"/>
+          </a:p>
+        </p:txBody>
+      </p:sp>
+      <p:pic>
+        <p:nvPicPr>
+          <p:cNvPr id="5" name="Bildobjekt 4" descr="pot.png"/>
+          <p:cNvPicPr>
+            <a:picLocks noChangeAspect="1"/>
+          </p:cNvPicPr>
+          <p:nvPr/>
+        </p:nvPicPr>
+        <p:blipFill>
+          <a:blip r:embed="rId2">
+            <a:extLst>
+              <a:ext uri="{28A0092B-C50C-407E-A947-70E740481C1C}">
+                <a14:useLocalDpi xmlns:a14="http://schemas.microsoft.com/office/drawing/2010/main" val="0"/>
+              </a:ext>
+            </a:extLst>
+          </a:blip>
+          <a:stretch>
+            <a:fillRect/>
+          </a:stretch>
+        </p:blipFill>
+        <p:spPr>
+          <a:xfrm>
+            <a:off x="4055611" y="3422082"/>
+            <a:ext cx="809969" cy="656354"/>
+          </a:xfrm>
+          <a:prstGeom prst="rect">
+            <a:avLst/>
+          </a:prstGeom>
+        </p:spPr>
+      </p:pic>
+    </p:spTree>
+    <p:extLst>
+      <p:ext uri="{BB962C8B-B14F-4D97-AF65-F5344CB8AC3E}">
+        <p14:creationId xmlns:p14="http://schemas.microsoft.com/office/powerpoint/2010/main" val="1935858236"/>
+      </p:ext>
+    </p:extLst>
+  </p:cSld>
+  <p:clrMapOvr>
+    <a:masterClrMapping/>
+  </p:clrMapOvr>
+  <p:timing>
+    <p:tnLst>
+      <p:par>
+        <p:cTn xmlns:p14="http://schemas.microsoft.com/office/powerpoint/2010/main" id="1" dur="indefinite" restart="never" nodeType="tmRoot"/>
+      </p:par>
+    </p:tnLst>
+  </p:timing>
+</p:sld>
+</file>
+
+<file path=ppt/slides/slide7.xml><?xml version="1.0" encoding="utf-8"?>
+<p:sld xmlns:a="http://schemas.openxmlformats.org/drawingml/2006/main" xmlns:r="http://schemas.openxmlformats.org/officeDocument/2006/relationships" xmlns:p="http://schemas.openxmlformats.org/presentationml/2006/main">
+  <p:cSld>
+    <p:spTree>
+      <p:nvGrpSpPr>
+        <p:cNvPr id="1" name=""/>
+        <p:cNvGrpSpPr/>
+        <p:nvPr/>
+      </p:nvGrpSpPr>
+      <p:grpSpPr>
+        <a:xfrm>
+          <a:off x="0" y="0"/>
+          <a:ext cx="0" cy="0"/>
+          <a:chOff x="0" y="0"/>
+          <a:chExt cx="0" cy="0"/>
+        </a:xfrm>
+      </p:grpSpPr>
+      <p:pic>
+        <p:nvPicPr>
+          <p:cNvPr id="4" name="Bildobjekt 3" descr="FlowerGrow EasyMode.jpeg"/>
+          <p:cNvPicPr>
+            <a:picLocks noChangeAspect="1"/>
+          </p:cNvPicPr>
+          <p:nvPr/>
+        </p:nvPicPr>
+        <p:blipFill rotWithShape="1">
+          <a:blip r:embed="rId2">
+            <a:extLst>
+              <a:ext uri="{28A0092B-C50C-407E-A947-70E740481C1C}">
+                <a14:useLocalDpi xmlns:a14="http://schemas.microsoft.com/office/drawing/2010/main" val="0"/>
+              </a:ext>
+            </a:extLst>
+          </a:blip>
+          <a:srcRect r="18948"/>
+          <a:stretch/>
+        </p:blipFill>
+        <p:spPr>
+          <a:xfrm>
+            <a:off x="1701815" y="0"/>
+            <a:ext cx="6193278" cy="6858000"/>
+          </a:xfrm>
+          <a:prstGeom prst="rect">
+            <a:avLst/>
+          </a:prstGeom>
+        </p:spPr>
+      </p:pic>
+    </p:spTree>
+    <p:extLst>
+      <p:ext uri="{BB962C8B-B14F-4D97-AF65-F5344CB8AC3E}">
+        <p14:creationId xmlns:p14="http://schemas.microsoft.com/office/powerpoint/2010/main" val="2928698293"/>
+      </p:ext>
+    </p:extLst>
+  </p:cSld>
+  <p:clrMapOvr>
+    <a:masterClrMapping/>
+  </p:clrMapOvr>
+  <p:timing>
+    <p:tnLst>
+      <p:par>
+        <p:cTn xmlns:p14="http://schemas.microsoft.com/office/powerpoint/2010/main" id="1" dur="indefinite" restart="never" nodeType="tmRoot"/>
+      </p:par>
+    </p:tnLst>
+  </p:timing>
+</p:sld>
+</file>
+
+<file path=ppt/slides/slide8.xml><?xml version="1.0" encoding="utf-8"?>
+<p:sld xmlns:a="http://schemas.openxmlformats.org/drawingml/2006/main" xmlns:r="http://schemas.openxmlformats.org/officeDocument/2006/relationships" xmlns:p="http://schemas.openxmlformats.org/presentationml/2006/main">
+  <p:cSld>
+    <p:spTree>
+      <p:nvGrpSpPr>
+        <p:cNvPr id="1" name=""/>
+        <p:cNvGrpSpPr/>
+        <p:nvPr/>
+      </p:nvGrpSpPr>
+      <p:grpSpPr>
+        <a:xfrm>
+          <a:off x="0" y="0"/>
+          <a:ext cx="0" cy="0"/>
+          <a:chOff x="0" y="0"/>
+          <a:chExt cx="0" cy="0"/>
+        </a:xfrm>
+      </p:grpSpPr>
+      <p:sp>
+        <p:nvSpPr>
+          <p:cNvPr id="2" name="Rubrik 1"/>
+          <p:cNvSpPr>
+            <a:spLocks noGrp="1"/>
+          </p:cNvSpPr>
+          <p:nvPr>
+            <p:ph type="title"/>
+          </p:nvPr>
+        </p:nvSpPr>
+        <p:spPr>
+          <a:xfrm>
+            <a:off x="380698" y="151922"/>
+            <a:ext cx="8229600" cy="749676"/>
+          </a:xfrm>
+        </p:spPr>
+        <p:txBody>
+          <a:bodyPr>
+            <a:normAutofit fontScale="90000"/>
+          </a:bodyPr>
+          <a:lstStyle/>
+          <a:p>
+            <a:r>
+              <a:rPr lang="sv-SE" dirty="0" smtClean="0"/>
+              <a:t>K    d</a:t>
+            </a:r>
+            <a:endParaRPr lang="sv-SE" dirty="0"/>
+          </a:p>
+        </p:txBody>
+      </p:sp>
+      <p:pic>
+        <p:nvPicPr>
+          <p:cNvPr id="4" name="Bildobjekt 3" descr="flower_75.png"/>
+          <p:cNvPicPr>
+            <a:picLocks noChangeAspect="1"/>
+          </p:cNvPicPr>
+          <p:nvPr/>
+        </p:nvPicPr>
+        <p:blipFill>
+          <a:blip r:embed="rId2">
+            <a:extLst>
+              <a:ext uri="{28A0092B-C50C-407E-A947-70E740481C1C}">
+                <a14:useLocalDpi xmlns:a14="http://schemas.microsoft.com/office/drawing/2010/main" val="0"/>
+              </a:ext>
+            </a:extLst>
+          </a:blip>
+          <a:stretch>
+            <a:fillRect/>
+          </a:stretch>
+        </p:blipFill>
+        <p:spPr>
+          <a:xfrm>
+            <a:off x="4259698" y="319144"/>
+            <a:ext cx="429637" cy="445831"/>
+          </a:xfrm>
+          <a:prstGeom prst="rect">
+            <a:avLst/>
+          </a:prstGeom>
+        </p:spPr>
+      </p:pic>
+      <p:pic>
+        <p:nvPicPr>
+          <p:cNvPr id="11" name="Bildobjekt 10" descr="Screen Shot 2020-01-08 at 14.11.13.png"/>
+          <p:cNvPicPr>
+            <a:picLocks noChangeAspect="1"/>
+          </p:cNvPicPr>
+          <p:nvPr/>
+        </p:nvPicPr>
+        <p:blipFill>
+          <a:blip r:embed="rId3">
+            <a:extLst>
+              <a:ext uri="{28A0092B-C50C-407E-A947-70E740481C1C}">
+                <a14:useLocalDpi xmlns:a14="http://schemas.microsoft.com/office/drawing/2010/main" val="0"/>
+              </a:ext>
+            </a:extLst>
+          </a:blip>
+          <a:stretch>
+            <a:fillRect/>
+          </a:stretch>
+        </p:blipFill>
+        <p:spPr>
+          <a:xfrm>
+            <a:off x="6079791" y="2286688"/>
+            <a:ext cx="2819400" cy="2311400"/>
+          </a:xfrm>
+          <a:prstGeom prst="rect">
+            <a:avLst/>
+          </a:prstGeom>
+        </p:spPr>
+      </p:pic>
+      <p:pic>
+        <p:nvPicPr>
+          <p:cNvPr id="12" name="Bildobjekt 11" descr="Screen Shot 2020-01-08 at 14.29.18.png"/>
+          <p:cNvPicPr>
+            <a:picLocks noChangeAspect="1"/>
+          </p:cNvPicPr>
+          <p:nvPr/>
+        </p:nvPicPr>
+        <p:blipFill>
+          <a:blip r:embed="rId4">
+            <a:extLst>
+              <a:ext uri="{28A0092B-C50C-407E-A947-70E740481C1C}">
+                <a14:useLocalDpi xmlns:a14="http://schemas.microsoft.com/office/drawing/2010/main" val="0"/>
+              </a:ext>
+            </a:extLst>
+          </a:blip>
+          <a:stretch>
+            <a:fillRect/>
+          </a:stretch>
+        </p:blipFill>
+        <p:spPr>
+          <a:xfrm>
+            <a:off x="380698" y="1023994"/>
+            <a:ext cx="5358265" cy="5400723"/>
+          </a:xfrm>
+          <a:prstGeom prst="rect">
+            <a:avLst/>
+          </a:prstGeom>
+        </p:spPr>
+      </p:pic>
+    </p:spTree>
+    <p:extLst>
+      <p:ext uri="{BB962C8B-B14F-4D97-AF65-F5344CB8AC3E}">
+        <p14:creationId xmlns:p14="http://schemas.microsoft.com/office/powerpoint/2010/main" val="1276176761"/>
+      </p:ext>
+    </p:extLst>
+  </p:cSld>
+  <p:clrMapOvr>
+    <a:masterClrMapping/>
+  </p:clrMapOvr>
+  <p:timing>
+    <p:tnLst>
+      <p:par>
+        <p:cTn xmlns:p14="http://schemas.microsoft.com/office/powerpoint/2010/main" id="1" dur="indefinite" restart="never" nodeType="tmRoot"/>
+      </p:par>
+    </p:tnLst>
+  </p:timing>
+</p:sld>
+</file>
+
+<file path=ppt/slides/slide9.xml><?xml version="1.0" encoding="utf-8"?>
+<p:sld xmlns:a="http://schemas.openxmlformats.org/drawingml/2006/main" xmlns:r="http://schemas.openxmlformats.org/officeDocument/2006/relationships" xmlns:p="http://schemas.openxmlformats.org/presentationml/2006/main">
+  <p:cSld>
+    <p:spTree>
+      <p:nvGrpSpPr>
+        <p:cNvPr id="1" name=""/>
+        <p:cNvGrpSpPr/>
+        <p:nvPr/>
+      </p:nvGrpSpPr>
+      <p:grpSpPr>
+        <a:xfrm>
+          <a:off x="0" y="0"/>
+          <a:ext cx="0" cy="0"/>
+          <a:chOff x="0" y="0"/>
+          <a:chExt cx="0" cy="0"/>
+        </a:xfrm>
+      </p:grpSpPr>
       <p:sp>
         <p:nvSpPr>
           <p:cNvPr id="6" name="textruta 5"/>
@@ -4410,8 +6978,8 @@
         </p:nvSpPr>
         <p:spPr>
           <a:xfrm>
-            <a:off x="860691" y="443685"/>
-            <a:ext cx="7478118" cy="369332"/>
+            <a:off x="416975" y="137695"/>
+            <a:ext cx="7478118" cy="523220"/>
           </a:xfrm>
           <a:prstGeom prst="rect">
             <a:avLst/>
@@ -4425,12 +6993,42 @@
           <a:lstStyle/>
           <a:p>
             <a:r>
-              <a:rPr lang="sv-SE" dirty="0" smtClean="0"/>
+              <a:rPr lang="sv-SE" sz="2800" dirty="0" smtClean="0"/>
               <a:t>Exempel på hur spelet i sin enkelhet fungerar:</a:t>
             </a:r>
           </a:p>
         </p:txBody>
       </p:sp>
+      <p:pic>
+        <p:nvPicPr>
+          <p:cNvPr id="21" name="Bildobjekt 20" descr="Screen Shot 2020-01-08 at 14.27.33.png"/>
+          <p:cNvPicPr>
+            <a:picLocks noChangeAspect="1"/>
+          </p:cNvPicPr>
+          <p:nvPr/>
+        </p:nvPicPr>
+        <p:blipFill>
+          <a:blip r:embed="rId2">
+            <a:extLst>
+              <a:ext uri="{28A0092B-C50C-407E-A947-70E740481C1C}">
+                <a14:useLocalDpi xmlns:a14="http://schemas.microsoft.com/office/drawing/2010/main" val="0"/>
+              </a:ext>
+            </a:extLst>
+          </a:blip>
+          <a:stretch>
+            <a:fillRect/>
+          </a:stretch>
+        </p:blipFill>
+        <p:spPr>
+          <a:xfrm>
+            <a:off x="580075" y="868856"/>
+            <a:ext cx="6440848" cy="5662083"/>
+          </a:xfrm>
+          <a:prstGeom prst="rect">
+            <a:avLst/>
+          </a:prstGeom>
+        </p:spPr>
+      </p:pic>
       <p:sp>
         <p:nvSpPr>
           <p:cNvPr id="17" name="Rektangel 16"/>
@@ -4439,7 +7037,7 @@
         </p:nvSpPr>
         <p:spPr>
           <a:xfrm>
-            <a:off x="1418167" y="1195917"/>
+            <a:off x="636433" y="1058221"/>
             <a:ext cx="2772833" cy="1068916"/>
           </a:xfrm>
           <a:prstGeom prst="rect">
@@ -4478,8 +7076,8 @@
         </p:nvSpPr>
         <p:spPr>
           <a:xfrm>
-            <a:off x="1418167" y="5154083"/>
-            <a:ext cx="1682750" cy="698500"/>
+            <a:off x="860691" y="4614333"/>
+            <a:ext cx="1682750" cy="560917"/>
           </a:xfrm>
           <a:prstGeom prst="rect">
             <a:avLst/>
@@ -4517,8 +7115,8 @@
         </p:nvSpPr>
         <p:spPr>
           <a:xfrm>
-            <a:off x="1418167" y="5926667"/>
-            <a:ext cx="2116666" cy="485413"/>
+            <a:off x="860691" y="5323417"/>
+            <a:ext cx="2229642" cy="857250"/>
           </a:xfrm>
           <a:prstGeom prst="rect">
             <a:avLst/>
@@ -4727,532 +7325,6 @@
       <p:bldP spid="19" grpId="0" animBg="1"/>
       <p:bldP spid="20" grpId="0" animBg="1"/>
     </p:bldLst>
-  </p:timing>
-</p:sld>
-</file>
-
-<file path=ppt/slides/slide6.xml><?xml version="1.0" encoding="utf-8"?>
-<p:sld xmlns:a="http://schemas.openxmlformats.org/drawingml/2006/main" xmlns:r="http://schemas.openxmlformats.org/officeDocument/2006/relationships" xmlns:p="http://schemas.openxmlformats.org/presentationml/2006/main">
-  <p:cSld>
-    <p:spTree>
-      <p:nvGrpSpPr>
-        <p:cNvPr id="1" name=""/>
-        <p:cNvGrpSpPr/>
-        <p:nvPr/>
-      </p:nvGrpSpPr>
-      <p:grpSpPr>
-        <a:xfrm>
-          <a:off x="0" y="0"/>
-          <a:ext cx="0" cy="0"/>
-          <a:chOff x="0" y="0"/>
-          <a:chExt cx="0" cy="0"/>
-        </a:xfrm>
-      </p:grpSpPr>
-      <p:sp>
-        <p:nvSpPr>
-          <p:cNvPr id="2" name="Rubrik 1"/>
-          <p:cNvSpPr>
-            <a:spLocks noGrp="1"/>
-          </p:cNvSpPr>
-          <p:nvPr>
-            <p:ph type="title"/>
-          </p:nvPr>
-        </p:nvSpPr>
-        <p:spPr>
-          <a:xfrm>
-            <a:off x="457200" y="2538964"/>
-            <a:ext cx="8229600" cy="1143000"/>
-          </a:xfrm>
-        </p:spPr>
-        <p:txBody>
-          <a:bodyPr/>
-          <a:lstStyle/>
-          <a:p>
-            <a:r>
-              <a:rPr lang="sv-SE" dirty="0" smtClean="0"/>
-              <a:t>Grafik </a:t>
-            </a:r>
-            <a:endParaRPr lang="sv-SE" dirty="0"/>
-          </a:p>
-        </p:txBody>
-      </p:sp>
-    </p:spTree>
-    <p:extLst>
-      <p:ext uri="{BB962C8B-B14F-4D97-AF65-F5344CB8AC3E}">
-        <p14:creationId xmlns:p14="http://schemas.microsoft.com/office/powerpoint/2010/main" val="1510990409"/>
-      </p:ext>
-    </p:extLst>
-  </p:cSld>
-  <p:clrMapOvr>
-    <a:masterClrMapping/>
-  </p:clrMapOvr>
-</p:sld>
-</file>
-
-<file path=ppt/slides/slide7.xml><?xml version="1.0" encoding="utf-8"?>
-<p:sld xmlns:a="http://schemas.openxmlformats.org/drawingml/2006/main" xmlns:r="http://schemas.openxmlformats.org/officeDocument/2006/relationships" xmlns:p="http://schemas.openxmlformats.org/presentationml/2006/main">
-  <p:cSld>
-    <p:bg>
-      <p:bgPr>
-        <a:blipFill rotWithShape="1">
-          <a:blip r:embed="rId2"/>
-          <a:stretch>
-            <a:fillRect/>
-          </a:stretch>
-        </a:blipFill>
-        <a:effectLst/>
-      </p:bgPr>
-    </p:bg>
-    <p:spTree>
-      <p:nvGrpSpPr>
-        <p:cNvPr id="1" name=""/>
-        <p:cNvGrpSpPr/>
-        <p:nvPr/>
-      </p:nvGrpSpPr>
-      <p:grpSpPr>
-        <a:xfrm>
-          <a:off x="0" y="0"/>
-          <a:ext cx="0" cy="0"/>
-          <a:chOff x="0" y="0"/>
-          <a:chExt cx="0" cy="0"/>
-        </a:xfrm>
-      </p:grpSpPr>
-      <p:pic>
-        <p:nvPicPr>
-          <p:cNvPr id="5" name="Bildobjekt 4" descr="bad_cloud1.png"/>
-          <p:cNvPicPr>
-            <a:picLocks noChangeAspect="1"/>
-          </p:cNvPicPr>
-          <p:nvPr/>
-        </p:nvPicPr>
-        <p:blipFill>
-          <a:blip r:embed="rId3">
-            <a:extLst>
-              <a:ext uri="{28A0092B-C50C-407E-A947-70E740481C1C}">
-                <a14:useLocalDpi xmlns:a14="http://schemas.microsoft.com/office/drawing/2010/main" val="0"/>
-              </a:ext>
-            </a:extLst>
-          </a:blip>
-          <a:stretch>
-            <a:fillRect/>
-          </a:stretch>
-        </p:blipFill>
-        <p:spPr>
-          <a:xfrm>
-            <a:off x="6397938" y="2516975"/>
-            <a:ext cx="1739661" cy="902670"/>
-          </a:xfrm>
-          <a:prstGeom prst="rect">
-            <a:avLst/>
-          </a:prstGeom>
-        </p:spPr>
-      </p:pic>
-      <p:pic>
-        <p:nvPicPr>
-          <p:cNvPr id="6" name="Bildobjekt 5" descr="bad_cloud2.png"/>
-          <p:cNvPicPr>
-            <a:picLocks noChangeAspect="1"/>
-          </p:cNvPicPr>
-          <p:nvPr/>
-        </p:nvPicPr>
-        <p:blipFill>
-          <a:blip r:embed="rId4">
-            <a:extLst>
-              <a:ext uri="{28A0092B-C50C-407E-A947-70E740481C1C}">
-                <a14:useLocalDpi xmlns:a14="http://schemas.microsoft.com/office/drawing/2010/main" val="0"/>
-              </a:ext>
-            </a:extLst>
-          </a:blip>
-          <a:stretch>
-            <a:fillRect/>
-          </a:stretch>
-        </p:blipFill>
-        <p:spPr>
-          <a:xfrm>
-            <a:off x="6219679" y="336876"/>
-            <a:ext cx="1698363" cy="774374"/>
-          </a:xfrm>
-          <a:prstGeom prst="rect">
-            <a:avLst/>
-          </a:prstGeom>
-        </p:spPr>
-      </p:pic>
-      <p:pic>
-        <p:nvPicPr>
-          <p:cNvPr id="7" name="Bildobjekt 6" descr="bad_cloud3.png"/>
-          <p:cNvPicPr>
-            <a:picLocks noChangeAspect="1"/>
-          </p:cNvPicPr>
-          <p:nvPr/>
-        </p:nvPicPr>
-        <p:blipFill>
-          <a:blip r:embed="rId5">
-            <a:extLst>
-              <a:ext uri="{28A0092B-C50C-407E-A947-70E740481C1C}">
-                <a14:useLocalDpi xmlns:a14="http://schemas.microsoft.com/office/drawing/2010/main" val="0"/>
-              </a:ext>
-            </a:extLst>
-          </a:blip>
-          <a:stretch>
-            <a:fillRect/>
-          </a:stretch>
-        </p:blipFill>
-        <p:spPr>
-          <a:xfrm>
-            <a:off x="7068861" y="1295954"/>
-            <a:ext cx="1805467" cy="894869"/>
-          </a:xfrm>
-          <a:prstGeom prst="rect">
-            <a:avLst/>
-          </a:prstGeom>
-        </p:spPr>
-      </p:pic>
-      <p:pic>
-        <p:nvPicPr>
-          <p:cNvPr id="8" name="Bildobjekt 7" descr="beeDead.png"/>
-          <p:cNvPicPr>
-            <a:picLocks noChangeAspect="1"/>
-          </p:cNvPicPr>
-          <p:nvPr/>
-        </p:nvPicPr>
-        <p:blipFill>
-          <a:blip r:embed="rId6">
-            <a:extLst>
-              <a:ext uri="{28A0092B-C50C-407E-A947-70E740481C1C}">
-                <a14:useLocalDpi xmlns:a14="http://schemas.microsoft.com/office/drawing/2010/main" val="0"/>
-              </a:ext>
-            </a:extLst>
-          </a:blip>
-          <a:stretch>
-            <a:fillRect/>
-          </a:stretch>
-        </p:blipFill>
-        <p:spPr>
-          <a:xfrm>
-            <a:off x="2494278" y="2516975"/>
-            <a:ext cx="1091196" cy="1187427"/>
-          </a:xfrm>
-          <a:prstGeom prst="rect">
-            <a:avLst/>
-          </a:prstGeom>
-        </p:spPr>
-      </p:pic>
-      <p:pic>
-        <p:nvPicPr>
-          <p:cNvPr id="9" name="Bildobjekt 8" descr="beeLeft.png"/>
-          <p:cNvPicPr>
-            <a:picLocks noChangeAspect="1"/>
-          </p:cNvPicPr>
-          <p:nvPr/>
-        </p:nvPicPr>
-        <p:blipFill>
-          <a:blip r:embed="rId7">
-            <a:extLst>
-              <a:ext uri="{28A0092B-C50C-407E-A947-70E740481C1C}">
-                <a14:useLocalDpi xmlns:a14="http://schemas.microsoft.com/office/drawing/2010/main" val="0"/>
-              </a:ext>
-            </a:extLst>
-          </a:blip>
-          <a:stretch>
-            <a:fillRect/>
-          </a:stretch>
-        </p:blipFill>
-        <p:spPr>
-          <a:xfrm>
-            <a:off x="984160" y="2516975"/>
-            <a:ext cx="1021192" cy="1111250"/>
-          </a:xfrm>
-          <a:prstGeom prst="rect">
-            <a:avLst/>
-          </a:prstGeom>
-        </p:spPr>
-      </p:pic>
-      <p:pic>
-        <p:nvPicPr>
-          <p:cNvPr id="10" name="Bildobjekt 9" descr="bud_new.png"/>
-          <p:cNvPicPr>
-            <a:picLocks noChangeAspect="1"/>
-          </p:cNvPicPr>
-          <p:nvPr/>
-        </p:nvPicPr>
-        <p:blipFill>
-          <a:blip r:embed="rId8">
-            <a:extLst>
-              <a:ext uri="{28A0092B-C50C-407E-A947-70E740481C1C}">
-                <a14:useLocalDpi xmlns:a14="http://schemas.microsoft.com/office/drawing/2010/main" val="0"/>
-              </a:ext>
-            </a:extLst>
-          </a:blip>
-          <a:stretch>
-            <a:fillRect/>
-          </a:stretch>
-        </p:blipFill>
-        <p:spPr>
-          <a:xfrm>
-            <a:off x="1152276" y="4018029"/>
-            <a:ext cx="1111250" cy="1111250"/>
-          </a:xfrm>
-          <a:prstGeom prst="rect">
-            <a:avLst/>
-          </a:prstGeom>
-        </p:spPr>
-      </p:pic>
-      <p:pic>
-        <p:nvPicPr>
-          <p:cNvPr id="11" name="Bildobjekt 10" descr="flower_100.png"/>
-          <p:cNvPicPr>
-            <a:picLocks noChangeAspect="1"/>
-          </p:cNvPicPr>
-          <p:nvPr/>
-        </p:nvPicPr>
-        <p:blipFill>
-          <a:blip r:embed="rId9">
-            <a:extLst>
-              <a:ext uri="{28A0092B-C50C-407E-A947-70E740481C1C}">
-                <a14:useLocalDpi xmlns:a14="http://schemas.microsoft.com/office/drawing/2010/main" val="0"/>
-              </a:ext>
-            </a:extLst>
-          </a:blip>
-          <a:stretch>
-            <a:fillRect/>
-          </a:stretch>
-        </p:blipFill>
-        <p:spPr>
-          <a:xfrm>
-            <a:off x="2263526" y="4018029"/>
-            <a:ext cx="1043205" cy="1082528"/>
-          </a:xfrm>
-          <a:prstGeom prst="rect">
-            <a:avLst/>
-          </a:prstGeom>
-        </p:spPr>
-      </p:pic>
-      <p:pic>
-        <p:nvPicPr>
-          <p:cNvPr id="12" name="Bildobjekt 11" descr="flower_75.png"/>
-          <p:cNvPicPr>
-            <a:picLocks noChangeAspect="1"/>
-          </p:cNvPicPr>
-          <p:nvPr/>
-        </p:nvPicPr>
-        <p:blipFill>
-          <a:blip r:embed="rId10">
-            <a:extLst>
-              <a:ext uri="{28A0092B-C50C-407E-A947-70E740481C1C}">
-                <a14:useLocalDpi xmlns:a14="http://schemas.microsoft.com/office/drawing/2010/main" val="0"/>
-              </a:ext>
-            </a:extLst>
-          </a:blip>
-          <a:stretch>
-            <a:fillRect/>
-          </a:stretch>
-        </p:blipFill>
-        <p:spPr>
-          <a:xfrm>
-            <a:off x="3407326" y="4018029"/>
-            <a:ext cx="1070884" cy="1111250"/>
-          </a:xfrm>
-          <a:prstGeom prst="rect">
-            <a:avLst/>
-          </a:prstGeom>
-        </p:spPr>
-      </p:pic>
-      <p:pic>
-        <p:nvPicPr>
-          <p:cNvPr id="13" name="Bildobjekt 12" descr="flower_25.png"/>
-          <p:cNvPicPr>
-            <a:picLocks noChangeAspect="1"/>
-          </p:cNvPicPr>
-          <p:nvPr/>
-        </p:nvPicPr>
-        <p:blipFill>
-          <a:blip r:embed="rId11">
-            <a:extLst>
-              <a:ext uri="{28A0092B-C50C-407E-A947-70E740481C1C}">
-                <a14:useLocalDpi xmlns:a14="http://schemas.microsoft.com/office/drawing/2010/main" val="0"/>
-              </a:ext>
-            </a:extLst>
-          </a:blip>
-          <a:stretch>
-            <a:fillRect/>
-          </a:stretch>
-        </p:blipFill>
-        <p:spPr>
-          <a:xfrm>
-            <a:off x="4654308" y="4018029"/>
-            <a:ext cx="1037502" cy="1075375"/>
-          </a:xfrm>
-          <a:prstGeom prst="rect">
-            <a:avLst/>
-          </a:prstGeom>
-        </p:spPr>
-      </p:pic>
-      <p:pic>
-        <p:nvPicPr>
-          <p:cNvPr id="14" name="Bildobjekt 13" descr="flower_0.png"/>
-          <p:cNvPicPr>
-            <a:picLocks noChangeAspect="1"/>
-          </p:cNvPicPr>
-          <p:nvPr/>
-        </p:nvPicPr>
-        <p:blipFill>
-          <a:blip r:embed="rId12">
-            <a:extLst>
-              <a:ext uri="{28A0092B-C50C-407E-A947-70E740481C1C}">
-                <a14:useLocalDpi xmlns:a14="http://schemas.microsoft.com/office/drawing/2010/main" val="0"/>
-              </a:ext>
-            </a:extLst>
-          </a:blip>
-          <a:stretch>
-            <a:fillRect/>
-          </a:stretch>
-        </p:blipFill>
-        <p:spPr>
-          <a:xfrm>
-            <a:off x="5809437" y="4028786"/>
-            <a:ext cx="1060518" cy="1100493"/>
-          </a:xfrm>
-          <a:prstGeom prst="rect">
-            <a:avLst/>
-          </a:prstGeom>
-        </p:spPr>
-      </p:pic>
-      <p:pic>
-        <p:nvPicPr>
-          <p:cNvPr id="15" name="Bildobjekt 14" descr="good_cloud.png"/>
-          <p:cNvPicPr>
-            <a:picLocks noChangeAspect="1"/>
-          </p:cNvPicPr>
-          <p:nvPr/>
-        </p:nvPicPr>
-        <p:blipFill>
-          <a:blip r:embed="rId13">
-            <a:extLst>
-              <a:ext uri="{28A0092B-C50C-407E-A947-70E740481C1C}">
-                <a14:useLocalDpi xmlns:a14="http://schemas.microsoft.com/office/drawing/2010/main" val="0"/>
-              </a:ext>
-            </a:extLst>
-          </a:blip>
-          <a:stretch>
-            <a:fillRect/>
-          </a:stretch>
-        </p:blipFill>
-        <p:spPr>
-          <a:xfrm>
-            <a:off x="683428" y="336876"/>
-            <a:ext cx="1834745" cy="1747715"/>
-          </a:xfrm>
-          <a:prstGeom prst="rect">
-            <a:avLst/>
-          </a:prstGeom>
-        </p:spPr>
-      </p:pic>
-      <p:pic>
-        <p:nvPicPr>
-          <p:cNvPr id="16" name="Bildobjekt 15" descr="grass.png"/>
-          <p:cNvPicPr>
-            <a:picLocks noChangeAspect="1"/>
-          </p:cNvPicPr>
-          <p:nvPr/>
-        </p:nvPicPr>
-        <p:blipFill>
-          <a:blip r:embed="rId14">
-            <a:extLst>
-              <a:ext uri="{28A0092B-C50C-407E-A947-70E740481C1C}">
-                <a14:useLocalDpi xmlns:a14="http://schemas.microsoft.com/office/drawing/2010/main" val="0"/>
-              </a:ext>
-            </a:extLst>
-          </a:blip>
-          <a:stretch>
-            <a:fillRect/>
-          </a:stretch>
-        </p:blipFill>
-        <p:spPr>
-          <a:xfrm>
-            <a:off x="0" y="5596128"/>
-            <a:ext cx="9144000" cy="1261872"/>
-          </a:xfrm>
-          <a:prstGeom prst="rect">
-            <a:avLst/>
-          </a:prstGeom>
-        </p:spPr>
-      </p:pic>
-      <p:pic>
-        <p:nvPicPr>
-          <p:cNvPr id="17" name="Bildobjekt 16" descr="pot.png"/>
-          <p:cNvPicPr>
-            <a:picLocks noChangeAspect="1"/>
-          </p:cNvPicPr>
-          <p:nvPr/>
-        </p:nvPicPr>
-        <p:blipFill>
-          <a:blip r:embed="rId15">
-            <a:extLst>
-              <a:ext uri="{28A0092B-C50C-407E-A947-70E740481C1C}">
-                <a14:useLocalDpi xmlns:a14="http://schemas.microsoft.com/office/drawing/2010/main" val="0"/>
-              </a:ext>
-            </a:extLst>
-          </a:blip>
-          <a:stretch>
-            <a:fillRect/>
-          </a:stretch>
-        </p:blipFill>
-        <p:spPr>
-          <a:xfrm>
-            <a:off x="1152276" y="5391896"/>
-            <a:ext cx="1116837" cy="905023"/>
-          </a:xfrm>
-          <a:prstGeom prst="rect">
-            <a:avLst/>
-          </a:prstGeom>
-        </p:spPr>
-      </p:pic>
-      <p:pic>
-        <p:nvPicPr>
-          <p:cNvPr id="18" name="Bildobjekt 17" descr="logo.png"/>
-          <p:cNvPicPr>
-            <a:picLocks noChangeAspect="1"/>
-          </p:cNvPicPr>
-          <p:nvPr/>
-        </p:nvPicPr>
-        <p:blipFill>
-          <a:blip r:embed="rId16">
-            <a:extLst>
-              <a:ext uri="{28A0092B-C50C-407E-A947-70E740481C1C}">
-                <a14:useLocalDpi xmlns:a14="http://schemas.microsoft.com/office/drawing/2010/main" val="0"/>
-              </a:ext>
-            </a:extLst>
-          </a:blip>
-          <a:stretch>
-            <a:fillRect/>
-          </a:stretch>
-        </p:blipFill>
-        <p:spPr>
-          <a:xfrm>
-            <a:off x="3306731" y="551488"/>
-            <a:ext cx="2243438" cy="1119524"/>
-          </a:xfrm>
-          <a:prstGeom prst="rect">
-            <a:avLst/>
-          </a:prstGeom>
-        </p:spPr>
-      </p:pic>
-    </p:spTree>
-    <p:extLst>
-      <p:ext uri="{BB962C8B-B14F-4D97-AF65-F5344CB8AC3E}">
-        <p14:creationId xmlns:p14="http://schemas.microsoft.com/office/powerpoint/2010/main" val="1153365406"/>
-      </p:ext>
-    </p:extLst>
-  </p:cSld>
-  <p:clrMapOvr>
-    <a:masterClrMapping/>
-  </p:clrMapOvr>
-  <p:timing>
-    <p:tnLst>
-      <p:par>
-        <p:cTn xmlns:p14="http://schemas.microsoft.com/office/powerpoint/2010/main" id="1" dur="indefinite" restart="never" nodeType="tmRoot"/>
-      </p:par>
-    </p:tnLst>
   </p:timing>
 </p:sld>
 </file>

--- a/document/Presentation FlowerGrow.pptx
+++ b/document/Presentation FlowerGrow.pptx
@@ -5,22 +5,23 @@
     <p:sldMasterId id="2147483648" r:id="rId1"/>
   </p:sldMasterIdLst>
   <p:sldIdLst>
-    <p:sldId id="256" r:id="rId2"/>
-    <p:sldId id="257" r:id="rId3"/>
-    <p:sldId id="266" r:id="rId4"/>
-    <p:sldId id="267" r:id="rId5"/>
-    <p:sldId id="268" r:id="rId6"/>
-    <p:sldId id="258" r:id="rId7"/>
-    <p:sldId id="269" r:id="rId8"/>
-    <p:sldId id="259" r:id="rId9"/>
-    <p:sldId id="260" r:id="rId10"/>
-    <p:sldId id="270" r:id="rId11"/>
-    <p:sldId id="264" r:id="rId12"/>
-    <p:sldId id="265" r:id="rId13"/>
-    <p:sldId id="262" r:id="rId14"/>
-    <p:sldId id="261" r:id="rId15"/>
-    <p:sldId id="271" r:id="rId16"/>
-    <p:sldId id="263" r:id="rId17"/>
+    <p:sldId id="273" r:id="rId2"/>
+    <p:sldId id="256" r:id="rId3"/>
+    <p:sldId id="257" r:id="rId4"/>
+    <p:sldId id="266" r:id="rId5"/>
+    <p:sldId id="267" r:id="rId6"/>
+    <p:sldId id="268" r:id="rId7"/>
+    <p:sldId id="258" r:id="rId8"/>
+    <p:sldId id="269" r:id="rId9"/>
+    <p:sldId id="259" r:id="rId10"/>
+    <p:sldId id="260" r:id="rId11"/>
+    <p:sldId id="270" r:id="rId12"/>
+    <p:sldId id="264" r:id="rId13"/>
+    <p:sldId id="265" r:id="rId14"/>
+    <p:sldId id="262" r:id="rId15"/>
+    <p:sldId id="261" r:id="rId16"/>
+    <p:sldId id="272" r:id="rId17"/>
+    <p:sldId id="271" r:id="rId18"/>
   </p:sldIdLst>
   <p:sldSz cx="9144000" cy="6858000" type="screen4x3"/>
   <p:notesSz cx="6858000" cy="9144000"/>
@@ -3096,17 +3097,6 @@
 <file path=ppt/slides/slide1.xml><?xml version="1.0" encoding="utf-8"?>
 <p:sld xmlns:a="http://schemas.openxmlformats.org/drawingml/2006/main" xmlns:r="http://schemas.openxmlformats.org/officeDocument/2006/relationships" xmlns:p="http://schemas.openxmlformats.org/presentationml/2006/main">
   <p:cSld>
-    <p:bg>
-      <p:bgPr>
-        <a:blipFill rotWithShape="1">
-          <a:blip r:embed="rId2"/>
-          <a:stretch>
-            <a:fillRect/>
-          </a:stretch>
-        </a:blipFill>
-        <a:effectLst/>
-      </p:bgPr>
-    </p:bg>
     <p:spTree>
       <p:nvGrpSpPr>
         <p:cNvPr id="1" name=""/>
@@ -3121,9 +3111,139 @@
           <a:chExt cx="0" cy="0"/>
         </a:xfrm>
       </p:grpSpPr>
+      <p:sp>
+        <p:nvSpPr>
+          <p:cNvPr id="2" name="Rubrik 1"/>
+          <p:cNvSpPr>
+            <a:spLocks noGrp="1"/>
+          </p:cNvSpPr>
+          <p:nvPr>
+            <p:ph type="title"/>
+          </p:nvPr>
+        </p:nvSpPr>
+        <p:spPr/>
+        <p:txBody>
+          <a:bodyPr>
+            <a:normAutofit fontScale="90000"/>
+          </a:bodyPr>
+          <a:lstStyle/>
+          <a:p>
+            <a:r>
+              <a:rPr lang="sv-SE" b="1" dirty="0" smtClean="0"/>
+              <a:t>Slutprojekt</a:t>
+            </a:r>
+            <a:br>
+              <a:rPr lang="sv-SE" b="1" dirty="0" smtClean="0"/>
+            </a:br>
+            <a:r>
+              <a:rPr lang="sv-SE" sz="3600" dirty="0" err="1" smtClean="0"/>
+              <a:t>Javascript</a:t>
+            </a:r>
+            <a:r>
+              <a:rPr lang="sv-SE" sz="3600" dirty="0" smtClean="0"/>
+              <a:t> 1</a:t>
+            </a:r>
+            <a:r>
+              <a:rPr lang="sv-SE" dirty="0" smtClean="0"/>
+              <a:t> </a:t>
+            </a:r>
+            <a:endParaRPr lang="sv-SE" dirty="0"/>
+          </a:p>
+        </p:txBody>
+      </p:sp>
+      <p:sp>
+        <p:nvSpPr>
+          <p:cNvPr id="3" name="Platshållare för innehåll 2"/>
+          <p:cNvSpPr>
+            <a:spLocks noGrp="1"/>
+          </p:cNvSpPr>
+          <p:nvPr>
+            <p:ph idx="1"/>
+          </p:nvPr>
+        </p:nvSpPr>
+        <p:spPr>
+          <a:xfrm>
+            <a:off x="1943171" y="2478043"/>
+            <a:ext cx="5488982" cy="3815939"/>
+          </a:xfrm>
+        </p:spPr>
+        <p:txBody>
+          <a:bodyPr>
+            <a:normAutofit/>
+          </a:bodyPr>
+          <a:lstStyle/>
+          <a:p>
+            <a:pPr marL="0" indent="0" algn="ctr">
+              <a:buNone/>
+            </a:pPr>
+            <a:r>
+              <a:rPr lang="sv-SE" sz="3600" dirty="0" smtClean="0"/>
+              <a:t>Camilla Eriksson</a:t>
+            </a:r>
+          </a:p>
+          <a:p>
+            <a:pPr marL="0" indent="0" algn="ctr">
+              <a:buNone/>
+            </a:pPr>
+            <a:r>
+              <a:rPr lang="sv-SE" sz="3600" dirty="0" smtClean="0"/>
+              <a:t>Anne-Lie Bäck</a:t>
+            </a:r>
+          </a:p>
+          <a:p>
+            <a:pPr marL="0" indent="0" algn="ctr">
+              <a:buNone/>
+            </a:pPr>
+            <a:r>
+              <a:rPr lang="sv-SE" sz="3600" dirty="0" smtClean="0"/>
+              <a:t>Markus Karlsson</a:t>
+            </a:r>
+          </a:p>
+          <a:p>
+            <a:pPr marL="0" indent="0" algn="ctr">
+              <a:buNone/>
+            </a:pPr>
+            <a:r>
+              <a:rPr lang="sv-SE" sz="3600" dirty="0" smtClean="0"/>
+              <a:t>Lisa Bengtsson</a:t>
+            </a:r>
+            <a:endParaRPr lang="sv-SE" sz="3600" dirty="0"/>
+          </a:p>
+        </p:txBody>
+      </p:sp>
       <p:pic>
         <p:nvPicPr>
-          <p:cNvPr id="5" name="Bildobjekt 4" descr="logo.png"/>
+          <p:cNvPr id="5" name="Bildobjekt 4" descr="bad_cloud1.png"/>
+          <p:cNvPicPr>
+            <a:picLocks noChangeAspect="1"/>
+          </p:cNvPicPr>
+          <p:nvPr/>
+        </p:nvPicPr>
+        <p:blipFill>
+          <a:blip r:embed="rId2">
+            <a:extLst>
+              <a:ext uri="{28A0092B-C50C-407E-A947-70E740481C1C}">
+                <a14:useLocalDpi xmlns:a14="http://schemas.microsoft.com/office/drawing/2010/main" val="0"/>
+              </a:ext>
+            </a:extLst>
+          </a:blip>
+          <a:stretch>
+            <a:fillRect/>
+          </a:stretch>
+        </p:blipFill>
+        <p:spPr>
+          <a:xfrm>
+            <a:off x="457200" y="619629"/>
+            <a:ext cx="2126779" cy="1103537"/>
+          </a:xfrm>
+          <a:prstGeom prst="rect">
+            <a:avLst/>
+          </a:prstGeom>
+        </p:spPr>
+      </p:pic>
+      <p:pic>
+        <p:nvPicPr>
+          <p:cNvPr id="6" name="Bildobjekt 5" descr="bad_cloud2.png"/>
           <p:cNvPicPr>
             <a:picLocks noChangeAspect="1"/>
           </p:cNvPicPr>
@@ -3143,8 +3263,8 @@
         </p:blipFill>
         <p:spPr>
           <a:xfrm>
-            <a:off x="2262637" y="664373"/>
-            <a:ext cx="4672584" cy="2331720"/>
+            <a:off x="6808751" y="1947841"/>
+            <a:ext cx="2076956" cy="946996"/>
           </a:xfrm>
           <a:prstGeom prst="rect">
             <a:avLst/>
@@ -3153,7 +3273,7 @@
       </p:pic>
       <p:pic>
         <p:nvPicPr>
-          <p:cNvPr id="6" name="Bildobjekt 5"/>
+          <p:cNvPr id="7" name="Bildobjekt 6" descr="bad_cloud3.png"/>
           <p:cNvPicPr>
             <a:picLocks noChangeAspect="1"/>
           </p:cNvPicPr>
@@ -3173,66 +3293,83 @@
         </p:blipFill>
         <p:spPr>
           <a:xfrm>
-            <a:off x="3957017" y="3299820"/>
-            <a:ext cx="1316442" cy="1366065"/>
+            <a:off x="657924" y="4911293"/>
+            <a:ext cx="2098396" cy="1040057"/>
           </a:xfrm>
           <a:prstGeom prst="rect">
             <a:avLst/>
           </a:prstGeom>
         </p:spPr>
       </p:pic>
-      <p:cxnSp>
-        <p:nvCxnSpPr>
-          <p:cNvPr id="9" name="Rak 8"/>
-          <p:cNvCxnSpPr/>
+    </p:spTree>
+    <p:extLst>
+      <p:ext uri="{BB962C8B-B14F-4D97-AF65-F5344CB8AC3E}">
+        <p14:creationId xmlns:p14="http://schemas.microsoft.com/office/powerpoint/2010/main" val="2538510785"/>
+      </p:ext>
+    </p:extLst>
+  </p:cSld>
+  <p:clrMapOvr>
+    <a:masterClrMapping/>
+  </p:clrMapOvr>
+</p:sld>
+</file>
+
+<file path=ppt/slides/slide10.xml><?xml version="1.0" encoding="utf-8"?>
+<p:sld xmlns:a="http://schemas.openxmlformats.org/drawingml/2006/main" xmlns:r="http://schemas.openxmlformats.org/officeDocument/2006/relationships" xmlns:p="http://schemas.openxmlformats.org/presentationml/2006/main">
+  <p:cSld>
+    <p:spTree>
+      <p:nvGrpSpPr>
+        <p:cNvPr id="1" name=""/>
+        <p:cNvGrpSpPr/>
+        <p:nvPr/>
+      </p:nvGrpSpPr>
+      <p:grpSpPr>
+        <a:xfrm>
+          <a:off x="0" y="0"/>
+          <a:ext cx="0" cy="0"/>
+          <a:chOff x="0" y="0"/>
+          <a:chExt cx="0" cy="0"/>
+        </a:xfrm>
+      </p:grpSpPr>
+      <p:sp>
+        <p:nvSpPr>
+          <p:cNvPr id="6" name="textruta 5"/>
+          <p:cNvSpPr txBox="1"/>
           <p:nvPr/>
-        </p:nvCxnSpPr>
-        <p:spPr>
-          <a:xfrm flipH="1">
-            <a:off x="4571978" y="4665885"/>
-            <a:ext cx="11489" cy="1049115"/>
-          </a:xfrm>
-          <a:prstGeom prst="line">
+        </p:nvSpPr>
+        <p:spPr>
+          <a:xfrm>
+            <a:off x="416975" y="137695"/>
+            <a:ext cx="7478118" cy="523220"/>
+          </a:xfrm>
+          <a:prstGeom prst="rect">
             <a:avLst/>
           </a:prstGeom>
-          <a:ln>
-            <a:solidFill>
-              <a:srgbClr val="008000"/>
-            </a:solidFill>
-          </a:ln>
-          <a:effectLst>
-            <a:outerShdw blurRad="40000" dist="20000" dir="5400000" rotWithShape="0">
-              <a:srgbClr val="008000">
-                <a:alpha val="38000"/>
-              </a:srgbClr>
-            </a:outerShdw>
-          </a:effectLst>
-        </p:spPr>
-        <p:style>
-          <a:lnRef idx="2">
-            <a:schemeClr val="accent1"/>
-          </a:lnRef>
-          <a:fillRef idx="0">
-            <a:schemeClr val="accent1"/>
-          </a:fillRef>
-          <a:effectRef idx="1">
-            <a:schemeClr val="accent1"/>
-          </a:effectRef>
-          <a:fontRef idx="minor">
-            <a:schemeClr val="tx1"/>
-          </a:fontRef>
-        </p:style>
-      </p:cxnSp>
+          <a:noFill/>
+        </p:spPr>
+        <p:txBody>
+          <a:bodyPr wrap="square" rtlCol="0">
+            <a:spAutoFit/>
+          </a:bodyPr>
+          <a:lstStyle/>
+          <a:p>
+            <a:r>
+              <a:rPr lang="sv-SE" sz="2800" dirty="0" smtClean="0"/>
+              <a:t>Exempel på hur spelet i sin enkelhet fungerar:</a:t>
+            </a:r>
+          </a:p>
+        </p:txBody>
+      </p:sp>
       <p:pic>
         <p:nvPicPr>
-          <p:cNvPr id="11" name="Bildobjekt 10" descr="grass.png"/>
+          <p:cNvPr id="21" name="Bildobjekt 20" descr="Screen Shot 2020-01-08 at 14.27.33.png"/>
           <p:cNvPicPr>
             <a:picLocks noChangeAspect="1"/>
           </p:cNvPicPr>
           <p:nvPr/>
         </p:nvPicPr>
         <p:blipFill>
-          <a:blip r:embed="rId5">
+          <a:blip r:embed="rId2">
             <a:extLst>
               <a:ext uri="{28A0092B-C50C-407E-A947-70E740481C1C}">
                 <a14:useLocalDpi xmlns:a14="http://schemas.microsoft.com/office/drawing/2010/main" val="0"/>
@@ -3245,48 +3382,135 @@
         </p:blipFill>
         <p:spPr>
           <a:xfrm>
-            <a:off x="-66958" y="5596128"/>
-            <a:ext cx="9210958" cy="1261872"/>
+            <a:off x="580075" y="868856"/>
+            <a:ext cx="6440848" cy="5662083"/>
           </a:xfrm>
           <a:prstGeom prst="rect">
             <a:avLst/>
           </a:prstGeom>
         </p:spPr>
       </p:pic>
-      <p:pic>
-        <p:nvPicPr>
-          <p:cNvPr id="10" name="Bildobjekt 9" descr="pot.png"/>
-          <p:cNvPicPr>
-            <a:picLocks noChangeAspect="1"/>
-          </p:cNvPicPr>
+      <p:sp>
+        <p:nvSpPr>
+          <p:cNvPr id="17" name="Rektangel 16"/>
+          <p:cNvSpPr/>
           <p:nvPr/>
-        </p:nvPicPr>
-        <p:blipFill>
-          <a:blip r:embed="rId6">
-            <a:extLst>
-              <a:ext uri="{28A0092B-C50C-407E-A947-70E740481C1C}">
-                <a14:useLocalDpi xmlns:a14="http://schemas.microsoft.com/office/drawing/2010/main" val="0"/>
-              </a:ext>
-            </a:extLst>
-          </a:blip>
-          <a:stretch>
-            <a:fillRect/>
-          </a:stretch>
-        </p:blipFill>
-        <p:spPr>
-          <a:xfrm>
-            <a:off x="3953455" y="5330833"/>
-            <a:ext cx="1237046" cy="1002433"/>
+        </p:nvSpPr>
+        <p:spPr>
+          <a:xfrm>
+            <a:off x="636433" y="1058221"/>
+            <a:ext cx="2772833" cy="1068916"/>
           </a:xfrm>
           <a:prstGeom prst="rect">
             <a:avLst/>
           </a:prstGeom>
-        </p:spPr>
-      </p:pic>
+          <a:noFill/>
+        </p:spPr>
+        <p:style>
+          <a:lnRef idx="2">
+            <a:schemeClr val="accent2"/>
+          </a:lnRef>
+          <a:fillRef idx="1">
+            <a:schemeClr val="lt1"/>
+          </a:fillRef>
+          <a:effectRef idx="0">
+            <a:schemeClr val="accent2"/>
+          </a:effectRef>
+          <a:fontRef idx="minor">
+            <a:schemeClr val="dk1"/>
+          </a:fontRef>
+        </p:style>
+        <p:txBody>
+          <a:bodyPr rtlCol="0" anchor="ctr"/>
+          <a:lstStyle/>
+          <a:p>
+            <a:pPr algn="ctr"/>
+            <a:endParaRPr lang="sv-SE"/>
+          </a:p>
+        </p:txBody>
+      </p:sp>
+      <p:sp>
+        <p:nvSpPr>
+          <p:cNvPr id="19" name="Rektangel 18"/>
+          <p:cNvSpPr/>
+          <p:nvPr/>
+        </p:nvSpPr>
+        <p:spPr>
+          <a:xfrm>
+            <a:off x="860691" y="4614333"/>
+            <a:ext cx="1682750" cy="560917"/>
+          </a:xfrm>
+          <a:prstGeom prst="rect">
+            <a:avLst/>
+          </a:prstGeom>
+          <a:noFill/>
+        </p:spPr>
+        <p:style>
+          <a:lnRef idx="2">
+            <a:schemeClr val="accent2"/>
+          </a:lnRef>
+          <a:fillRef idx="1">
+            <a:schemeClr val="lt1"/>
+          </a:fillRef>
+          <a:effectRef idx="0">
+            <a:schemeClr val="accent2"/>
+          </a:effectRef>
+          <a:fontRef idx="minor">
+            <a:schemeClr val="dk1"/>
+          </a:fontRef>
+        </p:style>
+        <p:txBody>
+          <a:bodyPr rtlCol="0" anchor="ctr"/>
+          <a:lstStyle/>
+          <a:p>
+            <a:pPr algn="ctr"/>
+            <a:endParaRPr lang="sv-SE"/>
+          </a:p>
+        </p:txBody>
+      </p:sp>
+      <p:sp>
+        <p:nvSpPr>
+          <p:cNvPr id="20" name="Rektangel 19"/>
+          <p:cNvSpPr/>
+          <p:nvPr/>
+        </p:nvSpPr>
+        <p:spPr>
+          <a:xfrm>
+            <a:off x="860691" y="5323417"/>
+            <a:ext cx="2229642" cy="857250"/>
+          </a:xfrm>
+          <a:prstGeom prst="rect">
+            <a:avLst/>
+          </a:prstGeom>
+          <a:noFill/>
+        </p:spPr>
+        <p:style>
+          <a:lnRef idx="2">
+            <a:schemeClr val="accent2"/>
+          </a:lnRef>
+          <a:fillRef idx="1">
+            <a:schemeClr val="lt1"/>
+          </a:fillRef>
+          <a:effectRef idx="0">
+            <a:schemeClr val="accent2"/>
+          </a:effectRef>
+          <a:fontRef idx="minor">
+            <a:schemeClr val="dk1"/>
+          </a:fontRef>
+        </p:style>
+        <p:txBody>
+          <a:bodyPr rtlCol="0" anchor="ctr"/>
+          <a:lstStyle/>
+          <a:p>
+            <a:pPr algn="ctr"/>
+            <a:endParaRPr lang="sv-SE"/>
+          </a:p>
+        </p:txBody>
+      </p:sp>
     </p:spTree>
     <p:extLst>
       <p:ext uri="{BB962C8B-B14F-4D97-AF65-F5344CB8AC3E}">
-        <p14:creationId xmlns:p14="http://schemas.microsoft.com/office/powerpoint/2010/main" val="40493605"/>
+        <p14:creationId xmlns:p14="http://schemas.microsoft.com/office/powerpoint/2010/main" val="1036233130"/>
       </p:ext>
     </p:extLst>
   </p:cSld>
@@ -3296,14 +3520,177 @@
   <p:timing>
     <p:tnLst>
       <p:par>
-        <p:cTn xmlns:p14="http://schemas.microsoft.com/office/powerpoint/2010/main" id="1" dur="indefinite" restart="never" nodeType="tmRoot"/>
+        <p:cTn xmlns:p14="http://schemas.microsoft.com/office/powerpoint/2010/main" id="1" dur="indefinite" restart="never" nodeType="tmRoot">
+          <p:childTnLst>
+            <p:seq concurrent="1" nextAc="seek">
+              <p:cTn id="2" dur="indefinite" nodeType="mainSeq">
+                <p:childTnLst>
+                  <p:par>
+                    <p:cTn id="3" fill="hold">
+                      <p:stCondLst>
+                        <p:cond delay="indefinite"/>
+                      </p:stCondLst>
+                      <p:childTnLst>
+                        <p:par>
+                          <p:cTn id="4" fill="hold">
+                            <p:stCondLst>
+                              <p:cond delay="0"/>
+                            </p:stCondLst>
+                            <p:childTnLst>
+                              <p:par>
+                                <p:cTn id="5" presetID="1" presetClass="entr" presetSubtype="0" fill="hold" grpId="0" nodeType="clickEffect">
+                                  <p:stCondLst>
+                                    <p:cond delay="0"/>
+                                  </p:stCondLst>
+                                  <p:childTnLst>
+                                    <p:set>
+                                      <p:cBhvr>
+                                        <p:cTn id="6" dur="1" fill="hold">
+                                          <p:stCondLst>
+                                            <p:cond delay="0"/>
+                                          </p:stCondLst>
+                                        </p:cTn>
+                                        <p:tgtEl>
+                                          <p:spTgt spid="17"/>
+                                        </p:tgtEl>
+                                        <p:attrNameLst>
+                                          <p:attrName>style.visibility</p:attrName>
+                                        </p:attrNameLst>
+                                      </p:cBhvr>
+                                      <p:to>
+                                        <p:strVal val="visible"/>
+                                      </p:to>
+                                    </p:set>
+                                  </p:childTnLst>
+                                </p:cTn>
+                              </p:par>
+                            </p:childTnLst>
+                          </p:cTn>
+                        </p:par>
+                      </p:childTnLst>
+                    </p:cTn>
+                  </p:par>
+                  <p:par>
+                    <p:cTn id="7" fill="hold">
+                      <p:stCondLst>
+                        <p:cond delay="indefinite"/>
+                      </p:stCondLst>
+                      <p:childTnLst>
+                        <p:par>
+                          <p:cTn id="8" fill="hold">
+                            <p:stCondLst>
+                              <p:cond delay="0"/>
+                            </p:stCondLst>
+                            <p:childTnLst>
+                              <p:par>
+                                <p:cTn id="9" presetID="1" presetClass="entr" presetSubtype="0" fill="hold" grpId="0" nodeType="clickEffect">
+                                  <p:stCondLst>
+                                    <p:cond delay="0"/>
+                                  </p:stCondLst>
+                                  <p:childTnLst>
+                                    <p:set>
+                                      <p:cBhvr>
+                                        <p:cTn id="10" dur="1" fill="hold">
+                                          <p:stCondLst>
+                                            <p:cond delay="0"/>
+                                          </p:stCondLst>
+                                        </p:cTn>
+                                        <p:tgtEl>
+                                          <p:spTgt spid="19"/>
+                                        </p:tgtEl>
+                                        <p:attrNameLst>
+                                          <p:attrName>style.visibility</p:attrName>
+                                        </p:attrNameLst>
+                                      </p:cBhvr>
+                                      <p:to>
+                                        <p:strVal val="visible"/>
+                                      </p:to>
+                                    </p:set>
+                                  </p:childTnLst>
+                                </p:cTn>
+                              </p:par>
+                            </p:childTnLst>
+                          </p:cTn>
+                        </p:par>
+                      </p:childTnLst>
+                    </p:cTn>
+                  </p:par>
+                  <p:par>
+                    <p:cTn id="11" fill="hold">
+                      <p:stCondLst>
+                        <p:cond delay="indefinite"/>
+                      </p:stCondLst>
+                      <p:childTnLst>
+                        <p:par>
+                          <p:cTn id="12" fill="hold">
+                            <p:stCondLst>
+                              <p:cond delay="0"/>
+                            </p:stCondLst>
+                            <p:childTnLst>
+                              <p:par>
+                                <p:cTn id="13" presetID="1" presetClass="entr" presetSubtype="0" fill="hold" grpId="0" nodeType="clickEffect">
+                                  <p:stCondLst>
+                                    <p:cond delay="0"/>
+                                  </p:stCondLst>
+                                  <p:childTnLst>
+                                    <p:set>
+                                      <p:cBhvr>
+                                        <p:cTn id="14" dur="1" fill="hold">
+                                          <p:stCondLst>
+                                            <p:cond delay="0"/>
+                                          </p:stCondLst>
+                                        </p:cTn>
+                                        <p:tgtEl>
+                                          <p:spTgt spid="20"/>
+                                        </p:tgtEl>
+                                        <p:attrNameLst>
+                                          <p:attrName>style.visibility</p:attrName>
+                                        </p:attrNameLst>
+                                      </p:cBhvr>
+                                      <p:to>
+                                        <p:strVal val="visible"/>
+                                      </p:to>
+                                    </p:set>
+                                  </p:childTnLst>
+                                </p:cTn>
+                              </p:par>
+                            </p:childTnLst>
+                          </p:cTn>
+                        </p:par>
+                      </p:childTnLst>
+                    </p:cTn>
+                  </p:par>
+                </p:childTnLst>
+              </p:cTn>
+              <p:prevCondLst>
+                <p:cond evt="onPrev" delay="0">
+                  <p:tgtEl>
+                    <p:sldTgt/>
+                  </p:tgtEl>
+                </p:cond>
+              </p:prevCondLst>
+              <p:nextCondLst>
+                <p:cond evt="onNext" delay="0">
+                  <p:tgtEl>
+                    <p:sldTgt/>
+                  </p:tgtEl>
+                </p:cond>
+              </p:nextCondLst>
+            </p:seq>
+          </p:childTnLst>
+        </p:cTn>
       </p:par>
     </p:tnLst>
+    <p:bldLst>
+      <p:bldP spid="17" grpId="0" animBg="1"/>
+      <p:bldP spid="19" grpId="0" animBg="1"/>
+      <p:bldP spid="20" grpId="0" animBg="1"/>
+    </p:bldLst>
   </p:timing>
 </p:sld>
 </file>
 
-<file path=ppt/slides/slide10.xml><?xml version="1.0" encoding="utf-8"?>
+<file path=ppt/slides/slide11.xml><?xml version="1.0" encoding="utf-8"?>
 <p:sld xmlns:a="http://schemas.openxmlformats.org/drawingml/2006/main" xmlns:r="http://schemas.openxmlformats.org/officeDocument/2006/relationships" xmlns:p="http://schemas.openxmlformats.org/presentationml/2006/main">
   <p:cSld>
     <p:spTree>
@@ -3626,398 +4013,6 @@
 </p:sld>
 </file>
 
-<file path=ppt/slides/slide11.xml><?xml version="1.0" encoding="utf-8"?>
-<p:sld xmlns:a="http://schemas.openxmlformats.org/drawingml/2006/main" xmlns:r="http://schemas.openxmlformats.org/officeDocument/2006/relationships" xmlns:p="http://schemas.openxmlformats.org/presentationml/2006/main">
-  <p:cSld>
-    <p:spTree>
-      <p:nvGrpSpPr>
-        <p:cNvPr id="1" name=""/>
-        <p:cNvGrpSpPr/>
-        <p:nvPr/>
-      </p:nvGrpSpPr>
-      <p:grpSpPr>
-        <a:xfrm>
-          <a:off x="0" y="0"/>
-          <a:ext cx="0" cy="0"/>
-          <a:chOff x="0" y="0"/>
-          <a:chExt cx="0" cy="0"/>
-        </a:xfrm>
-      </p:grpSpPr>
-      <p:sp>
-        <p:nvSpPr>
-          <p:cNvPr id="2" name="Rubrik 1"/>
-          <p:cNvSpPr>
-            <a:spLocks noGrp="1"/>
-          </p:cNvSpPr>
-          <p:nvPr>
-            <p:ph type="title"/>
-          </p:nvPr>
-        </p:nvSpPr>
-        <p:spPr/>
-        <p:txBody>
-          <a:bodyPr/>
-          <a:lstStyle/>
-          <a:p>
-            <a:r>
-              <a:rPr lang="sv-SE" dirty="0" smtClean="0"/>
-              <a:t>Vad gick bra?</a:t>
-            </a:r>
-            <a:endParaRPr lang="sv-SE" dirty="0"/>
-          </a:p>
-        </p:txBody>
-      </p:sp>
-      <p:sp>
-        <p:nvSpPr>
-          <p:cNvPr id="3" name="Platshållare för innehåll 2"/>
-          <p:cNvSpPr>
-            <a:spLocks noGrp="1"/>
-          </p:cNvSpPr>
-          <p:nvPr>
-            <p:ph idx="1"/>
-          </p:nvPr>
-        </p:nvSpPr>
-        <p:spPr/>
-        <p:txBody>
-          <a:bodyPr/>
-          <a:lstStyle/>
-          <a:p>
-            <a:r>
-              <a:rPr lang="sv-SE" dirty="0" smtClean="0"/>
-              <a:t>Bra kommunikation</a:t>
-            </a:r>
-          </a:p>
-          <a:p>
-            <a:r>
-              <a:rPr lang="sv-SE" dirty="0" err="1" smtClean="0"/>
-              <a:t>GitHub</a:t>
-            </a:r>
-            <a:r>
-              <a:rPr lang="sv-SE" dirty="0" err="1"/>
-              <a:t>-</a:t>
-            </a:r>
-            <a:r>
-              <a:rPr lang="sv-SE" dirty="0" err="1" smtClean="0"/>
-              <a:t>flow</a:t>
-            </a:r>
-            <a:r>
-              <a:rPr lang="sv-SE" dirty="0" smtClean="0"/>
-              <a:t> i samband med projektfunktionen</a:t>
-            </a:r>
-          </a:p>
-          <a:p>
-            <a:r>
-              <a:rPr lang="sv-SE" dirty="0" smtClean="0"/>
-              <a:t>Hålla deadlines</a:t>
-            </a:r>
-          </a:p>
-          <a:p>
-            <a:r>
-              <a:rPr lang="sv-SE" dirty="0" smtClean="0"/>
-              <a:t>Engagemang </a:t>
-            </a:r>
-          </a:p>
-          <a:p>
-            <a:r>
-              <a:rPr lang="sv-SE" dirty="0" smtClean="0"/>
-              <a:t>Enighet i gruppen</a:t>
-            </a:r>
-          </a:p>
-          <a:p>
-            <a:endParaRPr lang="sv-SE" dirty="0"/>
-          </a:p>
-        </p:txBody>
-      </p:sp>
-    </p:spTree>
-    <p:extLst>
-      <p:ext uri="{BB962C8B-B14F-4D97-AF65-F5344CB8AC3E}">
-        <p14:creationId xmlns:p14="http://schemas.microsoft.com/office/powerpoint/2010/main" val="4105506175"/>
-      </p:ext>
-    </p:extLst>
-  </p:cSld>
-  <p:clrMapOvr>
-    <a:masterClrMapping/>
-  </p:clrMapOvr>
-  <p:timing>
-    <p:tnLst>
-      <p:par>
-        <p:cTn xmlns:p14="http://schemas.microsoft.com/office/powerpoint/2010/main" id="1" dur="indefinite" restart="never" nodeType="tmRoot">
-          <p:childTnLst>
-            <p:seq concurrent="1" nextAc="seek">
-              <p:cTn id="2" dur="indefinite" nodeType="mainSeq">
-                <p:childTnLst>
-                  <p:par>
-                    <p:cTn id="3" fill="hold">
-                      <p:stCondLst>
-                        <p:cond delay="indefinite"/>
-                      </p:stCondLst>
-                      <p:childTnLst>
-                        <p:par>
-                          <p:cTn id="4" fill="hold">
-                            <p:stCondLst>
-                              <p:cond delay="0"/>
-                            </p:stCondLst>
-                            <p:childTnLst>
-                              <p:par>
-                                <p:cTn id="5" presetID="1" presetClass="entr" presetSubtype="0" fill="hold" grpId="0" nodeType="clickEffect">
-                                  <p:stCondLst>
-                                    <p:cond delay="0"/>
-                                  </p:stCondLst>
-                                  <p:childTnLst>
-                                    <p:set>
-                                      <p:cBhvr>
-                                        <p:cTn id="6" dur="1" fill="hold">
-                                          <p:stCondLst>
-                                            <p:cond delay="0"/>
-                                          </p:stCondLst>
-                                        </p:cTn>
-                                        <p:tgtEl>
-                                          <p:spTgt spid="3">
-                                            <p:txEl>
-                                              <p:pRg st="0" end="0"/>
-                                            </p:txEl>
-                                          </p:spTgt>
-                                        </p:tgtEl>
-                                        <p:attrNameLst>
-                                          <p:attrName>style.visibility</p:attrName>
-                                        </p:attrNameLst>
-                                      </p:cBhvr>
-                                      <p:to>
-                                        <p:strVal val="visible"/>
-                                      </p:to>
-                                    </p:set>
-                                  </p:childTnLst>
-                                </p:cTn>
-                              </p:par>
-                            </p:childTnLst>
-                          </p:cTn>
-                        </p:par>
-                      </p:childTnLst>
-                    </p:cTn>
-                  </p:par>
-                  <p:par>
-                    <p:cTn id="7" fill="hold">
-                      <p:stCondLst>
-                        <p:cond delay="indefinite"/>
-                      </p:stCondLst>
-                      <p:childTnLst>
-                        <p:par>
-                          <p:cTn id="8" fill="hold">
-                            <p:stCondLst>
-                              <p:cond delay="0"/>
-                            </p:stCondLst>
-                            <p:childTnLst>
-                              <p:par>
-                                <p:cTn id="9" presetID="1" presetClass="entr" presetSubtype="0" fill="hold" grpId="0" nodeType="clickEffect">
-                                  <p:stCondLst>
-                                    <p:cond delay="0"/>
-                                  </p:stCondLst>
-                                  <p:childTnLst>
-                                    <p:set>
-                                      <p:cBhvr>
-                                        <p:cTn id="10" dur="1" fill="hold">
-                                          <p:stCondLst>
-                                            <p:cond delay="0"/>
-                                          </p:stCondLst>
-                                        </p:cTn>
-                                        <p:tgtEl>
-                                          <p:spTgt spid="3">
-                                            <p:txEl>
-                                              <p:pRg st="1" end="1"/>
-                                            </p:txEl>
-                                          </p:spTgt>
-                                        </p:tgtEl>
-                                        <p:attrNameLst>
-                                          <p:attrName>style.visibility</p:attrName>
-                                        </p:attrNameLst>
-                                      </p:cBhvr>
-                                      <p:to>
-                                        <p:strVal val="visible"/>
-                                      </p:to>
-                                    </p:set>
-                                  </p:childTnLst>
-                                </p:cTn>
-                              </p:par>
-                            </p:childTnLst>
-                          </p:cTn>
-                        </p:par>
-                      </p:childTnLst>
-                    </p:cTn>
-                  </p:par>
-                  <p:par>
-                    <p:cTn id="11" fill="hold">
-                      <p:stCondLst>
-                        <p:cond delay="indefinite"/>
-                      </p:stCondLst>
-                      <p:childTnLst>
-                        <p:par>
-                          <p:cTn id="12" fill="hold">
-                            <p:stCondLst>
-                              <p:cond delay="0"/>
-                            </p:stCondLst>
-                            <p:childTnLst>
-                              <p:par>
-                                <p:cTn id="13" presetID="1" presetClass="entr" presetSubtype="0" fill="hold" grpId="0" nodeType="clickEffect">
-                                  <p:stCondLst>
-                                    <p:cond delay="0"/>
-                                  </p:stCondLst>
-                                  <p:childTnLst>
-                                    <p:set>
-                                      <p:cBhvr>
-                                        <p:cTn id="14" dur="1" fill="hold">
-                                          <p:stCondLst>
-                                            <p:cond delay="0"/>
-                                          </p:stCondLst>
-                                        </p:cTn>
-                                        <p:tgtEl>
-                                          <p:spTgt spid="3">
-                                            <p:txEl>
-                                              <p:pRg st="2" end="2"/>
-                                            </p:txEl>
-                                          </p:spTgt>
-                                        </p:tgtEl>
-                                        <p:attrNameLst>
-                                          <p:attrName>style.visibility</p:attrName>
-                                        </p:attrNameLst>
-                                      </p:cBhvr>
-                                      <p:to>
-                                        <p:strVal val="visible"/>
-                                      </p:to>
-                                    </p:set>
-                                  </p:childTnLst>
-                                </p:cTn>
-                              </p:par>
-                            </p:childTnLst>
-                          </p:cTn>
-                        </p:par>
-                      </p:childTnLst>
-                    </p:cTn>
-                  </p:par>
-                  <p:par>
-                    <p:cTn id="15" fill="hold">
-                      <p:stCondLst>
-                        <p:cond delay="indefinite"/>
-                      </p:stCondLst>
-                      <p:childTnLst>
-                        <p:par>
-                          <p:cTn id="16" fill="hold">
-                            <p:stCondLst>
-                              <p:cond delay="0"/>
-                            </p:stCondLst>
-                            <p:childTnLst>
-                              <p:par>
-                                <p:cTn id="17" presetID="1" presetClass="entr" presetSubtype="0" fill="hold" grpId="0" nodeType="clickEffect">
-                                  <p:stCondLst>
-                                    <p:cond delay="0"/>
-                                  </p:stCondLst>
-                                  <p:childTnLst>
-                                    <p:set>
-                                      <p:cBhvr>
-                                        <p:cTn id="18" dur="1" fill="hold">
-                                          <p:stCondLst>
-                                            <p:cond delay="0"/>
-                                          </p:stCondLst>
-                                        </p:cTn>
-                                        <p:tgtEl>
-                                          <p:spTgt spid="3">
-                                            <p:txEl>
-                                              <p:pRg st="3" end="3"/>
-                                            </p:txEl>
-                                          </p:spTgt>
-                                        </p:tgtEl>
-                                        <p:attrNameLst>
-                                          <p:attrName>style.visibility</p:attrName>
-                                        </p:attrNameLst>
-                                      </p:cBhvr>
-                                      <p:to>
-                                        <p:strVal val="visible"/>
-                                      </p:to>
-                                    </p:set>
-                                  </p:childTnLst>
-                                </p:cTn>
-                              </p:par>
-                            </p:childTnLst>
-                          </p:cTn>
-                        </p:par>
-                      </p:childTnLst>
-                    </p:cTn>
-                  </p:par>
-                  <p:par>
-                    <p:cTn id="19" fill="hold">
-                      <p:stCondLst>
-                        <p:cond delay="indefinite"/>
-                      </p:stCondLst>
-                      <p:childTnLst>
-                        <p:par>
-                          <p:cTn id="20" fill="hold">
-                            <p:stCondLst>
-                              <p:cond delay="0"/>
-                            </p:stCondLst>
-                            <p:childTnLst>
-                              <p:par>
-                                <p:cTn id="21" presetID="1" presetClass="entr" presetSubtype="0" fill="hold" grpId="0" nodeType="clickEffect">
-                                  <p:stCondLst>
-                                    <p:cond delay="0"/>
-                                  </p:stCondLst>
-                                  <p:childTnLst>
-                                    <p:set>
-                                      <p:cBhvr>
-                                        <p:cTn id="22" dur="1" fill="hold">
-                                          <p:stCondLst>
-                                            <p:cond delay="0"/>
-                                          </p:stCondLst>
-                                        </p:cTn>
-                                        <p:tgtEl>
-                                          <p:spTgt spid="3">
-                                            <p:txEl>
-                                              <p:pRg st="4" end="4"/>
-                                            </p:txEl>
-                                          </p:spTgt>
-                                        </p:tgtEl>
-                                        <p:attrNameLst>
-                                          <p:attrName>style.visibility</p:attrName>
-                                        </p:attrNameLst>
-                                      </p:cBhvr>
-                                      <p:to>
-                                        <p:strVal val="visible"/>
-                                      </p:to>
-                                    </p:set>
-                                  </p:childTnLst>
-                                </p:cTn>
-                              </p:par>
-                            </p:childTnLst>
-                          </p:cTn>
-                        </p:par>
-                      </p:childTnLst>
-                    </p:cTn>
-                  </p:par>
-                </p:childTnLst>
-              </p:cTn>
-              <p:prevCondLst>
-                <p:cond evt="onPrev" delay="0">
-                  <p:tgtEl>
-                    <p:sldTgt/>
-                  </p:tgtEl>
-                </p:cond>
-              </p:prevCondLst>
-              <p:nextCondLst>
-                <p:cond evt="onNext" delay="0">
-                  <p:tgtEl>
-                    <p:sldTgt/>
-                  </p:tgtEl>
-                </p:cond>
-              </p:nextCondLst>
-            </p:seq>
-          </p:childTnLst>
-        </p:cTn>
-      </p:par>
-    </p:tnLst>
-    <p:bldLst>
-      <p:bldP spid="3" grpId="0" build="p"/>
-    </p:bldLst>
-  </p:timing>
-</p:sld>
-</file>
-
 <file path=ppt/slides/slide12.xml><?xml version="1.0" encoding="utf-8"?>
 <p:sld xmlns:a="http://schemas.openxmlformats.org/drawingml/2006/main" xmlns:r="http://schemas.openxmlformats.org/officeDocument/2006/relationships" xmlns:p="http://schemas.openxmlformats.org/presentationml/2006/main">
   <p:cSld>
@@ -4052,7 +4047,7 @@
           <a:p>
             <a:r>
               <a:rPr lang="sv-SE" dirty="0" smtClean="0"/>
-              <a:t>Vad gick mindre bra?</a:t>
+              <a:t>Vad gick bra?</a:t>
             </a:r>
             <a:endParaRPr lang="sv-SE" dirty="0"/>
           </a:p>
@@ -4075,66 +4070,84 @@
           <a:p>
             <a:r>
               <a:rPr lang="sv-SE" dirty="0" smtClean="0"/>
-              <a:t>Brokig start på projektet</a:t>
-            </a:r>
-          </a:p>
-          <a:p>
+              <a:t>Bra kommunikation</a:t>
+            </a:r>
+          </a:p>
+          <a:p>
+            <a:r>
+              <a:rPr lang="sv-SE" dirty="0" err="1" smtClean="0"/>
+              <a:t>GitHub</a:t>
+            </a:r>
+            <a:r>
+              <a:rPr lang="sv-SE" dirty="0" err="1"/>
+              <a:t>-</a:t>
+            </a:r>
+            <a:r>
+              <a:rPr lang="sv-SE" dirty="0" err="1" smtClean="0"/>
+              <a:t>flow</a:t>
+            </a:r>
             <a:r>
               <a:rPr lang="sv-SE" dirty="0" smtClean="0"/>
-              <a:t>Hitta lösningar p5/</a:t>
-            </a:r>
-            <a:r>
-              <a:rPr lang="sv-SE" dirty="0" err="1" smtClean="0"/>
-              <a:t>Typescrift</a:t>
-            </a:r>
-            <a:endParaRPr lang="sv-SE" dirty="0" smtClean="0"/>
+              <a:t> i samband med projektfunktionen</a:t>
+            </a:r>
           </a:p>
           <a:p>
             <a:r>
               <a:rPr lang="sv-SE" dirty="0" smtClean="0"/>
-              <a:t>Jul - svårt med ett grupparbete över så många röda dagar</a:t>
+              <a:t>Hålla deadlines</a:t>
             </a:r>
           </a:p>
           <a:p>
             <a:r>
               <a:rPr lang="sv-SE" dirty="0" smtClean="0"/>
-              <a:t>Skriva ett UML schema utan tillräcklig kunskap</a:t>
+              <a:t>Engagemang </a:t>
             </a:r>
           </a:p>
           <a:p>
             <a:r>
               <a:rPr lang="sv-SE" dirty="0" smtClean="0"/>
-              <a:t>1 </a:t>
-            </a:r>
-            <a:r>
-              <a:rPr lang="sv-SE" dirty="0" err="1" smtClean="0"/>
-              <a:t>issue</a:t>
-            </a:r>
-            <a:r>
-              <a:rPr lang="sv-SE" dirty="0" smtClean="0"/>
-              <a:t> 1 </a:t>
-            </a:r>
-            <a:r>
-              <a:rPr lang="sv-SE" dirty="0" err="1" smtClean="0"/>
-              <a:t>branch</a:t>
-            </a:r>
-            <a:endParaRPr lang="sv-SE" dirty="0" smtClean="0"/>
-          </a:p>
-          <a:p>
-            <a:endParaRPr lang="sv-SE" dirty="0" smtClean="0"/>
-          </a:p>
-          <a:p>
-            <a:endParaRPr lang="sv-SE" dirty="0" smtClean="0"/>
+              <a:t>Enighet i gruppen</a:t>
+            </a:r>
           </a:p>
           <a:p>
             <a:endParaRPr lang="sv-SE" dirty="0"/>
           </a:p>
         </p:txBody>
       </p:sp>
+      <p:pic>
+        <p:nvPicPr>
+          <p:cNvPr id="4" name="Bildobjekt 3" descr="flower_75.png"/>
+          <p:cNvPicPr>
+            <a:picLocks noChangeAspect="1"/>
+          </p:cNvPicPr>
+          <p:nvPr/>
+        </p:nvPicPr>
+        <p:blipFill>
+          <a:blip r:embed="rId2">
+            <a:extLst>
+              <a:ext uri="{28A0092B-C50C-407E-A947-70E740481C1C}">
+                <a14:useLocalDpi xmlns:a14="http://schemas.microsoft.com/office/drawing/2010/main" val="0"/>
+              </a:ext>
+            </a:extLst>
+          </a:blip>
+          <a:stretch>
+            <a:fillRect/>
+          </a:stretch>
+        </p:blipFill>
+        <p:spPr>
+          <a:xfrm>
+            <a:off x="6589765" y="4054367"/>
+            <a:ext cx="1488934" cy="1545058"/>
+          </a:xfrm>
+          <a:prstGeom prst="rect">
+            <a:avLst/>
+          </a:prstGeom>
+        </p:spPr>
+      </p:pic>
     </p:spTree>
     <p:extLst>
       <p:ext uri="{BB962C8B-B14F-4D97-AF65-F5344CB8AC3E}">
-        <p14:creationId xmlns:p14="http://schemas.microsoft.com/office/powerpoint/2010/main" val="3984978690"/>
+        <p14:creationId xmlns:p14="http://schemas.microsoft.com/office/powerpoint/2010/main" val="4105506175"/>
       </p:ext>
     </p:extLst>
   </p:cSld>
@@ -4449,6 +4462,440 @@
             <p:ph type="title"/>
           </p:nvPr>
         </p:nvSpPr>
+        <p:spPr/>
+        <p:txBody>
+          <a:bodyPr/>
+          <a:lstStyle/>
+          <a:p>
+            <a:r>
+              <a:rPr lang="sv-SE" dirty="0" smtClean="0"/>
+              <a:t>Vad gick mindre bra?</a:t>
+            </a:r>
+            <a:endParaRPr lang="sv-SE" dirty="0"/>
+          </a:p>
+        </p:txBody>
+      </p:sp>
+      <p:sp>
+        <p:nvSpPr>
+          <p:cNvPr id="3" name="Platshållare för innehåll 2"/>
+          <p:cNvSpPr>
+            <a:spLocks noGrp="1"/>
+          </p:cNvSpPr>
+          <p:nvPr>
+            <p:ph idx="1"/>
+          </p:nvPr>
+        </p:nvSpPr>
+        <p:spPr/>
+        <p:txBody>
+          <a:bodyPr/>
+          <a:lstStyle/>
+          <a:p>
+            <a:r>
+              <a:rPr lang="sv-SE" dirty="0" smtClean="0"/>
+              <a:t>Brokig start på projektet</a:t>
+            </a:r>
+          </a:p>
+          <a:p>
+            <a:r>
+              <a:rPr lang="sv-SE" dirty="0" smtClean="0"/>
+              <a:t>Hitta lösningar p5/</a:t>
+            </a:r>
+            <a:r>
+              <a:rPr lang="sv-SE" dirty="0" err="1" smtClean="0"/>
+              <a:t>Typescrift</a:t>
+            </a:r>
+            <a:endParaRPr lang="sv-SE" dirty="0" smtClean="0"/>
+          </a:p>
+          <a:p>
+            <a:r>
+              <a:rPr lang="sv-SE" dirty="0" smtClean="0"/>
+              <a:t>Jul - svårt med ett grupparbete över så många röda dagar</a:t>
+            </a:r>
+          </a:p>
+          <a:p>
+            <a:r>
+              <a:rPr lang="sv-SE" dirty="0" smtClean="0"/>
+              <a:t>Skriva ett UML schema utan tillräcklig kunskap</a:t>
+            </a:r>
+          </a:p>
+          <a:p>
+            <a:r>
+              <a:rPr lang="sv-SE" dirty="0" smtClean="0"/>
+              <a:t>1 </a:t>
+            </a:r>
+            <a:r>
+              <a:rPr lang="sv-SE" dirty="0" err="1" smtClean="0"/>
+              <a:t>issue</a:t>
+            </a:r>
+            <a:r>
+              <a:rPr lang="sv-SE" dirty="0" smtClean="0"/>
+              <a:t> 1 </a:t>
+            </a:r>
+            <a:r>
+              <a:rPr lang="sv-SE" dirty="0" err="1" smtClean="0"/>
+              <a:t>branch</a:t>
+            </a:r>
+            <a:endParaRPr lang="sv-SE" dirty="0" smtClean="0"/>
+          </a:p>
+          <a:p>
+            <a:endParaRPr lang="sv-SE" dirty="0" smtClean="0"/>
+          </a:p>
+          <a:p>
+            <a:endParaRPr lang="sv-SE" dirty="0" smtClean="0"/>
+          </a:p>
+          <a:p>
+            <a:endParaRPr lang="sv-SE" dirty="0"/>
+          </a:p>
+        </p:txBody>
+      </p:sp>
+      <p:pic>
+        <p:nvPicPr>
+          <p:cNvPr id="4" name="Bildobjekt 3" descr="flower_0.png"/>
+          <p:cNvPicPr>
+            <a:picLocks noChangeAspect="1"/>
+          </p:cNvPicPr>
+          <p:nvPr/>
+        </p:nvPicPr>
+        <p:blipFill>
+          <a:blip r:embed="rId2">
+            <a:extLst>
+              <a:ext uri="{28A0092B-C50C-407E-A947-70E740481C1C}">
+                <a14:useLocalDpi xmlns:a14="http://schemas.microsoft.com/office/drawing/2010/main" val="0"/>
+              </a:ext>
+            </a:extLst>
+          </a:blip>
+          <a:stretch>
+            <a:fillRect/>
+          </a:stretch>
+        </p:blipFill>
+        <p:spPr>
+          <a:xfrm>
+            <a:off x="5962442" y="4911139"/>
+            <a:ext cx="1366143" cy="1417638"/>
+          </a:xfrm>
+          <a:prstGeom prst="rect">
+            <a:avLst/>
+          </a:prstGeom>
+        </p:spPr>
+      </p:pic>
+    </p:spTree>
+    <p:extLst>
+      <p:ext uri="{BB962C8B-B14F-4D97-AF65-F5344CB8AC3E}">
+        <p14:creationId xmlns:p14="http://schemas.microsoft.com/office/powerpoint/2010/main" val="3984978690"/>
+      </p:ext>
+    </p:extLst>
+  </p:cSld>
+  <p:clrMapOvr>
+    <a:masterClrMapping/>
+  </p:clrMapOvr>
+  <p:timing>
+    <p:tnLst>
+      <p:par>
+        <p:cTn xmlns:p14="http://schemas.microsoft.com/office/powerpoint/2010/main" id="1" dur="indefinite" restart="never" nodeType="tmRoot">
+          <p:childTnLst>
+            <p:seq concurrent="1" nextAc="seek">
+              <p:cTn id="2" dur="indefinite" nodeType="mainSeq">
+                <p:childTnLst>
+                  <p:par>
+                    <p:cTn id="3" fill="hold">
+                      <p:stCondLst>
+                        <p:cond delay="indefinite"/>
+                      </p:stCondLst>
+                      <p:childTnLst>
+                        <p:par>
+                          <p:cTn id="4" fill="hold">
+                            <p:stCondLst>
+                              <p:cond delay="0"/>
+                            </p:stCondLst>
+                            <p:childTnLst>
+                              <p:par>
+                                <p:cTn id="5" presetID="1" presetClass="entr" presetSubtype="0" fill="hold" grpId="0" nodeType="clickEffect">
+                                  <p:stCondLst>
+                                    <p:cond delay="0"/>
+                                  </p:stCondLst>
+                                  <p:childTnLst>
+                                    <p:set>
+                                      <p:cBhvr>
+                                        <p:cTn id="6" dur="1" fill="hold">
+                                          <p:stCondLst>
+                                            <p:cond delay="0"/>
+                                          </p:stCondLst>
+                                        </p:cTn>
+                                        <p:tgtEl>
+                                          <p:spTgt spid="3">
+                                            <p:txEl>
+                                              <p:pRg st="0" end="0"/>
+                                            </p:txEl>
+                                          </p:spTgt>
+                                        </p:tgtEl>
+                                        <p:attrNameLst>
+                                          <p:attrName>style.visibility</p:attrName>
+                                        </p:attrNameLst>
+                                      </p:cBhvr>
+                                      <p:to>
+                                        <p:strVal val="visible"/>
+                                      </p:to>
+                                    </p:set>
+                                  </p:childTnLst>
+                                </p:cTn>
+                              </p:par>
+                            </p:childTnLst>
+                          </p:cTn>
+                        </p:par>
+                      </p:childTnLst>
+                    </p:cTn>
+                  </p:par>
+                  <p:par>
+                    <p:cTn id="7" fill="hold">
+                      <p:stCondLst>
+                        <p:cond delay="indefinite"/>
+                      </p:stCondLst>
+                      <p:childTnLst>
+                        <p:par>
+                          <p:cTn id="8" fill="hold">
+                            <p:stCondLst>
+                              <p:cond delay="0"/>
+                            </p:stCondLst>
+                            <p:childTnLst>
+                              <p:par>
+                                <p:cTn id="9" presetID="1" presetClass="entr" presetSubtype="0" fill="hold" grpId="0" nodeType="clickEffect">
+                                  <p:stCondLst>
+                                    <p:cond delay="0"/>
+                                  </p:stCondLst>
+                                  <p:childTnLst>
+                                    <p:set>
+                                      <p:cBhvr>
+                                        <p:cTn id="10" dur="1" fill="hold">
+                                          <p:stCondLst>
+                                            <p:cond delay="0"/>
+                                          </p:stCondLst>
+                                        </p:cTn>
+                                        <p:tgtEl>
+                                          <p:spTgt spid="3">
+                                            <p:txEl>
+                                              <p:pRg st="1" end="1"/>
+                                            </p:txEl>
+                                          </p:spTgt>
+                                        </p:tgtEl>
+                                        <p:attrNameLst>
+                                          <p:attrName>style.visibility</p:attrName>
+                                        </p:attrNameLst>
+                                      </p:cBhvr>
+                                      <p:to>
+                                        <p:strVal val="visible"/>
+                                      </p:to>
+                                    </p:set>
+                                  </p:childTnLst>
+                                </p:cTn>
+                              </p:par>
+                            </p:childTnLst>
+                          </p:cTn>
+                        </p:par>
+                      </p:childTnLst>
+                    </p:cTn>
+                  </p:par>
+                  <p:par>
+                    <p:cTn id="11" fill="hold">
+                      <p:stCondLst>
+                        <p:cond delay="indefinite"/>
+                      </p:stCondLst>
+                      <p:childTnLst>
+                        <p:par>
+                          <p:cTn id="12" fill="hold">
+                            <p:stCondLst>
+                              <p:cond delay="0"/>
+                            </p:stCondLst>
+                            <p:childTnLst>
+                              <p:par>
+                                <p:cTn id="13" presetID="1" presetClass="entr" presetSubtype="0" fill="hold" grpId="0" nodeType="clickEffect">
+                                  <p:stCondLst>
+                                    <p:cond delay="0"/>
+                                  </p:stCondLst>
+                                  <p:childTnLst>
+                                    <p:set>
+                                      <p:cBhvr>
+                                        <p:cTn id="14" dur="1" fill="hold">
+                                          <p:stCondLst>
+                                            <p:cond delay="0"/>
+                                          </p:stCondLst>
+                                        </p:cTn>
+                                        <p:tgtEl>
+                                          <p:spTgt spid="3">
+                                            <p:txEl>
+                                              <p:pRg st="2" end="2"/>
+                                            </p:txEl>
+                                          </p:spTgt>
+                                        </p:tgtEl>
+                                        <p:attrNameLst>
+                                          <p:attrName>style.visibility</p:attrName>
+                                        </p:attrNameLst>
+                                      </p:cBhvr>
+                                      <p:to>
+                                        <p:strVal val="visible"/>
+                                      </p:to>
+                                    </p:set>
+                                  </p:childTnLst>
+                                </p:cTn>
+                              </p:par>
+                            </p:childTnLst>
+                          </p:cTn>
+                        </p:par>
+                      </p:childTnLst>
+                    </p:cTn>
+                  </p:par>
+                  <p:par>
+                    <p:cTn id="15" fill="hold">
+                      <p:stCondLst>
+                        <p:cond delay="indefinite"/>
+                      </p:stCondLst>
+                      <p:childTnLst>
+                        <p:par>
+                          <p:cTn id="16" fill="hold">
+                            <p:stCondLst>
+                              <p:cond delay="0"/>
+                            </p:stCondLst>
+                            <p:childTnLst>
+                              <p:par>
+                                <p:cTn id="17" presetID="1" presetClass="entr" presetSubtype="0" fill="hold" grpId="0" nodeType="clickEffect">
+                                  <p:stCondLst>
+                                    <p:cond delay="0"/>
+                                  </p:stCondLst>
+                                  <p:childTnLst>
+                                    <p:set>
+                                      <p:cBhvr>
+                                        <p:cTn id="18" dur="1" fill="hold">
+                                          <p:stCondLst>
+                                            <p:cond delay="0"/>
+                                          </p:stCondLst>
+                                        </p:cTn>
+                                        <p:tgtEl>
+                                          <p:spTgt spid="3">
+                                            <p:txEl>
+                                              <p:pRg st="3" end="3"/>
+                                            </p:txEl>
+                                          </p:spTgt>
+                                        </p:tgtEl>
+                                        <p:attrNameLst>
+                                          <p:attrName>style.visibility</p:attrName>
+                                        </p:attrNameLst>
+                                      </p:cBhvr>
+                                      <p:to>
+                                        <p:strVal val="visible"/>
+                                      </p:to>
+                                    </p:set>
+                                  </p:childTnLst>
+                                </p:cTn>
+                              </p:par>
+                            </p:childTnLst>
+                          </p:cTn>
+                        </p:par>
+                      </p:childTnLst>
+                    </p:cTn>
+                  </p:par>
+                  <p:par>
+                    <p:cTn id="19" fill="hold">
+                      <p:stCondLst>
+                        <p:cond delay="indefinite"/>
+                      </p:stCondLst>
+                      <p:childTnLst>
+                        <p:par>
+                          <p:cTn id="20" fill="hold">
+                            <p:stCondLst>
+                              <p:cond delay="0"/>
+                            </p:stCondLst>
+                            <p:childTnLst>
+                              <p:par>
+                                <p:cTn id="21" presetID="1" presetClass="entr" presetSubtype="0" fill="hold" grpId="0" nodeType="clickEffect">
+                                  <p:stCondLst>
+                                    <p:cond delay="0"/>
+                                  </p:stCondLst>
+                                  <p:childTnLst>
+                                    <p:set>
+                                      <p:cBhvr>
+                                        <p:cTn id="22" dur="1" fill="hold">
+                                          <p:stCondLst>
+                                            <p:cond delay="0"/>
+                                          </p:stCondLst>
+                                        </p:cTn>
+                                        <p:tgtEl>
+                                          <p:spTgt spid="3">
+                                            <p:txEl>
+                                              <p:pRg st="4" end="4"/>
+                                            </p:txEl>
+                                          </p:spTgt>
+                                        </p:tgtEl>
+                                        <p:attrNameLst>
+                                          <p:attrName>style.visibility</p:attrName>
+                                        </p:attrNameLst>
+                                      </p:cBhvr>
+                                      <p:to>
+                                        <p:strVal val="visible"/>
+                                      </p:to>
+                                    </p:set>
+                                  </p:childTnLst>
+                                </p:cTn>
+                              </p:par>
+                            </p:childTnLst>
+                          </p:cTn>
+                        </p:par>
+                      </p:childTnLst>
+                    </p:cTn>
+                  </p:par>
+                </p:childTnLst>
+              </p:cTn>
+              <p:prevCondLst>
+                <p:cond evt="onPrev" delay="0">
+                  <p:tgtEl>
+                    <p:sldTgt/>
+                  </p:tgtEl>
+                </p:cond>
+              </p:prevCondLst>
+              <p:nextCondLst>
+                <p:cond evt="onNext" delay="0">
+                  <p:tgtEl>
+                    <p:sldTgt/>
+                  </p:tgtEl>
+                </p:cond>
+              </p:nextCondLst>
+            </p:seq>
+          </p:childTnLst>
+        </p:cTn>
+      </p:par>
+    </p:tnLst>
+    <p:bldLst>
+      <p:bldP spid="3" grpId="0" build="p"/>
+    </p:bldLst>
+  </p:timing>
+</p:sld>
+</file>
+
+<file path=ppt/slides/slide14.xml><?xml version="1.0" encoding="utf-8"?>
+<p:sld xmlns:a="http://schemas.openxmlformats.org/drawingml/2006/main" xmlns:r="http://schemas.openxmlformats.org/officeDocument/2006/relationships" xmlns:p="http://schemas.openxmlformats.org/presentationml/2006/main">
+  <p:cSld>
+    <p:spTree>
+      <p:nvGrpSpPr>
+        <p:cNvPr id="1" name=""/>
+        <p:cNvGrpSpPr/>
+        <p:nvPr/>
+      </p:nvGrpSpPr>
+      <p:grpSpPr>
+        <a:xfrm>
+          <a:off x="0" y="0"/>
+          <a:ext cx="0" cy="0"/>
+          <a:chOff x="0" y="0"/>
+          <a:chExt cx="0" cy="0"/>
+        </a:xfrm>
+      </p:grpSpPr>
+      <p:sp>
+        <p:nvSpPr>
+          <p:cNvPr id="2" name="Rubrik 1"/>
+          <p:cNvSpPr>
+            <a:spLocks noGrp="1"/>
+          </p:cNvSpPr>
+          <p:nvPr>
+            <p:ph type="title"/>
+          </p:nvPr>
+        </p:nvSpPr>
         <p:spPr>
           <a:xfrm>
             <a:off x="457200" y="2401269"/>
@@ -4517,7 +4964,7 @@
 </p:sld>
 </file>
 
-<file path=ppt/slides/slide14.xml><?xml version="1.0" encoding="utf-8"?>
+<file path=ppt/slides/slide15.xml><?xml version="1.0" encoding="utf-8"?>
 <p:sld xmlns:a="http://schemas.openxmlformats.org/drawingml/2006/main" xmlns:r="http://schemas.openxmlformats.org/officeDocument/2006/relationships" xmlns:p="http://schemas.openxmlformats.org/presentationml/2006/main">
   <p:cSld>
     <p:bg>
@@ -5105,7 +5552,7 @@
 </p:sld>
 </file>
 
-<file path=ppt/slides/slide15.xml><?xml version="1.0" encoding="utf-8"?>
+<file path=ppt/slides/slide16.xml><?xml version="1.0" encoding="utf-8"?>
 <p:sld xmlns:a="http://schemas.openxmlformats.org/drawingml/2006/main" xmlns:r="http://schemas.openxmlformats.org/officeDocument/2006/relationships" xmlns:p="http://schemas.openxmlformats.org/presentationml/2006/main">
   <p:cSld>
     <p:spTree>
@@ -5132,6 +5579,94 @@
             <p:ph type="title"/>
           </p:nvPr>
         </p:nvSpPr>
+        <p:spPr>
+          <a:xfrm>
+            <a:off x="457200" y="1417638"/>
+            <a:ext cx="8229600" cy="1143000"/>
+          </a:xfrm>
+        </p:spPr>
+        <p:txBody>
+          <a:bodyPr/>
+          <a:lstStyle/>
+          <a:p>
+            <a:r>
+              <a:rPr lang="sv-SE" dirty="0" err="1" smtClean="0"/>
+              <a:t>GrowTime</a:t>
+            </a:r>
+            <a:endParaRPr lang="sv-SE" dirty="0"/>
+          </a:p>
+        </p:txBody>
+      </p:sp>
+      <p:pic>
+        <p:nvPicPr>
+          <p:cNvPr id="4" name="Bildobjekt 3" descr="flower_100.png"/>
+          <p:cNvPicPr>
+            <a:picLocks noChangeAspect="1"/>
+          </p:cNvPicPr>
+          <p:nvPr/>
+        </p:nvPicPr>
+        <p:blipFill>
+          <a:blip r:embed="rId2">
+            <a:extLst>
+              <a:ext uri="{28A0092B-C50C-407E-A947-70E740481C1C}">
+                <a14:useLocalDpi xmlns:a14="http://schemas.microsoft.com/office/drawing/2010/main" val="0"/>
+              </a:ext>
+            </a:extLst>
+          </a:blip>
+          <a:stretch>
+            <a:fillRect/>
+          </a:stretch>
+        </p:blipFill>
+        <p:spPr>
+          <a:xfrm>
+            <a:off x="3213599" y="2560638"/>
+            <a:ext cx="2816056" cy="2922204"/>
+          </a:xfrm>
+          <a:prstGeom prst="rect">
+            <a:avLst/>
+          </a:prstGeom>
+        </p:spPr>
+      </p:pic>
+    </p:spTree>
+    <p:extLst>
+      <p:ext uri="{BB962C8B-B14F-4D97-AF65-F5344CB8AC3E}">
+        <p14:creationId xmlns:p14="http://schemas.microsoft.com/office/powerpoint/2010/main" val="42742665"/>
+      </p:ext>
+    </p:extLst>
+  </p:cSld>
+  <p:clrMapOvr>
+    <a:masterClrMapping/>
+  </p:clrMapOvr>
+</p:sld>
+</file>
+
+<file path=ppt/slides/slide17.xml><?xml version="1.0" encoding="utf-8"?>
+<p:sld xmlns:a="http://schemas.openxmlformats.org/drawingml/2006/main" xmlns:r="http://schemas.openxmlformats.org/officeDocument/2006/relationships" xmlns:p="http://schemas.openxmlformats.org/presentationml/2006/main">
+  <p:cSld>
+    <p:spTree>
+      <p:nvGrpSpPr>
+        <p:cNvPr id="1" name=""/>
+        <p:cNvGrpSpPr/>
+        <p:nvPr/>
+      </p:nvGrpSpPr>
+      <p:grpSpPr>
+        <a:xfrm>
+          <a:off x="0" y="0"/>
+          <a:ext cx="0" cy="0"/>
+          <a:chOff x="0" y="0"/>
+          <a:chExt cx="0" cy="0"/>
+        </a:xfrm>
+      </p:grpSpPr>
+      <p:sp>
+        <p:nvSpPr>
+          <p:cNvPr id="2" name="Rubrik 1"/>
+          <p:cNvSpPr>
+            <a:spLocks noGrp="1"/>
+          </p:cNvSpPr>
+          <p:nvPr>
+            <p:ph type="title"/>
+          </p:nvPr>
+        </p:nvSpPr>
         <p:spPr/>
         <p:txBody>
           <a:bodyPr/>
@@ -5218,6 +5753,36 @@
           </a:p>
         </p:txBody>
       </p:sp>
+      <p:pic>
+        <p:nvPicPr>
+          <p:cNvPr id="4" name="Bildobjekt 3" descr="grass.png"/>
+          <p:cNvPicPr>
+            <a:picLocks noChangeAspect="1"/>
+          </p:cNvPicPr>
+          <p:nvPr/>
+        </p:nvPicPr>
+        <p:blipFill>
+          <a:blip r:embed="rId2">
+            <a:extLst>
+              <a:ext uri="{28A0092B-C50C-407E-A947-70E740481C1C}">
+                <a14:useLocalDpi xmlns:a14="http://schemas.microsoft.com/office/drawing/2010/main" val="0"/>
+              </a:ext>
+            </a:extLst>
+          </a:blip>
+          <a:stretch>
+            <a:fillRect/>
+          </a:stretch>
+        </p:blipFill>
+        <p:spPr>
+          <a:xfrm>
+            <a:off x="0" y="5596128"/>
+            <a:ext cx="9144000" cy="1261872"/>
+          </a:xfrm>
+          <a:prstGeom prst="rect">
+            <a:avLst/>
+          </a:prstGeom>
+        </p:spPr>
+      </p:pic>
     </p:spTree>
     <p:extLst>
       <p:ext uri="{BB962C8B-B14F-4D97-AF65-F5344CB8AC3E}">
@@ -5460,9 +6025,20 @@
 </p:sld>
 </file>
 
-<file path=ppt/slides/slide16.xml><?xml version="1.0" encoding="utf-8"?>
+<file path=ppt/slides/slide2.xml><?xml version="1.0" encoding="utf-8"?>
 <p:sld xmlns:a="http://schemas.openxmlformats.org/drawingml/2006/main" xmlns:r="http://schemas.openxmlformats.org/officeDocument/2006/relationships" xmlns:p="http://schemas.openxmlformats.org/presentationml/2006/main">
   <p:cSld>
+    <p:bg>
+      <p:bgPr>
+        <a:blipFill rotWithShape="1">
+          <a:blip r:embed="rId2"/>
+          <a:stretch>
+            <a:fillRect/>
+          </a:stretch>
+        </a:blipFill>
+        <a:effectLst/>
+      </p:bgPr>
+    </p:bg>
     <p:spTree>
       <p:nvGrpSpPr>
         <p:cNvPr id="1" name=""/>
@@ -5477,70 +6053,172 @@
           <a:chExt cx="0" cy="0"/>
         </a:xfrm>
       </p:grpSpPr>
-      <p:sp>
-        <p:nvSpPr>
-          <p:cNvPr id="4" name="textruta 3"/>
-          <p:cNvSpPr txBox="1"/>
+      <p:pic>
+        <p:nvPicPr>
+          <p:cNvPr id="5" name="Bildobjekt 4" descr="logo.png"/>
+          <p:cNvPicPr>
+            <a:picLocks noChangeAspect="1"/>
+          </p:cNvPicPr>
           <p:nvPr/>
-        </p:nvSpPr>
-        <p:spPr>
-          <a:xfrm>
-            <a:off x="349250" y="5740916"/>
-            <a:ext cx="8688917" cy="461665"/>
+        </p:nvPicPr>
+        <p:blipFill>
+          <a:blip r:embed="rId3">
+            <a:extLst>
+              <a:ext uri="{28A0092B-C50C-407E-A947-70E740481C1C}">
+                <a14:useLocalDpi xmlns:a14="http://schemas.microsoft.com/office/drawing/2010/main" val="0"/>
+              </a:ext>
+            </a:extLst>
+          </a:blip>
+          <a:stretch>
+            <a:fillRect/>
+          </a:stretch>
+        </p:blipFill>
+        <p:spPr>
+          <a:xfrm>
+            <a:off x="2262637" y="664373"/>
+            <a:ext cx="4672584" cy="2331720"/>
           </a:xfrm>
           <a:prstGeom prst="rect">
             <a:avLst/>
           </a:prstGeom>
-          <a:noFill/>
-        </p:spPr>
-        <p:txBody>
-          <a:bodyPr wrap="square" rtlCol="0">
-            <a:spAutoFit/>
-          </a:bodyPr>
-          <a:lstStyle/>
-          <a:p>
-            <a:r>
-              <a:rPr lang="sv-SE" sz="2400" dirty="0" smtClean="0"/>
-              <a:t>Camilla Eriksson, Anne-Lie Bäck, Markus Karlsson, Lisa Bengtsson</a:t>
-            </a:r>
-            <a:endParaRPr lang="sv-SE" sz="2400" dirty="0"/>
-          </a:p>
-        </p:txBody>
-      </p:sp>
-      <p:sp>
-        <p:nvSpPr>
-          <p:cNvPr id="5" name="textruta 4"/>
-          <p:cNvSpPr txBox="1"/>
+        </p:spPr>
+      </p:pic>
+      <p:pic>
+        <p:nvPicPr>
+          <p:cNvPr id="6" name="Bildobjekt 5"/>
+          <p:cNvPicPr>
+            <a:picLocks noChangeAspect="1"/>
+          </p:cNvPicPr>
           <p:nvPr/>
-        </p:nvSpPr>
-        <p:spPr>
-          <a:xfrm>
-            <a:off x="349250" y="5371584"/>
-            <a:ext cx="2169583" cy="369332"/>
+        </p:nvPicPr>
+        <p:blipFill>
+          <a:blip r:embed="rId4">
+            <a:extLst>
+              <a:ext uri="{28A0092B-C50C-407E-A947-70E740481C1C}">
+                <a14:useLocalDpi xmlns:a14="http://schemas.microsoft.com/office/drawing/2010/main" val="0"/>
+              </a:ext>
+            </a:extLst>
+          </a:blip>
+          <a:stretch>
+            <a:fillRect/>
+          </a:stretch>
+        </p:blipFill>
+        <p:spPr>
+          <a:xfrm>
+            <a:off x="3957017" y="3299820"/>
+            <a:ext cx="1316442" cy="1366065"/>
           </a:xfrm>
           <a:prstGeom prst="rect">
             <a:avLst/>
           </a:prstGeom>
-          <a:noFill/>
-        </p:spPr>
-        <p:txBody>
-          <a:bodyPr wrap="square" rtlCol="0">
-            <a:spAutoFit/>
-          </a:bodyPr>
-          <a:lstStyle/>
-          <a:p>
-            <a:r>
-              <a:rPr lang="sv-SE" dirty="0" smtClean="0"/>
-              <a:t>Av:</a:t>
-            </a:r>
-            <a:endParaRPr lang="sv-SE" dirty="0"/>
-          </a:p>
-        </p:txBody>
-      </p:sp>
+        </p:spPr>
+      </p:pic>
+      <p:cxnSp>
+        <p:nvCxnSpPr>
+          <p:cNvPr id="9" name="Rak 8"/>
+          <p:cNvCxnSpPr/>
+          <p:nvPr/>
+        </p:nvCxnSpPr>
+        <p:spPr>
+          <a:xfrm flipH="1">
+            <a:off x="4571978" y="4665885"/>
+            <a:ext cx="11489" cy="1049115"/>
+          </a:xfrm>
+          <a:prstGeom prst="line">
+            <a:avLst/>
+          </a:prstGeom>
+          <a:ln>
+            <a:solidFill>
+              <a:srgbClr val="008000"/>
+            </a:solidFill>
+          </a:ln>
+          <a:effectLst>
+            <a:outerShdw blurRad="40000" dist="20000" dir="5400000" rotWithShape="0">
+              <a:srgbClr val="008000">
+                <a:alpha val="38000"/>
+              </a:srgbClr>
+            </a:outerShdw>
+          </a:effectLst>
+        </p:spPr>
+        <p:style>
+          <a:lnRef idx="2">
+            <a:schemeClr val="accent1"/>
+          </a:lnRef>
+          <a:fillRef idx="0">
+            <a:schemeClr val="accent1"/>
+          </a:fillRef>
+          <a:effectRef idx="1">
+            <a:schemeClr val="accent1"/>
+          </a:effectRef>
+          <a:fontRef idx="minor">
+            <a:schemeClr val="tx1"/>
+          </a:fontRef>
+        </p:style>
+      </p:cxnSp>
+      <p:pic>
+        <p:nvPicPr>
+          <p:cNvPr id="11" name="Bildobjekt 10" descr="grass.png"/>
+          <p:cNvPicPr>
+            <a:picLocks noChangeAspect="1"/>
+          </p:cNvPicPr>
+          <p:nvPr/>
+        </p:nvPicPr>
+        <p:blipFill>
+          <a:blip r:embed="rId5">
+            <a:extLst>
+              <a:ext uri="{28A0092B-C50C-407E-A947-70E740481C1C}">
+                <a14:useLocalDpi xmlns:a14="http://schemas.microsoft.com/office/drawing/2010/main" val="0"/>
+              </a:ext>
+            </a:extLst>
+          </a:blip>
+          <a:stretch>
+            <a:fillRect/>
+          </a:stretch>
+        </p:blipFill>
+        <p:spPr>
+          <a:xfrm>
+            <a:off x="-66958" y="5596128"/>
+            <a:ext cx="9210958" cy="1261872"/>
+          </a:xfrm>
+          <a:prstGeom prst="rect">
+            <a:avLst/>
+          </a:prstGeom>
+        </p:spPr>
+      </p:pic>
+      <p:pic>
+        <p:nvPicPr>
+          <p:cNvPr id="10" name="Bildobjekt 9" descr="pot.png"/>
+          <p:cNvPicPr>
+            <a:picLocks noChangeAspect="1"/>
+          </p:cNvPicPr>
+          <p:nvPr/>
+        </p:nvPicPr>
+        <p:blipFill>
+          <a:blip r:embed="rId6">
+            <a:extLst>
+              <a:ext uri="{28A0092B-C50C-407E-A947-70E740481C1C}">
+                <a14:useLocalDpi xmlns:a14="http://schemas.microsoft.com/office/drawing/2010/main" val="0"/>
+              </a:ext>
+            </a:extLst>
+          </a:blip>
+          <a:stretch>
+            <a:fillRect/>
+          </a:stretch>
+        </p:blipFill>
+        <p:spPr>
+          <a:xfrm>
+            <a:off x="3953455" y="5330833"/>
+            <a:ext cx="1237046" cy="1002433"/>
+          </a:xfrm>
+          <a:prstGeom prst="rect">
+            <a:avLst/>
+          </a:prstGeom>
+        </p:spPr>
+      </p:pic>
     </p:spTree>
     <p:extLst>
       <p:ext uri="{BB962C8B-B14F-4D97-AF65-F5344CB8AC3E}">
-        <p14:creationId xmlns:p14="http://schemas.microsoft.com/office/powerpoint/2010/main" val="3207220690"/>
+        <p14:creationId xmlns:p14="http://schemas.microsoft.com/office/powerpoint/2010/main" val="40493605"/>
       </p:ext>
     </p:extLst>
   </p:cSld>
@@ -5557,7 +6235,7 @@
 </p:sld>
 </file>
 
-<file path=ppt/slides/slide2.xml><?xml version="1.0" encoding="utf-8"?>
+<file path=ppt/slides/slide3.xml><?xml version="1.0" encoding="utf-8"?>
 <p:sld xmlns:a="http://schemas.openxmlformats.org/drawingml/2006/main" xmlns:r="http://schemas.openxmlformats.org/officeDocument/2006/relationships" xmlns:p="http://schemas.openxmlformats.org/presentationml/2006/main">
   <p:cSld>
     <p:spTree>
@@ -6344,7 +7022,7 @@
 </p:sld>
 </file>
 
-<file path=ppt/slides/slide3.xml><?xml version="1.0" encoding="utf-8"?>
+<file path=ppt/slides/slide4.xml><?xml version="1.0" encoding="utf-8"?>
 <p:sld xmlns:a="http://schemas.openxmlformats.org/drawingml/2006/main" xmlns:r="http://schemas.openxmlformats.org/officeDocument/2006/relationships" xmlns:p="http://schemas.openxmlformats.org/presentationml/2006/main">
   <p:cSld>
     <p:spTree>
@@ -6471,7 +7149,7 @@
 </p:sld>
 </file>
 
-<file path=ppt/slides/slide4.xml><?xml version="1.0" encoding="utf-8"?>
+<file path=ppt/slides/slide5.xml><?xml version="1.0" encoding="utf-8"?>
 <p:sld xmlns:a="http://schemas.openxmlformats.org/drawingml/2006/main" xmlns:r="http://schemas.openxmlformats.org/officeDocument/2006/relationships" xmlns:p="http://schemas.openxmlformats.org/presentationml/2006/main">
   <p:cSld>
     <p:spTree>
@@ -6538,7 +7216,7 @@
 </p:sld>
 </file>
 
-<file path=ppt/slides/slide5.xml><?xml version="1.0" encoding="utf-8"?>
+<file path=ppt/slides/slide6.xml><?xml version="1.0" encoding="utf-8"?>
 <p:sld xmlns:a="http://schemas.openxmlformats.org/drawingml/2006/main" xmlns:r="http://schemas.openxmlformats.org/officeDocument/2006/relationships" xmlns:p="http://schemas.openxmlformats.org/presentationml/2006/main">
   <p:cSld>
     <p:spTree>
@@ -6635,7 +7313,7 @@
 </p:sld>
 </file>
 
-<file path=ppt/slides/slide6.xml><?xml version="1.0" encoding="utf-8"?>
+<file path=ppt/slides/slide7.xml><?xml version="1.0" encoding="utf-8"?>
 <p:sld xmlns:a="http://schemas.openxmlformats.org/drawingml/2006/main" xmlns:r="http://schemas.openxmlformats.org/officeDocument/2006/relationships" xmlns:p="http://schemas.openxmlformats.org/presentationml/2006/main">
   <p:cSld>
     <p:spTree>
@@ -6730,7 +7408,7 @@
 </p:sld>
 </file>
 
-<file path=ppt/slides/slide7.xml><?xml version="1.0" encoding="utf-8"?>
+<file path=ppt/slides/slide8.xml><?xml version="1.0" encoding="utf-8"?>
 <p:sld xmlns:a="http://schemas.openxmlformats.org/drawingml/2006/main" xmlns:r="http://schemas.openxmlformats.org/officeDocument/2006/relationships" xmlns:p="http://schemas.openxmlformats.org/presentationml/2006/main">
   <p:cSld>
     <p:spTree>
@@ -6796,7 +7474,7 @@
 </p:sld>
 </file>
 
-<file path=ppt/slides/slide8.xml><?xml version="1.0" encoding="utf-8"?>
+<file path=ppt/slides/slide9.xml><?xml version="1.0" encoding="utf-8"?>
 <p:sld xmlns:a="http://schemas.openxmlformats.org/drawingml/2006/main" xmlns:r="http://schemas.openxmlformats.org/officeDocument/2006/relationships" xmlns:p="http://schemas.openxmlformats.org/presentationml/2006/main">
   <p:cSld>
     <p:spTree>
@@ -6949,382 +7627,6 @@
         <p:cTn xmlns:p14="http://schemas.microsoft.com/office/powerpoint/2010/main" id="1" dur="indefinite" restart="never" nodeType="tmRoot"/>
       </p:par>
     </p:tnLst>
-  </p:timing>
-</p:sld>
-</file>
-
-<file path=ppt/slides/slide9.xml><?xml version="1.0" encoding="utf-8"?>
-<p:sld xmlns:a="http://schemas.openxmlformats.org/drawingml/2006/main" xmlns:r="http://schemas.openxmlformats.org/officeDocument/2006/relationships" xmlns:p="http://schemas.openxmlformats.org/presentationml/2006/main">
-  <p:cSld>
-    <p:spTree>
-      <p:nvGrpSpPr>
-        <p:cNvPr id="1" name=""/>
-        <p:cNvGrpSpPr/>
-        <p:nvPr/>
-      </p:nvGrpSpPr>
-      <p:grpSpPr>
-        <a:xfrm>
-          <a:off x="0" y="0"/>
-          <a:ext cx="0" cy="0"/>
-          <a:chOff x="0" y="0"/>
-          <a:chExt cx="0" cy="0"/>
-        </a:xfrm>
-      </p:grpSpPr>
-      <p:sp>
-        <p:nvSpPr>
-          <p:cNvPr id="6" name="textruta 5"/>
-          <p:cNvSpPr txBox="1"/>
-          <p:nvPr/>
-        </p:nvSpPr>
-        <p:spPr>
-          <a:xfrm>
-            <a:off x="416975" y="137695"/>
-            <a:ext cx="7478118" cy="523220"/>
-          </a:xfrm>
-          <a:prstGeom prst="rect">
-            <a:avLst/>
-          </a:prstGeom>
-          <a:noFill/>
-        </p:spPr>
-        <p:txBody>
-          <a:bodyPr wrap="square" rtlCol="0">
-            <a:spAutoFit/>
-          </a:bodyPr>
-          <a:lstStyle/>
-          <a:p>
-            <a:r>
-              <a:rPr lang="sv-SE" sz="2800" dirty="0" smtClean="0"/>
-              <a:t>Exempel på hur spelet i sin enkelhet fungerar:</a:t>
-            </a:r>
-          </a:p>
-        </p:txBody>
-      </p:sp>
-      <p:pic>
-        <p:nvPicPr>
-          <p:cNvPr id="21" name="Bildobjekt 20" descr="Screen Shot 2020-01-08 at 14.27.33.png"/>
-          <p:cNvPicPr>
-            <a:picLocks noChangeAspect="1"/>
-          </p:cNvPicPr>
-          <p:nvPr/>
-        </p:nvPicPr>
-        <p:blipFill>
-          <a:blip r:embed="rId2">
-            <a:extLst>
-              <a:ext uri="{28A0092B-C50C-407E-A947-70E740481C1C}">
-                <a14:useLocalDpi xmlns:a14="http://schemas.microsoft.com/office/drawing/2010/main" val="0"/>
-              </a:ext>
-            </a:extLst>
-          </a:blip>
-          <a:stretch>
-            <a:fillRect/>
-          </a:stretch>
-        </p:blipFill>
-        <p:spPr>
-          <a:xfrm>
-            <a:off x="580075" y="868856"/>
-            <a:ext cx="6440848" cy="5662083"/>
-          </a:xfrm>
-          <a:prstGeom prst="rect">
-            <a:avLst/>
-          </a:prstGeom>
-        </p:spPr>
-      </p:pic>
-      <p:sp>
-        <p:nvSpPr>
-          <p:cNvPr id="17" name="Rektangel 16"/>
-          <p:cNvSpPr/>
-          <p:nvPr/>
-        </p:nvSpPr>
-        <p:spPr>
-          <a:xfrm>
-            <a:off x="636433" y="1058221"/>
-            <a:ext cx="2772833" cy="1068916"/>
-          </a:xfrm>
-          <a:prstGeom prst="rect">
-            <a:avLst/>
-          </a:prstGeom>
-          <a:noFill/>
-        </p:spPr>
-        <p:style>
-          <a:lnRef idx="2">
-            <a:schemeClr val="accent2"/>
-          </a:lnRef>
-          <a:fillRef idx="1">
-            <a:schemeClr val="lt1"/>
-          </a:fillRef>
-          <a:effectRef idx="0">
-            <a:schemeClr val="accent2"/>
-          </a:effectRef>
-          <a:fontRef idx="minor">
-            <a:schemeClr val="dk1"/>
-          </a:fontRef>
-        </p:style>
-        <p:txBody>
-          <a:bodyPr rtlCol="0" anchor="ctr"/>
-          <a:lstStyle/>
-          <a:p>
-            <a:pPr algn="ctr"/>
-            <a:endParaRPr lang="sv-SE"/>
-          </a:p>
-        </p:txBody>
-      </p:sp>
-      <p:sp>
-        <p:nvSpPr>
-          <p:cNvPr id="19" name="Rektangel 18"/>
-          <p:cNvSpPr/>
-          <p:nvPr/>
-        </p:nvSpPr>
-        <p:spPr>
-          <a:xfrm>
-            <a:off x="860691" y="4614333"/>
-            <a:ext cx="1682750" cy="560917"/>
-          </a:xfrm>
-          <a:prstGeom prst="rect">
-            <a:avLst/>
-          </a:prstGeom>
-          <a:noFill/>
-        </p:spPr>
-        <p:style>
-          <a:lnRef idx="2">
-            <a:schemeClr val="accent2"/>
-          </a:lnRef>
-          <a:fillRef idx="1">
-            <a:schemeClr val="lt1"/>
-          </a:fillRef>
-          <a:effectRef idx="0">
-            <a:schemeClr val="accent2"/>
-          </a:effectRef>
-          <a:fontRef idx="minor">
-            <a:schemeClr val="dk1"/>
-          </a:fontRef>
-        </p:style>
-        <p:txBody>
-          <a:bodyPr rtlCol="0" anchor="ctr"/>
-          <a:lstStyle/>
-          <a:p>
-            <a:pPr algn="ctr"/>
-            <a:endParaRPr lang="sv-SE"/>
-          </a:p>
-        </p:txBody>
-      </p:sp>
-      <p:sp>
-        <p:nvSpPr>
-          <p:cNvPr id="20" name="Rektangel 19"/>
-          <p:cNvSpPr/>
-          <p:nvPr/>
-        </p:nvSpPr>
-        <p:spPr>
-          <a:xfrm>
-            <a:off x="860691" y="5323417"/>
-            <a:ext cx="2229642" cy="857250"/>
-          </a:xfrm>
-          <a:prstGeom prst="rect">
-            <a:avLst/>
-          </a:prstGeom>
-          <a:noFill/>
-        </p:spPr>
-        <p:style>
-          <a:lnRef idx="2">
-            <a:schemeClr val="accent2"/>
-          </a:lnRef>
-          <a:fillRef idx="1">
-            <a:schemeClr val="lt1"/>
-          </a:fillRef>
-          <a:effectRef idx="0">
-            <a:schemeClr val="accent2"/>
-          </a:effectRef>
-          <a:fontRef idx="minor">
-            <a:schemeClr val="dk1"/>
-          </a:fontRef>
-        </p:style>
-        <p:txBody>
-          <a:bodyPr rtlCol="0" anchor="ctr"/>
-          <a:lstStyle/>
-          <a:p>
-            <a:pPr algn="ctr"/>
-            <a:endParaRPr lang="sv-SE"/>
-          </a:p>
-        </p:txBody>
-      </p:sp>
-    </p:spTree>
-    <p:extLst>
-      <p:ext uri="{BB962C8B-B14F-4D97-AF65-F5344CB8AC3E}">
-        <p14:creationId xmlns:p14="http://schemas.microsoft.com/office/powerpoint/2010/main" val="1036233130"/>
-      </p:ext>
-    </p:extLst>
-  </p:cSld>
-  <p:clrMapOvr>
-    <a:masterClrMapping/>
-  </p:clrMapOvr>
-  <p:timing>
-    <p:tnLst>
-      <p:par>
-        <p:cTn xmlns:p14="http://schemas.microsoft.com/office/powerpoint/2010/main" id="1" dur="indefinite" restart="never" nodeType="tmRoot">
-          <p:childTnLst>
-            <p:seq concurrent="1" nextAc="seek">
-              <p:cTn id="2" dur="indefinite" nodeType="mainSeq">
-                <p:childTnLst>
-                  <p:par>
-                    <p:cTn id="3" fill="hold">
-                      <p:stCondLst>
-                        <p:cond delay="indefinite"/>
-                      </p:stCondLst>
-                      <p:childTnLst>
-                        <p:par>
-                          <p:cTn id="4" fill="hold">
-                            <p:stCondLst>
-                              <p:cond delay="0"/>
-                            </p:stCondLst>
-                            <p:childTnLst>
-                              <p:par>
-                                <p:cTn id="5" presetID="1" presetClass="entr" presetSubtype="0" fill="hold" grpId="0" nodeType="clickEffect">
-                                  <p:stCondLst>
-                                    <p:cond delay="0"/>
-                                  </p:stCondLst>
-                                  <p:childTnLst>
-                                    <p:set>
-                                      <p:cBhvr>
-                                        <p:cTn id="6" dur="1" fill="hold">
-                                          <p:stCondLst>
-                                            <p:cond delay="0"/>
-                                          </p:stCondLst>
-                                        </p:cTn>
-                                        <p:tgtEl>
-                                          <p:spTgt spid="17"/>
-                                        </p:tgtEl>
-                                        <p:attrNameLst>
-                                          <p:attrName>style.visibility</p:attrName>
-                                        </p:attrNameLst>
-                                      </p:cBhvr>
-                                      <p:to>
-                                        <p:strVal val="visible"/>
-                                      </p:to>
-                                    </p:set>
-                                  </p:childTnLst>
-                                </p:cTn>
-                              </p:par>
-                            </p:childTnLst>
-                          </p:cTn>
-                        </p:par>
-                      </p:childTnLst>
-                    </p:cTn>
-                  </p:par>
-                  <p:par>
-                    <p:cTn id="7" fill="hold">
-                      <p:stCondLst>
-                        <p:cond delay="indefinite"/>
-                      </p:stCondLst>
-                      <p:childTnLst>
-                        <p:par>
-                          <p:cTn id="8" fill="hold">
-                            <p:stCondLst>
-                              <p:cond delay="0"/>
-                            </p:stCondLst>
-                            <p:childTnLst>
-                              <p:par>
-                                <p:cTn id="9" presetID="1" presetClass="entr" presetSubtype="0" fill="hold" grpId="0" nodeType="clickEffect">
-                                  <p:stCondLst>
-                                    <p:cond delay="0"/>
-                                  </p:stCondLst>
-                                  <p:childTnLst>
-                                    <p:set>
-                                      <p:cBhvr>
-                                        <p:cTn id="10" dur="1" fill="hold">
-                                          <p:stCondLst>
-                                            <p:cond delay="0"/>
-                                          </p:stCondLst>
-                                        </p:cTn>
-                                        <p:tgtEl>
-                                          <p:spTgt spid="19"/>
-                                        </p:tgtEl>
-                                        <p:attrNameLst>
-                                          <p:attrName>style.visibility</p:attrName>
-                                        </p:attrNameLst>
-                                      </p:cBhvr>
-                                      <p:to>
-                                        <p:strVal val="visible"/>
-                                      </p:to>
-                                    </p:set>
-                                  </p:childTnLst>
-                                </p:cTn>
-                              </p:par>
-                            </p:childTnLst>
-                          </p:cTn>
-                        </p:par>
-                      </p:childTnLst>
-                    </p:cTn>
-                  </p:par>
-                  <p:par>
-                    <p:cTn id="11" fill="hold">
-                      <p:stCondLst>
-                        <p:cond delay="indefinite"/>
-                      </p:stCondLst>
-                      <p:childTnLst>
-                        <p:par>
-                          <p:cTn id="12" fill="hold">
-                            <p:stCondLst>
-                              <p:cond delay="0"/>
-                            </p:stCondLst>
-                            <p:childTnLst>
-                              <p:par>
-                                <p:cTn id="13" presetID="1" presetClass="entr" presetSubtype="0" fill="hold" grpId="0" nodeType="clickEffect">
-                                  <p:stCondLst>
-                                    <p:cond delay="0"/>
-                                  </p:stCondLst>
-                                  <p:childTnLst>
-                                    <p:set>
-                                      <p:cBhvr>
-                                        <p:cTn id="14" dur="1" fill="hold">
-                                          <p:stCondLst>
-                                            <p:cond delay="0"/>
-                                          </p:stCondLst>
-                                        </p:cTn>
-                                        <p:tgtEl>
-                                          <p:spTgt spid="20"/>
-                                        </p:tgtEl>
-                                        <p:attrNameLst>
-                                          <p:attrName>style.visibility</p:attrName>
-                                        </p:attrNameLst>
-                                      </p:cBhvr>
-                                      <p:to>
-                                        <p:strVal val="visible"/>
-                                      </p:to>
-                                    </p:set>
-                                  </p:childTnLst>
-                                </p:cTn>
-                              </p:par>
-                            </p:childTnLst>
-                          </p:cTn>
-                        </p:par>
-                      </p:childTnLst>
-                    </p:cTn>
-                  </p:par>
-                </p:childTnLst>
-              </p:cTn>
-              <p:prevCondLst>
-                <p:cond evt="onPrev" delay="0">
-                  <p:tgtEl>
-                    <p:sldTgt/>
-                  </p:tgtEl>
-                </p:cond>
-              </p:prevCondLst>
-              <p:nextCondLst>
-                <p:cond evt="onNext" delay="0">
-                  <p:tgtEl>
-                    <p:sldTgt/>
-                  </p:tgtEl>
-                </p:cond>
-              </p:nextCondLst>
-            </p:seq>
-          </p:childTnLst>
-        </p:cTn>
-      </p:par>
-    </p:tnLst>
-    <p:bldLst>
-      <p:bldP spid="17" grpId="0" animBg="1"/>
-      <p:bldP spid="19" grpId="0" animBg="1"/>
-      <p:bldP spid="20" grpId="0" animBg="1"/>
-    </p:bldLst>
   </p:timing>
 </p:sld>
 </file>
